--- a/spring12/slidesS12/partial-orders.pptx
+++ b/spring12/slidesS12/partial-orders.pptx
@@ -217,7 +217,7 @@
             <a:fld id="{D875CB5D-1501-4E8C-8449-8F562B53033D}" type="datetimeFigureOut">
               <a:rPr lang="en-US" smtClean="0"/>
               <a:pPr/>
-              <a:t>3/12/12</a:t>
+              <a:t>3/17/12</a:t>
             </a:fld>
             <a:endParaRPr lang="en-US"/>
           </a:p>
@@ -384,7 +384,7 @@
             <a:fld id="{2E64E5CB-D4EF-403A-9BB6-139C52688DF7}" type="datetimeFigureOut">
               <a:rPr lang="en-US" smtClean="0"/>
               <a:pPr/>
-              <a:t>3/12/12</a:t>
+              <a:t>3/17/12</a:t>
             </a:fld>
             <a:endParaRPr lang="en-US"/>
           </a:p>
@@ -3425,8 +3425,20 @@
           </a:lstStyle>
           <a:p>
             <a:r>
+              <a:rPr lang="en-US" sz="5400" dirty="0">
+                <a:solidFill>
+                  <a:srgbClr val="7030A0"/>
+                </a:solidFill>
+              </a:rPr>
+              <a:t>strict</a:t>
+            </a:r>
+            <a:r>
               <a:rPr lang="en-US" sz="5400" dirty="0" smtClean="0"/>
-              <a:t>strict partial orders</a:t>
+              <a:t> </a:t>
+            </a:r>
+            <a:r>
+              <a:rPr lang="en-US" sz="5400" dirty="0" smtClean="0"/>
+              <a:t>partial orders</a:t>
             </a:r>
             <a:endParaRPr lang="en-US" sz="5400" dirty="0"/>
           </a:p>
@@ -3762,7 +3774,7 @@
             <a:graphicData uri="http://schemas.openxmlformats.org/presentationml/2006/ole">
               <mc:AlternateContent xmlns:mc="http://schemas.openxmlformats.org/markup-compatibility/2006">
                 <mc:Choice xmlns:v="urn:schemas-microsoft-com:vml" Requires="v">
-                  <p:oleObj spid="_x0000_s123925" name="Equation" r:id="rId3" imgW="76200" imgH="165100" progId="Equation.DSMT4">
+                  <p:oleObj spid="_x0000_s123935" name="Equation" r:id="rId3" imgW="76200" imgH="165100" progId="Equation.DSMT4">
                     <p:embed/>
                   </p:oleObj>
                 </mc:Choice>
@@ -3928,7 +3940,7 @@
             <a:graphicData uri="http://schemas.openxmlformats.org/presentationml/2006/ole">
               <mc:AlternateContent xmlns:mc="http://schemas.openxmlformats.org/markup-compatibility/2006">
                 <mc:Choice xmlns:v="urn:schemas-microsoft-com:vml" Requires="v">
-                  <p:oleObj spid="_x0000_s123926" name="Equation" r:id="rId5" imgW="76200" imgH="165100" progId="Equation.DSMT4">
+                  <p:oleObj spid="_x0000_s123936" name="Equation" r:id="rId5" imgW="76200" imgH="165100" progId="Equation.DSMT4">
                     <p:embed/>
                   </p:oleObj>
                 </mc:Choice>
@@ -4094,7 +4106,7 @@
             <a:graphicData uri="http://schemas.openxmlformats.org/presentationml/2006/ole">
               <mc:AlternateContent xmlns:mc="http://schemas.openxmlformats.org/markup-compatibility/2006">
                 <mc:Choice xmlns:v="urn:schemas-microsoft-com:vml" Requires="v">
-                  <p:oleObj spid="_x0000_s123927" name="Equation" r:id="rId7" imgW="76200" imgH="165100" progId="Equation.DSMT4">
+                  <p:oleObj spid="_x0000_s123937" name="Equation" r:id="rId7" imgW="76200" imgH="165100" progId="Equation.DSMT4">
                     <p:embed/>
                   </p:oleObj>
                 </mc:Choice>
@@ -4177,7 +4189,7 @@
                   <a:srgbClr val="000000"/>
                 </a:solidFill>
               </a:rPr>
-              <a:t>path total </a:t>
+              <a:t>path-total </a:t>
             </a:r>
             <a:r>
               <a:rPr lang="en-US" sz="4800" dirty="0">
@@ -4213,18 +4225,9 @@
   <p:clrMapOvr>
     <a:masterClrMapping/>
   </p:clrMapOvr>
-  <mc:AlternateContent xmlns:mc="http://schemas.openxmlformats.org/markup-compatibility/2006" xmlns:p14="http://schemas.microsoft.com/office/powerpoint/2010/main">
-    <mc:Choice Requires="p14">
-      <p:transition spd="med" p14:dur="700">
-        <p:fade/>
-      </p:transition>
-    </mc:Choice>
-    <mc:Fallback xmlns="">
-      <p:transition xmlns:p14="http://schemas.microsoft.com/office/powerpoint/2010/main" spd="med">
-        <p:fade/>
-      </p:transition>
-    </mc:Fallback>
-  </mc:AlternateContent>
+  <p:transition xmlns:p14="http://schemas.microsoft.com/office/powerpoint/2010/main" spd="slow">
+    <p:fade thruBlk="1"/>
+  </p:transition>
   <p:timing>
     <p:tnLst>
       <p:par>
@@ -4271,7 +4274,7 @@
                                     </p:set>
                                     <p:animEffect transition="in" filter="wipe(up)">
                                       <p:cBhvr>
-                                        <p:cTn id="7" dur="1000"/>
+                                        <p:cTn id="7" dur="500"/>
                                         <p:tgtEl>
                                           <p:spTgt spid="83"/>
                                         </p:tgtEl>
@@ -4286,7 +4289,7 @@
                         <p:par>
                           <p:cTn id="8" fill="hold">
                             <p:stCondLst>
-                              <p:cond delay="1000"/>
+                              <p:cond delay="500"/>
                             </p:stCondLst>
                             <p:childTnLst>
                               <p:par>
@@ -4315,7 +4318,7 @@
                                     </p:set>
                                     <p:animEffect transition="in" filter="wipe(up)">
                                       <p:cBhvr>
-                                        <p:cTn id="11" dur="1000"/>
+                                        <p:cTn id="11" dur="500"/>
                                         <p:tgtEl>
                                           <p:spTgt spid="84"/>
                                         </p:tgtEl>
@@ -4330,7 +4333,7 @@
                         <p:par>
                           <p:cTn id="12" fill="hold">
                             <p:stCondLst>
-                              <p:cond delay="2000"/>
+                              <p:cond delay="1000"/>
                             </p:stCondLst>
                             <p:childTnLst>
                               <p:par>
@@ -4359,7 +4362,7 @@
                                     </p:set>
                                     <p:animEffect transition="in" filter="wipe(up)">
                                       <p:cBhvr>
-                                        <p:cTn id="15" dur="1000"/>
+                                        <p:cTn id="15" dur="500"/>
                                         <p:tgtEl>
                                           <p:spTgt spid="89"/>
                                         </p:tgtEl>
@@ -4439,7 +4442,7 @@
                   <a:srgbClr val="000000"/>
                 </a:solidFill>
               </a:rPr>
-              <a:t>path total </a:t>
+              <a:t>path-total </a:t>
             </a:r>
             <a:r>
               <a:rPr lang="en-US" sz="4800" dirty="0">
@@ -4656,9 +4659,18 @@
   <p:clrMapOvr>
     <a:masterClrMapping/>
   </p:clrMapOvr>
-  <p:transition xmlns:p14="http://schemas.microsoft.com/office/powerpoint/2010/main" spd="slow">
-    <p:fade thruBlk="1"/>
-  </p:transition>
+  <mc:AlternateContent xmlns:mc="http://schemas.openxmlformats.org/markup-compatibility/2006">
+    <mc:Choice xmlns:p14="http://schemas.microsoft.com/office/powerpoint/2010/main" Requires="p14">
+      <p:transition spd="med" p14:dur="700">
+        <p:fade/>
+      </p:transition>
+    </mc:Choice>
+    <mc:Fallback>
+      <p:transition xmlns:p14="http://schemas.microsoft.com/office/powerpoint/2010/main" spd="med">
+        <p:fade/>
+      </p:transition>
+    </mc:Fallback>
+  </mc:AlternateContent>
   <p:timing>
     <p:tnLst>
       <p:par>
@@ -4695,7 +4707,7 @@
                                         <p:tgtEl>
                                           <p:spTgt spid="559107">
                                             <p:txEl>
-                                              <p:pRg st="0" end="0"/>
+                                              <p:pRg st="1" end="1"/>
                                             </p:txEl>
                                           </p:spTgt>
                                         </p:tgtEl>
@@ -4713,67 +4725,6 @@
                                         <p:tgtEl>
                                           <p:spTgt spid="559107">
                                             <p:txEl>
-                                              <p:pRg st="0" end="0"/>
-                                            </p:txEl>
-                                          </p:spTgt>
-                                        </p:tgtEl>
-                                      </p:cBhvr>
-                                    </p:animEffect>
-                                  </p:childTnLst>
-                                </p:cTn>
-                              </p:par>
-                            </p:childTnLst>
-                          </p:cTn>
-                        </p:par>
-                      </p:childTnLst>
-                    </p:cTn>
-                  </p:par>
-                  <p:par>
-                    <p:cTn id="8" fill="hold">
-                      <p:stCondLst>
-                        <p:cond delay="indefinite"/>
-                      </p:stCondLst>
-                      <p:childTnLst>
-                        <p:par>
-                          <p:cTn id="9" fill="hold">
-                            <p:stCondLst>
-                              <p:cond delay="0"/>
-                            </p:stCondLst>
-                            <p:childTnLst>
-                              <p:par>
-                                <p:cTn id="10" presetID="9" presetClass="entr" presetSubtype="0" fill="hold" grpId="0" nodeType="clickEffect">
-                                  <p:stCondLst>
-                                    <p:cond delay="0"/>
-                                  </p:stCondLst>
-                                  <p:childTnLst>
-                                    <p:set>
-                                      <p:cBhvr>
-                                        <p:cTn id="11" dur="1" fill="hold">
-                                          <p:stCondLst>
-                                            <p:cond delay="0"/>
-                                          </p:stCondLst>
-                                        </p:cTn>
-                                        <p:tgtEl>
-                                          <p:spTgt spid="559107">
-                                            <p:txEl>
-                                              <p:pRg st="1" end="1"/>
-                                            </p:txEl>
-                                          </p:spTgt>
-                                        </p:tgtEl>
-                                        <p:attrNameLst>
-                                          <p:attrName>style.visibility</p:attrName>
-                                        </p:attrNameLst>
-                                      </p:cBhvr>
-                                      <p:to>
-                                        <p:strVal val="visible"/>
-                                      </p:to>
-                                    </p:set>
-                                    <p:animEffect transition="in" filter="dissolve">
-                                      <p:cBhvr>
-                                        <p:cTn id="12" dur="500"/>
-                                        <p:tgtEl>
-                                          <p:spTgt spid="559107">
-                                            <p:txEl>
                                               <p:pRg st="1" end="1"/>
                                             </p:txEl>
                                           </p:spTgt>
@@ -4784,14 +4735,14 @@
                                 </p:cTn>
                               </p:par>
                               <p:par>
-                                <p:cTn id="13" presetID="9" presetClass="entr" presetSubtype="0" fill="hold" grpId="0" nodeType="withEffect">
+                                <p:cTn id="8" presetID="9" presetClass="entr" presetSubtype="0" fill="hold" grpId="0" nodeType="withEffect">
                                   <p:stCondLst>
                                     <p:cond delay="0"/>
                                   </p:stCondLst>
                                   <p:childTnLst>
                                     <p:set>
                                       <p:cBhvr>
-                                        <p:cTn id="14" dur="1" fill="hold">
+                                        <p:cTn id="9" dur="1" fill="hold">
                                           <p:stCondLst>
                                             <p:cond delay="0"/>
                                           </p:stCondLst>
@@ -4813,7 +4764,7 @@
                                     </p:set>
                                     <p:animEffect transition="in" filter="dissolve">
                                       <p:cBhvr>
-                                        <p:cTn id="15" dur="500"/>
+                                        <p:cTn id="10" dur="500"/>
                                         <p:tgtEl>
                                           <p:spTgt spid="559107">
                                             <p:txEl>
@@ -4833,26 +4784,26 @@
                     </p:cTn>
                   </p:par>
                   <p:par>
-                    <p:cTn id="16" fill="hold">
+                    <p:cTn id="11" fill="hold">
                       <p:stCondLst>
                         <p:cond delay="indefinite"/>
                       </p:stCondLst>
                       <p:childTnLst>
                         <p:par>
-                          <p:cTn id="17" fill="hold">
+                          <p:cTn id="12" fill="hold">
                             <p:stCondLst>
                               <p:cond delay="0"/>
                             </p:stCondLst>
                             <p:childTnLst>
                               <p:par>
-                                <p:cTn id="18" presetID="9" presetClass="entr" presetSubtype="0" fill="hold" grpId="0" nodeType="clickEffect">
+                                <p:cTn id="13" presetID="9" presetClass="entr" presetSubtype="0" fill="hold" grpId="0" nodeType="clickEffect">
                                   <p:stCondLst>
                                     <p:cond delay="0"/>
                                   </p:stCondLst>
                                   <p:childTnLst>
                                     <p:set>
                                       <p:cBhvr>
-                                        <p:cTn id="19" dur="1" fill="hold">
+                                        <p:cTn id="14" dur="1" fill="hold">
                                           <p:stCondLst>
                                             <p:cond delay="0"/>
                                           </p:stCondLst>
@@ -4870,7 +4821,7 @@
                                     </p:set>
                                     <p:animEffect transition="in" filter="dissolve">
                                       <p:cBhvr>
-                                        <p:cTn id="20" dur="500"/>
+                                        <p:cTn id="15" dur="500"/>
                                         <p:tgtEl>
                                           <p:spTgt spid="10"/>
                                         </p:tgtEl>
@@ -5134,17 +5085,20 @@
           <a:p>
             <a:pPr marL="742950" indent="-285750"/>
             <a:r>
+              <a:rPr lang="en-US" sz="4000" dirty="0" smtClean="0">
+                <a:latin typeface="Comic Sans MS" pitchFamily="66" charset="0"/>
+              </a:rPr>
+              <a:t>examples:</a:t>
+            </a:r>
+            <a:r>
               <a:rPr lang="en-US" sz="4000" i="1" dirty="0" smtClean="0">
                 <a:latin typeface="Comic Sans MS" pitchFamily="66" charset="0"/>
               </a:rPr>
-              <a:t>examples: </a:t>
-            </a:r>
-          </a:p>
-          <a:p>
-            <a:pPr marL="742950" indent="-285750">
-              <a:buFont typeface="Arial" pitchFamily="34" charset="0"/>
-              <a:buChar char="•"/>
-            </a:pPr>
+              <a:t> </a:t>
+            </a:r>
+          </a:p>
+          <a:p>
+            <a:pPr marL="457200"/>
             <a:r>
               <a:rPr lang="en-US" sz="6000" dirty="0" smtClean="0">
                 <a:solidFill>
@@ -5177,10 +5131,7 @@
             </a:r>
           </a:p>
           <a:p>
-            <a:pPr marL="742950" indent="-285750">
-              <a:buFont typeface="Arial" pitchFamily="34" charset="0"/>
-              <a:buChar char="•"/>
-            </a:pPr>
+            <a:pPr marL="457200"/>
             <a:r>
               <a:rPr lang="en-US" sz="5400" b="1" dirty="0" smtClean="0">
                 <a:solidFill>
@@ -8018,9 +7969,18 @@
   <p:clrMapOvr>
     <a:masterClrMapping/>
   </p:clrMapOvr>
-  <p:transition xmlns:p14="http://schemas.microsoft.com/office/powerpoint/2010/main" spd="slow">
-    <p:fade thruBlk="1"/>
-  </p:transition>
+  <mc:AlternateContent xmlns:mc="http://schemas.openxmlformats.org/markup-compatibility/2006">
+    <mc:Choice xmlns:p14="http://schemas.microsoft.com/office/powerpoint/2010/main" Requires="p14">
+      <p:transition spd="med" p14:dur="700">
+        <p:fade/>
+      </p:transition>
+    </mc:Choice>
+    <mc:Fallback>
+      <p:transition xmlns:p14="http://schemas.microsoft.com/office/powerpoint/2010/main" spd="med">
+        <p:fade/>
+      </p:transition>
+    </mc:Fallback>
+  </mc:AlternateContent>
   <p:timing>
     <p:tnLst>
       <p:par>
@@ -9114,6 +9074,95 @@
             </a:p>
           </p:txBody>
         </p:sp>
+      </p:grpSp>
+      <p:grpSp>
+        <p:nvGrpSpPr>
+          <p:cNvPr id="27" name="Group 26"/>
+          <p:cNvGrpSpPr/>
+          <p:nvPr/>
+        </p:nvGrpSpPr>
+        <p:grpSpPr>
+          <a:xfrm>
+            <a:off x="2133600" y="3886200"/>
+            <a:ext cx="4419600" cy="76200"/>
+            <a:chOff x="2057400" y="3886200"/>
+            <a:chExt cx="4419600" cy="76200"/>
+          </a:xfrm>
+        </p:grpSpPr>
+        <p:cxnSp>
+          <p:nvCxnSpPr>
+            <p:cNvPr id="16" name="Curved Connector 15"/>
+            <p:cNvCxnSpPr/>
+            <p:nvPr/>
+          </p:nvCxnSpPr>
+          <p:spPr>
+            <a:xfrm flipV="1">
+              <a:off x="2057400" y="3886200"/>
+              <a:ext cx="2286000" cy="76200"/>
+            </a:xfrm>
+            <a:prstGeom prst="curvedConnector3">
+              <a:avLst>
+                <a:gd name="adj1" fmla="val 50875"/>
+              </a:avLst>
+            </a:prstGeom>
+            <a:ln>
+              <a:solidFill>
+                <a:srgbClr val="FF0000"/>
+              </a:solidFill>
+              <a:tailEnd type="arrow"/>
+            </a:ln>
+          </p:spPr>
+          <p:style>
+            <a:lnRef idx="2">
+              <a:schemeClr val="accent1"/>
+            </a:lnRef>
+            <a:fillRef idx="0">
+              <a:schemeClr val="accent1"/>
+            </a:fillRef>
+            <a:effectRef idx="1">
+              <a:schemeClr val="accent1"/>
+            </a:effectRef>
+            <a:fontRef idx="minor">
+              <a:schemeClr val="tx1"/>
+            </a:fontRef>
+          </p:style>
+        </p:cxnSp>
+        <p:cxnSp>
+          <p:nvCxnSpPr>
+            <p:cNvPr id="23" name="Curved Connector 22"/>
+            <p:cNvCxnSpPr/>
+            <p:nvPr/>
+          </p:nvCxnSpPr>
+          <p:spPr>
+            <a:xfrm>
+              <a:off x="4267200" y="3886200"/>
+              <a:ext cx="2209800" cy="76200"/>
+            </a:xfrm>
+            <a:prstGeom prst="curvedConnector3">
+              <a:avLst/>
+            </a:prstGeom>
+            <a:ln>
+              <a:solidFill>
+                <a:srgbClr val="FF0000"/>
+              </a:solidFill>
+              <a:tailEnd type="arrow"/>
+            </a:ln>
+          </p:spPr>
+          <p:style>
+            <a:lnRef idx="2">
+              <a:schemeClr val="accent1"/>
+            </a:lnRef>
+            <a:fillRef idx="0">
+              <a:schemeClr val="accent1"/>
+            </a:fillRef>
+            <a:effectRef idx="1">
+              <a:schemeClr val="accent1"/>
+            </a:effectRef>
+            <a:fontRef idx="minor">
+              <a:schemeClr val="tx1"/>
+            </a:fontRef>
+          </p:style>
+        </p:cxnSp>
       </p:grpSp>
     </p:spTree>
     <p:extLst>
@@ -9521,6 +9570,50 @@
                             </p:childTnLst>
                           </p:cTn>
                         </p:par>
+                        <p:par>
+                          <p:cTn id="35" fill="hold">
+                            <p:stCondLst>
+                              <p:cond delay="500"/>
+                            </p:stCondLst>
+                            <p:childTnLst>
+                              <p:par>
+                                <p:cTn id="36" presetID="22" presetClass="entr" presetSubtype="8" fill="hold" nodeType="afterEffect">
+                                  <p:stCondLst>
+                                    <p:cond delay="0"/>
+                                  </p:stCondLst>
+                                  <p:childTnLst>
+                                    <p:set>
+                                      <p:cBhvr>
+                                        <p:cTn id="37" dur="1" fill="hold">
+                                          <p:stCondLst>
+                                            <p:cond delay="0"/>
+                                          </p:stCondLst>
+                                        </p:cTn>
+                                        <p:tgtEl>
+                                          <p:spTgt spid="27"/>
+                                        </p:tgtEl>
+                                        <p:attrNameLst>
+                                          <p:attrName>style.visibility</p:attrName>
+                                        </p:attrNameLst>
+                                      </p:cBhvr>
+                                      <p:to>
+                                        <p:strVal val="visible"/>
+                                      </p:to>
+                                    </p:set>
+                                    <p:animEffect transition="in" filter="wipe(left)">
+                                      <p:cBhvr>
+                                        <p:cTn id="38" dur="500"/>
+                                        <p:tgtEl>
+                                          <p:spTgt spid="27"/>
+                                        </p:tgtEl>
+                                      </p:cBhvr>
+                                    </p:animEffect>
+                                  </p:childTnLst>
+                                </p:cTn>
+                              </p:par>
+                            </p:childTnLst>
+                          </p:cTn>
+                        </p:par>
                       </p:childTnLst>
                     </p:cTn>
                   </p:par>
@@ -10049,6 +10142,9 @@
                     <p:cTn id="3" fill="hold">
                       <p:stCondLst>
                         <p:cond delay="indefinite"/>
+                        <p:cond evt="onBegin" delay="0">
+                          <p:tn val="2"/>
+                        </p:cond>
                       </p:stCondLst>
                       <p:childTnLst>
                         <p:par>
@@ -10058,7 +10154,7 @@
                             </p:stCondLst>
                             <p:childTnLst>
                               <p:par>
-                                <p:cTn id="5" presetID="9" presetClass="entr" presetSubtype="0" fill="hold" grpId="0" nodeType="clickEffect">
+                                <p:cTn id="5" presetID="9" presetClass="entr" presetSubtype="0" fill="hold" grpId="0" nodeType="afterEffect">
                                   <p:stCondLst>
                                     <p:cond delay="0"/>
                                   </p:stCondLst>
@@ -10087,7 +10183,7 @@
                                     </p:set>
                                     <p:animEffect transition="in" filter="dissolve">
                                       <p:cBhvr>
-                                        <p:cTn id="7" dur="500"/>
+                                        <p:cTn id="7" dur="1000"/>
                                         <p:tgtEl>
                                           <p:spTgt spid="4">
                                             <p:txEl>
@@ -10130,7 +10226,7 @@
                                     </p:set>
                                     <p:animEffect transition="in" filter="dissolve">
                                       <p:cBhvr>
-                                        <p:cTn id="10" dur="500"/>
+                                        <p:cTn id="10" dur="1000"/>
                                         <p:tgtEl>
                                           <p:spTgt spid="4">
                                             <p:txEl>
@@ -10162,7 +10258,7 @@
                             </p:stCondLst>
                             <p:childTnLst>
                               <p:par>
-                                <p:cTn id="13" presetID="2" presetClass="entr" presetSubtype="4" fill="hold" grpId="0" nodeType="clickEffect">
+                                <p:cTn id="13" presetID="9" presetClass="entr" presetSubtype="0" fill="hold" grpId="0" nodeType="clickEffect">
                                   <p:stCondLst>
                                     <p:cond delay="0"/>
                                   </p:stCondLst>
@@ -10185,52 +10281,14 @@
                                         <p:strVal val="visible"/>
                                       </p:to>
                                     </p:set>
-                                    <p:anim calcmode="lin" valueType="num">
-                                      <p:cBhvr additive="base">
-                                        <p:cTn id="15" dur="500" fill="hold"/>
+                                    <p:animEffect transition="in" filter="dissolve">
+                                      <p:cBhvr>
+                                        <p:cTn id="15" dur="1000"/>
                                         <p:tgtEl>
                                           <p:spTgt spid="3"/>
                                         </p:tgtEl>
-                                        <p:attrNameLst>
-                                          <p:attrName>ppt_x</p:attrName>
-                                        </p:attrNameLst>
                                       </p:cBhvr>
-                                      <p:tavLst>
-                                        <p:tav tm="0">
-                                          <p:val>
-                                            <p:strVal val="#ppt_x"/>
-                                          </p:val>
-                                        </p:tav>
-                                        <p:tav tm="100000">
-                                          <p:val>
-                                            <p:strVal val="#ppt_x"/>
-                                          </p:val>
-                                        </p:tav>
-                                      </p:tavLst>
-                                    </p:anim>
-                                    <p:anim calcmode="lin" valueType="num">
-                                      <p:cBhvr additive="base">
-                                        <p:cTn id="16" dur="500" fill="hold"/>
-                                        <p:tgtEl>
-                                          <p:spTgt spid="3"/>
-                                        </p:tgtEl>
-                                        <p:attrNameLst>
-                                          <p:attrName>ppt_y</p:attrName>
-                                        </p:attrNameLst>
-                                      </p:cBhvr>
-                                      <p:tavLst>
-                                        <p:tav tm="0">
-                                          <p:val>
-                                            <p:strVal val="1+#ppt_h/2"/>
-                                          </p:val>
-                                        </p:tav>
-                                        <p:tav tm="100000">
-                                          <p:val>
-                                            <p:strVal val="#ppt_y"/>
-                                          </p:val>
-                                        </p:tav>
-                                      </p:tavLst>
-                                    </p:anim>
+                                    </p:animEffect>
                                   </p:childTnLst>
                                 </p:cTn>
                               </p:par>
@@ -12619,10 +12677,16 @@
           <a:p>
             <a:pPr marL="742950" indent="-285750" algn="l"/>
             <a:r>
+              <a:rPr lang="en-US" sz="4400" dirty="0" smtClean="0">
+                <a:latin typeface="Comic Sans MS" pitchFamily="66" charset="0"/>
+              </a:rPr>
+              <a:t>examples:</a:t>
+            </a:r>
+            <a:r>
               <a:rPr lang="en-US" sz="4400" i="1" dirty="0" smtClean="0">
                 <a:latin typeface="Comic Sans MS" pitchFamily="66" charset="0"/>
               </a:rPr>
-              <a:t>examples: </a:t>
+              <a:t> </a:t>
             </a:r>
           </a:p>
           <a:p>

--- a/spring12/slidesS12/partial-orders.pptx
+++ b/spring12/slidesS12/partial-orders.pptx
@@ -5,10 +5,10 @@
     <p:sldMasterId id="2147483648" r:id="rId1"/>
   </p:sldMasterIdLst>
   <p:notesMasterIdLst>
-    <p:notesMasterId r:id="rId21"/>
+    <p:notesMasterId r:id="rId24"/>
   </p:notesMasterIdLst>
   <p:handoutMasterIdLst>
-    <p:handoutMasterId r:id="rId22"/>
+    <p:handoutMasterId r:id="rId25"/>
   </p:handoutMasterIdLst>
   <p:sldIdLst>
     <p:sldId id="276" r:id="rId2"/>
@@ -21,20 +21,23 @@
     <p:sldId id="279" r:id="rId9"/>
     <p:sldId id="445" r:id="rId10"/>
     <p:sldId id="443" r:id="rId11"/>
-    <p:sldId id="470" r:id="rId12"/>
-    <p:sldId id="460" r:id="rId13"/>
-    <p:sldId id="446" r:id="rId14"/>
-    <p:sldId id="447" r:id="rId15"/>
-    <p:sldId id="448" r:id="rId16"/>
-    <p:sldId id="462" r:id="rId17"/>
-    <p:sldId id="449" r:id="rId18"/>
-    <p:sldId id="450" r:id="rId19"/>
-    <p:sldId id="444" r:id="rId20"/>
+    <p:sldId id="460" r:id="rId12"/>
+    <p:sldId id="471" r:id="rId13"/>
+    <p:sldId id="473" r:id="rId14"/>
+    <p:sldId id="470" r:id="rId15"/>
+    <p:sldId id="474" r:id="rId16"/>
+    <p:sldId id="446" r:id="rId17"/>
+    <p:sldId id="447" r:id="rId18"/>
+    <p:sldId id="448" r:id="rId19"/>
+    <p:sldId id="462" r:id="rId20"/>
+    <p:sldId id="449" r:id="rId21"/>
+    <p:sldId id="450" r:id="rId22"/>
+    <p:sldId id="444" r:id="rId23"/>
   </p:sldIdLst>
   <p:sldSz cx="9144000" cy="6858000" type="screen4x3"/>
   <p:notesSz cx="9601200" cy="7315200"/>
   <p:custDataLst>
-    <p:tags r:id="rId24"/>
+    <p:tags r:id="rId27"/>
   </p:custDataLst>
   <p:defaultTextStyle>
     <a:defPPr>
@@ -217,7 +220,7 @@
             <a:fld id="{D875CB5D-1501-4E8C-8449-8F562B53033D}" type="datetimeFigureOut">
               <a:rPr lang="en-US" smtClean="0"/>
               <a:pPr/>
-              <a:t>3/17/12</a:t>
+              <a:t>3/18/12</a:t>
             </a:fld>
             <a:endParaRPr lang="en-US"/>
           </a:p>
@@ -384,7 +387,7 @@
             <a:fld id="{2E64E5CB-D4EF-403A-9BB6-139C52688DF7}" type="datetimeFigureOut">
               <a:rPr lang="en-US" smtClean="0"/>
               <a:pPr/>
-              <a:t>3/17/12</a:t>
+              <a:t>3/18/12</a:t>
             </a:fld>
             <a:endParaRPr lang="en-US"/>
           </a:p>
@@ -773,10 +776,10 @@
           <a:bodyPr/>
           <a:lstStyle/>
           <a:p>
-            <a:fld id="{93063D89-1BEB-44C7-9D60-7D34E53ADAED}" type="slidenum">
+            <a:fld id="{C34230E7-CC69-451E-AB82-0768BECFB6F3}" type="slidenum">
               <a:rPr lang="en-US"/>
               <a:pPr/>
-              <a:t>16</a:t>
+              <a:t>12</a:t>
             </a:fld>
             <a:endParaRPr lang="en-US"/>
           </a:p>
@@ -784,7 +787,7 @@
       </p:sp>
       <p:sp>
         <p:nvSpPr>
-          <p:cNvPr id="746498" name="Rectangle 2"/>
+          <p:cNvPr id="736258" name="Rectangle 2"/>
           <p:cNvSpPr>
             <a:spLocks noGrp="1" noRot="1" noChangeAspect="1" noChangeArrowheads="1" noTextEdit="1"/>
           </p:cNvSpPr>
@@ -798,7 +801,7 @@
       </p:sp>
       <p:sp>
         <p:nvSpPr>
-          <p:cNvPr id="746499" name="Rectangle 3"/>
+          <p:cNvPr id="736259" name="Rectangle 3"/>
           <p:cNvSpPr>
             <a:spLocks noGrp="1" noChangeArrowheads="1"/>
           </p:cNvSpPr>
@@ -857,10 +860,10 @@
           <a:bodyPr/>
           <a:lstStyle/>
           <a:p>
-            <a:fld id="{9885A2D2-EAA3-4553-820E-BF7714AE554C}" type="slidenum">
+            <a:fld id="{C34230E7-CC69-451E-AB82-0768BECFB6F3}" type="slidenum">
               <a:rPr lang="en-US"/>
               <a:pPr/>
-              <a:t>17</a:t>
+              <a:t>13</a:t>
             </a:fld>
             <a:endParaRPr lang="en-US"/>
           </a:p>
@@ -868,7 +871,7 @@
       </p:sp>
       <p:sp>
         <p:nvSpPr>
-          <p:cNvPr id="732162" name="Rectangle 2"/>
+          <p:cNvPr id="736258" name="Rectangle 2"/>
           <p:cNvSpPr>
             <a:spLocks noGrp="1" noRot="1" noChangeAspect="1" noChangeArrowheads="1" noTextEdit="1"/>
           </p:cNvSpPr>
@@ -882,7 +885,7 @@
       </p:sp>
       <p:sp>
         <p:nvSpPr>
-          <p:cNvPr id="732163" name="Rectangle 3"/>
+          <p:cNvPr id="736259" name="Rectangle 3"/>
           <p:cNvSpPr>
             <a:spLocks noGrp="1" noChangeArrowheads="1"/>
           </p:cNvSpPr>
@@ -908,6 +911,176 @@
 </file>
 
 <file path=ppt/notesSlides/notesSlide12.xml><?xml version="1.0" encoding="utf-8"?>
+<p:notes xmlns:a="http://schemas.openxmlformats.org/drawingml/2006/main" xmlns:r="http://schemas.openxmlformats.org/officeDocument/2006/relationships" xmlns:p="http://schemas.openxmlformats.org/presentationml/2006/main">
+  <p:cSld>
+    <p:spTree>
+      <p:nvGrpSpPr>
+        <p:cNvPr id="1" name=""/>
+        <p:cNvGrpSpPr/>
+        <p:nvPr/>
+      </p:nvGrpSpPr>
+      <p:grpSpPr>
+        <a:xfrm>
+          <a:off x="0" y="0"/>
+          <a:ext cx="0" cy="0"/>
+          <a:chOff x="0" y="0"/>
+          <a:chExt cx="0" cy="0"/>
+        </a:xfrm>
+      </p:grpSpPr>
+      <p:sp>
+        <p:nvSpPr>
+          <p:cNvPr id="2" name="Slide Image Placeholder 1"/>
+          <p:cNvSpPr>
+            <a:spLocks noGrp="1" noRot="1" noChangeAspect="1"/>
+          </p:cNvSpPr>
+          <p:nvPr>
+            <p:ph type="sldImg"/>
+          </p:nvPr>
+        </p:nvSpPr>
+        <p:spPr/>
+      </p:sp>
+      <p:sp>
+        <p:nvSpPr>
+          <p:cNvPr id="3" name="Notes Placeholder 2"/>
+          <p:cNvSpPr>
+            <a:spLocks noGrp="1"/>
+          </p:cNvSpPr>
+          <p:nvPr>
+            <p:ph type="body" idx="1"/>
+          </p:nvPr>
+        </p:nvSpPr>
+        <p:spPr/>
+        <p:txBody>
+          <a:bodyPr/>
+          <a:lstStyle/>
+          <a:p>
+            <a:endParaRPr lang="en-US"/>
+          </a:p>
+        </p:txBody>
+      </p:sp>
+      <p:sp>
+        <p:nvSpPr>
+          <p:cNvPr id="4" name="Slide Number Placeholder 3"/>
+          <p:cNvSpPr>
+            <a:spLocks noGrp="1"/>
+          </p:cNvSpPr>
+          <p:nvPr>
+            <p:ph type="sldNum" sz="quarter" idx="10"/>
+          </p:nvPr>
+        </p:nvSpPr>
+        <p:spPr/>
+        <p:txBody>
+          <a:bodyPr/>
+          <a:lstStyle/>
+          <a:p>
+            <a:fld id="{4E59DC59-ED3D-4108-AF3A-3AFD1215876E}" type="slidenum">
+              <a:rPr lang="en-US" smtClean="0"/>
+              <a:pPr/>
+              <a:t>14</a:t>
+            </a:fld>
+            <a:endParaRPr lang="en-US"/>
+          </a:p>
+        </p:txBody>
+      </p:sp>
+    </p:spTree>
+    <p:extLst>
+      <p:ext uri="{BB962C8B-B14F-4D97-AF65-F5344CB8AC3E}">
+        <p14:creationId xmlns:p14="http://schemas.microsoft.com/office/powerpoint/2010/main" val="1309948448"/>
+      </p:ext>
+    </p:extLst>
+  </p:cSld>
+  <p:clrMapOvr>
+    <a:masterClrMapping/>
+  </p:clrMapOvr>
+</p:notes>
+</file>
+
+<file path=ppt/notesSlides/notesSlide13.xml><?xml version="1.0" encoding="utf-8"?>
+<p:notes xmlns:a="http://schemas.openxmlformats.org/drawingml/2006/main" xmlns:r="http://schemas.openxmlformats.org/officeDocument/2006/relationships" xmlns:p="http://schemas.openxmlformats.org/presentationml/2006/main">
+  <p:cSld>
+    <p:spTree>
+      <p:nvGrpSpPr>
+        <p:cNvPr id="1" name=""/>
+        <p:cNvGrpSpPr/>
+        <p:nvPr/>
+      </p:nvGrpSpPr>
+      <p:grpSpPr>
+        <a:xfrm>
+          <a:off x="0" y="0"/>
+          <a:ext cx="0" cy="0"/>
+          <a:chOff x="0" y="0"/>
+          <a:chExt cx="0" cy="0"/>
+        </a:xfrm>
+      </p:grpSpPr>
+      <p:sp>
+        <p:nvSpPr>
+          <p:cNvPr id="2" name="Slide Image Placeholder 1"/>
+          <p:cNvSpPr>
+            <a:spLocks noGrp="1" noRot="1" noChangeAspect="1"/>
+          </p:cNvSpPr>
+          <p:nvPr>
+            <p:ph type="sldImg"/>
+          </p:nvPr>
+        </p:nvSpPr>
+        <p:spPr/>
+      </p:sp>
+      <p:sp>
+        <p:nvSpPr>
+          <p:cNvPr id="3" name="Notes Placeholder 2"/>
+          <p:cNvSpPr>
+            <a:spLocks noGrp="1"/>
+          </p:cNvSpPr>
+          <p:nvPr>
+            <p:ph type="body" idx="1"/>
+          </p:nvPr>
+        </p:nvSpPr>
+        <p:spPr/>
+        <p:txBody>
+          <a:bodyPr/>
+          <a:lstStyle/>
+          <a:p>
+            <a:endParaRPr lang="en-US"/>
+          </a:p>
+        </p:txBody>
+      </p:sp>
+      <p:sp>
+        <p:nvSpPr>
+          <p:cNvPr id="4" name="Slide Number Placeholder 3"/>
+          <p:cNvSpPr>
+            <a:spLocks noGrp="1"/>
+          </p:cNvSpPr>
+          <p:nvPr>
+            <p:ph type="sldNum" sz="quarter" idx="10"/>
+          </p:nvPr>
+        </p:nvSpPr>
+        <p:spPr/>
+        <p:txBody>
+          <a:bodyPr/>
+          <a:lstStyle/>
+          <a:p>
+            <a:fld id="{4E59DC59-ED3D-4108-AF3A-3AFD1215876E}" type="slidenum">
+              <a:rPr lang="en-US" smtClean="0"/>
+              <a:pPr/>
+              <a:t>15</a:t>
+            </a:fld>
+            <a:endParaRPr lang="en-US"/>
+          </a:p>
+        </p:txBody>
+      </p:sp>
+    </p:spTree>
+    <p:extLst>
+      <p:ext uri="{BB962C8B-B14F-4D97-AF65-F5344CB8AC3E}">
+        <p14:creationId xmlns:p14="http://schemas.microsoft.com/office/powerpoint/2010/main" val="1309948448"/>
+      </p:ext>
+    </p:extLst>
+  </p:cSld>
+  <p:clrMapOvr>
+    <a:masterClrMapping/>
+  </p:clrMapOvr>
+</p:notes>
+</file>
+
+<file path=ppt/notesSlides/notesSlide14.xml><?xml version="1.0" encoding="utf-8"?>
 <p:notes xmlns:a="http://schemas.openxmlformats.org/drawingml/2006/main" xmlns:r="http://schemas.openxmlformats.org/officeDocument/2006/relationships" xmlns:p="http://schemas.openxmlformats.org/presentationml/2006/main">
   <p:cSld>
     <p:spTree>
@@ -944,7 +1117,7 @@
             <a:fld id="{03FFB934-EACA-4282-936B-EFCFE70EF514}" type="slidenum">
               <a:rPr lang="en-US"/>
               <a:pPr/>
-              <a:t>18</a:t>
+              <a:t>16</a:t>
             </a:fld>
             <a:endParaRPr lang="en-US"/>
           </a:p>
@@ -991,7 +1164,7 @@
 </p:notes>
 </file>
 
-<file path=ppt/notesSlides/notesSlide13.xml><?xml version="1.0" encoding="utf-8"?>
+<file path=ppt/notesSlides/notesSlide15.xml><?xml version="1.0" encoding="utf-8"?>
 <p:notes xmlns:a="http://schemas.openxmlformats.org/drawingml/2006/main" xmlns:r="http://schemas.openxmlformats.org/officeDocument/2006/relationships" xmlns:p="http://schemas.openxmlformats.org/presentationml/2006/main">
   <p:cSld>
     <p:spTree>
@@ -1025,10 +1198,10 @@
           <a:bodyPr/>
           <a:lstStyle/>
           <a:p>
-            <a:fld id="{03FFB934-EACA-4282-936B-EFCFE70EF514}" type="slidenum">
+            <a:fld id="{03024885-B15F-4841-833A-C5A00D806DA7}" type="slidenum">
               <a:rPr lang="en-US"/>
               <a:pPr/>
-              <a:t>19</a:t>
+              <a:t>17</a:t>
             </a:fld>
             <a:endParaRPr lang="en-US"/>
           </a:p>
@@ -1036,7 +1209,7 @@
       </p:sp>
       <p:sp>
         <p:nvSpPr>
-          <p:cNvPr id="733186" name="Rectangle 2"/>
+          <p:cNvPr id="735234" name="Rectangle 2"/>
           <p:cNvSpPr>
             <a:spLocks noGrp="1" noRot="1" noChangeAspect="1" noChangeArrowheads="1" noTextEdit="1"/>
           </p:cNvSpPr>
@@ -1050,7 +1223,7 @@
       </p:sp>
       <p:sp>
         <p:nvSpPr>
-          <p:cNvPr id="733187" name="Rectangle 3"/>
+          <p:cNvPr id="735235" name="Rectangle 3"/>
           <p:cNvSpPr>
             <a:spLocks noGrp="1" noChangeArrowheads="1"/>
           </p:cNvSpPr>
@@ -1075,7 +1248,7 @@
 </p:notes>
 </file>
 
-<file path=ppt/notesSlides/notesSlide2.xml><?xml version="1.0" encoding="utf-8"?>
+<file path=ppt/notesSlides/notesSlide16.xml><?xml version="1.0" encoding="utf-8"?>
 <p:notes xmlns:a="http://schemas.openxmlformats.org/drawingml/2006/main" xmlns:r="http://schemas.openxmlformats.org/officeDocument/2006/relationships" xmlns:p="http://schemas.openxmlformats.org/presentationml/2006/main">
   <p:cSld>
     <p:spTree>
@@ -1109,10 +1282,431 @@
           <a:bodyPr/>
           <a:lstStyle/>
           <a:p>
+            <a:fld id="{9885A2D2-EAA3-4553-820E-BF7714AE554C}" type="slidenum">
+              <a:rPr lang="en-US"/>
+              <a:pPr/>
+              <a:t>18</a:t>
+            </a:fld>
+            <a:endParaRPr lang="en-US"/>
+          </a:p>
+        </p:txBody>
+      </p:sp>
+      <p:sp>
+        <p:nvSpPr>
+          <p:cNvPr id="732162" name="Rectangle 2"/>
+          <p:cNvSpPr>
+            <a:spLocks noGrp="1" noRot="1" noChangeAspect="1" noChangeArrowheads="1" noTextEdit="1"/>
+          </p:cNvSpPr>
+          <p:nvPr>
+            <p:ph type="sldImg"/>
+          </p:nvPr>
+        </p:nvSpPr>
+        <p:spPr>
+          <a:ln/>
+        </p:spPr>
+      </p:sp>
+      <p:sp>
+        <p:nvSpPr>
+          <p:cNvPr id="732163" name="Rectangle 3"/>
+          <p:cNvSpPr>
+            <a:spLocks noGrp="1" noChangeArrowheads="1"/>
+          </p:cNvSpPr>
+          <p:nvPr>
+            <p:ph type="body" idx="1"/>
+          </p:nvPr>
+        </p:nvSpPr>
+        <p:spPr/>
+        <p:txBody>
+          <a:bodyPr/>
+          <a:lstStyle/>
+          <a:p>
+            <a:endParaRPr lang="en-US"/>
+          </a:p>
+        </p:txBody>
+      </p:sp>
+    </p:spTree>
+  </p:cSld>
+  <p:clrMapOvr>
+    <a:masterClrMapping/>
+  </p:clrMapOvr>
+</p:notes>
+</file>
+
+<file path=ppt/notesSlides/notesSlide17.xml><?xml version="1.0" encoding="utf-8"?>
+<p:notes xmlns:a="http://schemas.openxmlformats.org/drawingml/2006/main" xmlns:r="http://schemas.openxmlformats.org/officeDocument/2006/relationships" xmlns:p="http://schemas.openxmlformats.org/presentationml/2006/main">
+  <p:cSld>
+    <p:spTree>
+      <p:nvGrpSpPr>
+        <p:cNvPr id="1" name=""/>
+        <p:cNvGrpSpPr/>
+        <p:nvPr/>
+      </p:nvGrpSpPr>
+      <p:grpSpPr>
+        <a:xfrm>
+          <a:off x="0" y="0"/>
+          <a:ext cx="0" cy="0"/>
+          <a:chOff x="0" y="0"/>
+          <a:chExt cx="0" cy="0"/>
+        </a:xfrm>
+      </p:grpSpPr>
+      <p:sp>
+        <p:nvSpPr>
+          <p:cNvPr id="7" name="Rectangle 7"/>
+          <p:cNvSpPr>
+            <a:spLocks noGrp="1" noChangeArrowheads="1"/>
+          </p:cNvSpPr>
+          <p:nvPr>
+            <p:ph type="sldNum" sz="quarter" idx="5"/>
+          </p:nvPr>
+        </p:nvSpPr>
+        <p:spPr>
+          <a:ln/>
+        </p:spPr>
+        <p:txBody>
+          <a:bodyPr/>
+          <a:lstStyle/>
+          <a:p>
+            <a:fld id="{93063D89-1BEB-44C7-9D60-7D34E53ADAED}" type="slidenum">
+              <a:rPr lang="en-US"/>
+              <a:pPr/>
+              <a:t>19</a:t>
+            </a:fld>
+            <a:endParaRPr lang="en-US"/>
+          </a:p>
+        </p:txBody>
+      </p:sp>
+      <p:sp>
+        <p:nvSpPr>
+          <p:cNvPr id="746498" name="Rectangle 2"/>
+          <p:cNvSpPr>
+            <a:spLocks noGrp="1" noRot="1" noChangeAspect="1" noChangeArrowheads="1" noTextEdit="1"/>
+          </p:cNvSpPr>
+          <p:nvPr>
+            <p:ph type="sldImg"/>
+          </p:nvPr>
+        </p:nvSpPr>
+        <p:spPr>
+          <a:ln/>
+        </p:spPr>
+      </p:sp>
+      <p:sp>
+        <p:nvSpPr>
+          <p:cNvPr id="746499" name="Rectangle 3"/>
+          <p:cNvSpPr>
+            <a:spLocks noGrp="1" noChangeArrowheads="1"/>
+          </p:cNvSpPr>
+          <p:nvPr>
+            <p:ph type="body" idx="1"/>
+          </p:nvPr>
+        </p:nvSpPr>
+        <p:spPr/>
+        <p:txBody>
+          <a:bodyPr/>
+          <a:lstStyle/>
+          <a:p>
+            <a:endParaRPr lang="en-US"/>
+          </a:p>
+        </p:txBody>
+      </p:sp>
+    </p:spTree>
+  </p:cSld>
+  <p:clrMapOvr>
+    <a:masterClrMapping/>
+  </p:clrMapOvr>
+</p:notes>
+</file>
+
+<file path=ppt/notesSlides/notesSlide18.xml><?xml version="1.0" encoding="utf-8"?>
+<p:notes xmlns:a="http://schemas.openxmlformats.org/drawingml/2006/main" xmlns:r="http://schemas.openxmlformats.org/officeDocument/2006/relationships" xmlns:p="http://schemas.openxmlformats.org/presentationml/2006/main">
+  <p:cSld>
+    <p:spTree>
+      <p:nvGrpSpPr>
+        <p:cNvPr id="1" name=""/>
+        <p:cNvGrpSpPr/>
+        <p:nvPr/>
+      </p:nvGrpSpPr>
+      <p:grpSpPr>
+        <a:xfrm>
+          <a:off x="0" y="0"/>
+          <a:ext cx="0" cy="0"/>
+          <a:chOff x="0" y="0"/>
+          <a:chExt cx="0" cy="0"/>
+        </a:xfrm>
+      </p:grpSpPr>
+      <p:sp>
+        <p:nvSpPr>
+          <p:cNvPr id="7" name="Rectangle 7"/>
+          <p:cNvSpPr>
+            <a:spLocks noGrp="1" noChangeArrowheads="1"/>
+          </p:cNvSpPr>
+          <p:nvPr>
+            <p:ph type="sldNum" sz="quarter" idx="5"/>
+          </p:nvPr>
+        </p:nvSpPr>
+        <p:spPr>
+          <a:ln/>
+        </p:spPr>
+        <p:txBody>
+          <a:bodyPr/>
+          <a:lstStyle/>
+          <a:p>
+            <a:fld id="{9885A2D2-EAA3-4553-820E-BF7714AE554C}" type="slidenum">
+              <a:rPr lang="en-US"/>
+              <a:pPr/>
+              <a:t>20</a:t>
+            </a:fld>
+            <a:endParaRPr lang="en-US"/>
+          </a:p>
+        </p:txBody>
+      </p:sp>
+      <p:sp>
+        <p:nvSpPr>
+          <p:cNvPr id="732162" name="Rectangle 2"/>
+          <p:cNvSpPr>
+            <a:spLocks noGrp="1" noRot="1" noChangeAspect="1" noChangeArrowheads="1" noTextEdit="1"/>
+          </p:cNvSpPr>
+          <p:nvPr>
+            <p:ph type="sldImg"/>
+          </p:nvPr>
+        </p:nvSpPr>
+        <p:spPr>
+          <a:ln/>
+        </p:spPr>
+      </p:sp>
+      <p:sp>
+        <p:nvSpPr>
+          <p:cNvPr id="732163" name="Rectangle 3"/>
+          <p:cNvSpPr>
+            <a:spLocks noGrp="1" noChangeArrowheads="1"/>
+          </p:cNvSpPr>
+          <p:nvPr>
+            <p:ph type="body" idx="1"/>
+          </p:nvPr>
+        </p:nvSpPr>
+        <p:spPr/>
+        <p:txBody>
+          <a:bodyPr/>
+          <a:lstStyle/>
+          <a:p>
+            <a:endParaRPr lang="en-US"/>
+          </a:p>
+        </p:txBody>
+      </p:sp>
+    </p:spTree>
+  </p:cSld>
+  <p:clrMapOvr>
+    <a:masterClrMapping/>
+  </p:clrMapOvr>
+</p:notes>
+</file>
+
+<file path=ppt/notesSlides/notesSlide19.xml><?xml version="1.0" encoding="utf-8"?>
+<p:notes xmlns:a="http://schemas.openxmlformats.org/drawingml/2006/main" xmlns:r="http://schemas.openxmlformats.org/officeDocument/2006/relationships" xmlns:p="http://schemas.openxmlformats.org/presentationml/2006/main">
+  <p:cSld>
+    <p:spTree>
+      <p:nvGrpSpPr>
+        <p:cNvPr id="1" name=""/>
+        <p:cNvGrpSpPr/>
+        <p:nvPr/>
+      </p:nvGrpSpPr>
+      <p:grpSpPr>
+        <a:xfrm>
+          <a:off x="0" y="0"/>
+          <a:ext cx="0" cy="0"/>
+          <a:chOff x="0" y="0"/>
+          <a:chExt cx="0" cy="0"/>
+        </a:xfrm>
+      </p:grpSpPr>
+      <p:sp>
+        <p:nvSpPr>
+          <p:cNvPr id="7" name="Rectangle 7"/>
+          <p:cNvSpPr>
+            <a:spLocks noGrp="1" noChangeArrowheads="1"/>
+          </p:cNvSpPr>
+          <p:nvPr>
+            <p:ph type="sldNum" sz="quarter" idx="5"/>
+          </p:nvPr>
+        </p:nvSpPr>
+        <p:spPr>
+          <a:ln/>
+        </p:spPr>
+        <p:txBody>
+          <a:bodyPr/>
+          <a:lstStyle/>
+          <a:p>
             <a:fld id="{03FFB934-EACA-4282-936B-EFCFE70EF514}" type="slidenum">
               <a:rPr lang="en-US"/>
               <a:pPr/>
-              <a:t>5</a:t>
+              <a:t>21</a:t>
+            </a:fld>
+            <a:endParaRPr lang="en-US"/>
+          </a:p>
+        </p:txBody>
+      </p:sp>
+      <p:sp>
+        <p:nvSpPr>
+          <p:cNvPr id="733186" name="Rectangle 2"/>
+          <p:cNvSpPr>
+            <a:spLocks noGrp="1" noRot="1" noChangeAspect="1" noChangeArrowheads="1" noTextEdit="1"/>
+          </p:cNvSpPr>
+          <p:nvPr>
+            <p:ph type="sldImg"/>
+          </p:nvPr>
+        </p:nvSpPr>
+        <p:spPr>
+          <a:ln/>
+        </p:spPr>
+      </p:sp>
+      <p:sp>
+        <p:nvSpPr>
+          <p:cNvPr id="733187" name="Rectangle 3"/>
+          <p:cNvSpPr>
+            <a:spLocks noGrp="1" noChangeArrowheads="1"/>
+          </p:cNvSpPr>
+          <p:nvPr>
+            <p:ph type="body" idx="1"/>
+          </p:nvPr>
+        </p:nvSpPr>
+        <p:spPr/>
+        <p:txBody>
+          <a:bodyPr/>
+          <a:lstStyle/>
+          <a:p>
+            <a:endParaRPr lang="en-US"/>
+          </a:p>
+        </p:txBody>
+      </p:sp>
+    </p:spTree>
+  </p:cSld>
+  <p:clrMapOvr>
+    <a:masterClrMapping/>
+  </p:clrMapOvr>
+</p:notes>
+</file>
+
+<file path=ppt/notesSlides/notesSlide2.xml><?xml version="1.0" encoding="utf-8"?>
+<p:notes xmlns:a="http://schemas.openxmlformats.org/drawingml/2006/main" xmlns:r="http://schemas.openxmlformats.org/officeDocument/2006/relationships" xmlns:p="http://schemas.openxmlformats.org/presentationml/2006/main">
+  <p:cSld>
+    <p:spTree>
+      <p:nvGrpSpPr>
+        <p:cNvPr id="1" name=""/>
+        <p:cNvGrpSpPr/>
+        <p:nvPr/>
+      </p:nvGrpSpPr>
+      <p:grpSpPr>
+        <a:xfrm>
+          <a:off x="0" y="0"/>
+          <a:ext cx="0" cy="0"/>
+          <a:chOff x="0" y="0"/>
+          <a:chExt cx="0" cy="0"/>
+        </a:xfrm>
+      </p:grpSpPr>
+      <p:sp>
+        <p:nvSpPr>
+          <p:cNvPr id="2" name="Slide Image Placeholder 1"/>
+          <p:cNvSpPr>
+            <a:spLocks noGrp="1" noRot="1" noChangeAspect="1"/>
+          </p:cNvSpPr>
+          <p:nvPr>
+            <p:ph type="sldImg"/>
+          </p:nvPr>
+        </p:nvSpPr>
+        <p:spPr/>
+      </p:sp>
+      <p:sp>
+        <p:nvSpPr>
+          <p:cNvPr id="3" name="Notes Placeholder 2"/>
+          <p:cNvSpPr>
+            <a:spLocks noGrp="1"/>
+          </p:cNvSpPr>
+          <p:nvPr>
+            <p:ph type="body" idx="1"/>
+          </p:nvPr>
+        </p:nvSpPr>
+        <p:spPr/>
+        <p:txBody>
+          <a:bodyPr/>
+          <a:lstStyle/>
+          <a:p>
+            <a:endParaRPr lang="en-US"/>
+          </a:p>
+        </p:txBody>
+      </p:sp>
+      <p:sp>
+        <p:nvSpPr>
+          <p:cNvPr id="4" name="Slide Number Placeholder 3"/>
+          <p:cNvSpPr>
+            <a:spLocks noGrp="1"/>
+          </p:cNvSpPr>
+          <p:nvPr>
+            <p:ph type="sldNum" sz="quarter" idx="10"/>
+          </p:nvPr>
+        </p:nvSpPr>
+        <p:spPr/>
+        <p:txBody>
+          <a:bodyPr/>
+          <a:lstStyle/>
+          <a:p>
+            <a:fld id="{4E59DC59-ED3D-4108-AF3A-3AFD1215876E}" type="slidenum">
+              <a:rPr lang="en-US" smtClean="0"/>
+              <a:pPr/>
+              <a:t>2</a:t>
+            </a:fld>
+            <a:endParaRPr lang="en-US"/>
+          </a:p>
+        </p:txBody>
+      </p:sp>
+    </p:spTree>
+    <p:extLst>
+      <p:ext uri="{BB962C8B-B14F-4D97-AF65-F5344CB8AC3E}">
+        <p14:creationId xmlns:p14="http://schemas.microsoft.com/office/powerpoint/2010/main" val="2437929577"/>
+      </p:ext>
+    </p:extLst>
+  </p:cSld>
+  <p:clrMapOvr>
+    <a:masterClrMapping/>
+  </p:clrMapOvr>
+</p:notes>
+</file>
+
+<file path=ppt/notesSlides/notesSlide20.xml><?xml version="1.0" encoding="utf-8"?>
+<p:notes xmlns:a="http://schemas.openxmlformats.org/drawingml/2006/main" xmlns:r="http://schemas.openxmlformats.org/officeDocument/2006/relationships" xmlns:p="http://schemas.openxmlformats.org/presentationml/2006/main">
+  <p:cSld>
+    <p:spTree>
+      <p:nvGrpSpPr>
+        <p:cNvPr id="1" name=""/>
+        <p:cNvGrpSpPr/>
+        <p:nvPr/>
+      </p:nvGrpSpPr>
+      <p:grpSpPr>
+        <a:xfrm>
+          <a:off x="0" y="0"/>
+          <a:ext cx="0" cy="0"/>
+          <a:chOff x="0" y="0"/>
+          <a:chExt cx="0" cy="0"/>
+        </a:xfrm>
+      </p:grpSpPr>
+      <p:sp>
+        <p:nvSpPr>
+          <p:cNvPr id="7" name="Rectangle 7"/>
+          <p:cNvSpPr>
+            <a:spLocks noGrp="1" noChangeArrowheads="1"/>
+          </p:cNvSpPr>
+          <p:nvPr>
+            <p:ph type="sldNum" sz="quarter" idx="5"/>
+          </p:nvPr>
+        </p:nvSpPr>
+        <p:spPr>
+          <a:ln/>
+        </p:spPr>
+        <p:txBody>
+          <a:bodyPr/>
+          <a:lstStyle/>
+          <a:p>
+            <a:fld id="{03FFB934-EACA-4282-936B-EFCFE70EF514}" type="slidenum">
+              <a:rPr lang="en-US"/>
+              <a:pPr/>
+              <a:t>22</a:t>
             </a:fld>
             <a:endParaRPr lang="en-US"/>
           </a:p>
@@ -1196,7 +1790,7 @@
             <a:fld id="{03FFB934-EACA-4282-936B-EFCFE70EF514}" type="slidenum">
               <a:rPr lang="en-US"/>
               <a:pPr/>
-              <a:t>8</a:t>
+              <a:t>5</a:t>
             </a:fld>
             <a:endParaRPr lang="en-US"/>
           </a:p>
@@ -1262,49 +1856,21 @@
       </p:grpSpPr>
       <p:sp>
         <p:nvSpPr>
-          <p:cNvPr id="7" name="Rectangle 7"/>
+          <p:cNvPr id="2" name="Slide Image Placeholder 1"/>
           <p:cNvSpPr>
-            <a:spLocks noGrp="1" noChangeArrowheads="1"/>
-          </p:cNvSpPr>
-          <p:nvPr>
-            <p:ph type="sldNum" sz="quarter" idx="5"/>
-          </p:nvPr>
-        </p:nvSpPr>
-        <p:spPr>
-          <a:ln/>
-        </p:spPr>
-        <p:txBody>
-          <a:bodyPr/>
-          <a:lstStyle/>
-          <a:p>
-            <a:fld id="{03FFB934-EACA-4282-936B-EFCFE70EF514}" type="slidenum">
-              <a:rPr lang="en-US"/>
-              <a:pPr/>
-              <a:t>9</a:t>
-            </a:fld>
-            <a:endParaRPr lang="en-US"/>
-          </a:p>
-        </p:txBody>
-      </p:sp>
-      <p:sp>
-        <p:nvSpPr>
-          <p:cNvPr id="733186" name="Rectangle 2"/>
-          <p:cNvSpPr>
-            <a:spLocks noGrp="1" noRot="1" noChangeAspect="1" noChangeArrowheads="1" noTextEdit="1"/>
+            <a:spLocks noGrp="1" noRot="1" noChangeAspect="1"/>
           </p:cNvSpPr>
           <p:nvPr>
             <p:ph type="sldImg"/>
           </p:nvPr>
         </p:nvSpPr>
-        <p:spPr>
-          <a:ln/>
-        </p:spPr>
+        <p:spPr/>
       </p:sp>
       <p:sp>
         <p:nvSpPr>
-          <p:cNvPr id="733187" name="Rectangle 3"/>
+          <p:cNvPr id="3" name="Notes Placeholder 2"/>
           <p:cNvSpPr>
-            <a:spLocks noGrp="1" noChangeArrowheads="1"/>
+            <a:spLocks noGrp="1"/>
           </p:cNvSpPr>
           <p:nvPr>
             <p:ph type="body" idx="1"/>
@@ -1319,7 +1885,36 @@
           </a:p>
         </p:txBody>
       </p:sp>
+      <p:sp>
+        <p:nvSpPr>
+          <p:cNvPr id="4" name="Slide Number Placeholder 3"/>
+          <p:cNvSpPr>
+            <a:spLocks noGrp="1"/>
+          </p:cNvSpPr>
+          <p:nvPr>
+            <p:ph type="sldNum" sz="quarter" idx="10"/>
+          </p:nvPr>
+        </p:nvSpPr>
+        <p:spPr/>
+        <p:txBody>
+          <a:bodyPr/>
+          <a:lstStyle/>
+          <a:p>
+            <a:fld id="{4E59DC59-ED3D-4108-AF3A-3AFD1215876E}" type="slidenum">
+              <a:rPr lang="en-US" smtClean="0"/>
+              <a:pPr/>
+              <a:t>6</a:t>
+            </a:fld>
+            <a:endParaRPr lang="en-US"/>
+          </a:p>
+        </p:txBody>
+      </p:sp>
     </p:spTree>
+    <p:extLst>
+      <p:ext uri="{BB962C8B-B14F-4D97-AF65-F5344CB8AC3E}">
+        <p14:creationId xmlns:p14="http://schemas.microsoft.com/office/powerpoint/2010/main" val="4072119082"/>
+      </p:ext>
+    </p:extLst>
   </p:cSld>
   <p:clrMapOvr>
     <a:masterClrMapping/>
@@ -1346,49 +1941,21 @@
       </p:grpSpPr>
       <p:sp>
         <p:nvSpPr>
-          <p:cNvPr id="7" name="Rectangle 7"/>
+          <p:cNvPr id="2" name="Slide Image Placeholder 1"/>
           <p:cNvSpPr>
-            <a:spLocks noGrp="1" noChangeArrowheads="1"/>
-          </p:cNvSpPr>
-          <p:nvPr>
-            <p:ph type="sldNum" sz="quarter" idx="5"/>
-          </p:nvPr>
-        </p:nvSpPr>
-        <p:spPr>
-          <a:ln/>
-        </p:spPr>
-        <p:txBody>
-          <a:bodyPr/>
-          <a:lstStyle/>
-          <a:p>
-            <a:fld id="{03FFB934-EACA-4282-936B-EFCFE70EF514}" type="slidenum">
-              <a:rPr lang="en-US"/>
-              <a:pPr/>
-              <a:t>10</a:t>
-            </a:fld>
-            <a:endParaRPr lang="en-US"/>
-          </a:p>
-        </p:txBody>
-      </p:sp>
-      <p:sp>
-        <p:nvSpPr>
-          <p:cNvPr id="733186" name="Rectangle 2"/>
-          <p:cNvSpPr>
-            <a:spLocks noGrp="1" noRot="1" noChangeAspect="1" noChangeArrowheads="1" noTextEdit="1"/>
+            <a:spLocks noGrp="1" noRot="1" noChangeAspect="1"/>
           </p:cNvSpPr>
           <p:nvPr>
             <p:ph type="sldImg"/>
           </p:nvPr>
         </p:nvSpPr>
-        <p:spPr>
-          <a:ln/>
-        </p:spPr>
+        <p:spPr/>
       </p:sp>
       <p:sp>
         <p:nvSpPr>
-          <p:cNvPr id="733187" name="Rectangle 3"/>
+          <p:cNvPr id="3" name="Notes Placeholder 2"/>
           <p:cNvSpPr>
-            <a:spLocks noGrp="1" noChangeArrowheads="1"/>
+            <a:spLocks noGrp="1"/>
           </p:cNvSpPr>
           <p:nvPr>
             <p:ph type="body" idx="1"/>
@@ -1403,7 +1970,36 @@
           </a:p>
         </p:txBody>
       </p:sp>
+      <p:sp>
+        <p:nvSpPr>
+          <p:cNvPr id="4" name="Slide Number Placeholder 3"/>
+          <p:cNvSpPr>
+            <a:spLocks noGrp="1"/>
+          </p:cNvSpPr>
+          <p:nvPr>
+            <p:ph type="sldNum" sz="quarter" idx="10"/>
+          </p:nvPr>
+        </p:nvSpPr>
+        <p:spPr/>
+        <p:txBody>
+          <a:bodyPr/>
+          <a:lstStyle/>
+          <a:p>
+            <a:fld id="{4E59DC59-ED3D-4108-AF3A-3AFD1215876E}" type="slidenum">
+              <a:rPr lang="en-US" smtClean="0"/>
+              <a:pPr/>
+              <a:t>7</a:t>
+            </a:fld>
+            <a:endParaRPr lang="en-US"/>
+          </a:p>
+        </p:txBody>
+      </p:sp>
     </p:spTree>
+    <p:extLst>
+      <p:ext uri="{BB962C8B-B14F-4D97-AF65-F5344CB8AC3E}">
+        <p14:creationId xmlns:p14="http://schemas.microsoft.com/office/powerpoint/2010/main" val="3131494747"/>
+      </p:ext>
+    </p:extLst>
   </p:cSld>
   <p:clrMapOvr>
     <a:masterClrMapping/>
@@ -1445,10 +2041,10 @@
           <a:bodyPr/>
           <a:lstStyle/>
           <a:p>
-            <a:fld id="{C34230E7-CC69-451E-AB82-0768BECFB6F3}" type="slidenum">
+            <a:fld id="{03FFB934-EACA-4282-936B-EFCFE70EF514}" type="slidenum">
               <a:rPr lang="en-US"/>
               <a:pPr/>
-              <a:t>12</a:t>
+              <a:t>8</a:t>
             </a:fld>
             <a:endParaRPr lang="en-US"/>
           </a:p>
@@ -1456,7 +2052,7 @@
       </p:sp>
       <p:sp>
         <p:nvSpPr>
-          <p:cNvPr id="736258" name="Rectangle 2"/>
+          <p:cNvPr id="733186" name="Rectangle 2"/>
           <p:cNvSpPr>
             <a:spLocks noGrp="1" noRot="1" noChangeAspect="1" noChangeArrowheads="1" noTextEdit="1"/>
           </p:cNvSpPr>
@@ -1470,7 +2066,7 @@
       </p:sp>
       <p:sp>
         <p:nvSpPr>
-          <p:cNvPr id="736259" name="Rectangle 3"/>
+          <p:cNvPr id="733187" name="Rectangle 3"/>
           <p:cNvSpPr>
             <a:spLocks noGrp="1" noChangeArrowheads="1"/>
           </p:cNvSpPr>
@@ -1532,7 +2128,7 @@
             <a:fld id="{03FFB934-EACA-4282-936B-EFCFE70EF514}" type="slidenum">
               <a:rPr lang="en-US"/>
               <a:pPr/>
-              <a:t>13</a:t>
+              <a:t>9</a:t>
             </a:fld>
             <a:endParaRPr lang="en-US"/>
           </a:p>
@@ -1613,10 +2209,10 @@
           <a:bodyPr/>
           <a:lstStyle/>
           <a:p>
-            <a:fld id="{03024885-B15F-4841-833A-C5A00D806DA7}" type="slidenum">
+            <a:fld id="{03FFB934-EACA-4282-936B-EFCFE70EF514}" type="slidenum">
               <a:rPr lang="en-US"/>
               <a:pPr/>
-              <a:t>14</a:t>
+              <a:t>10</a:t>
             </a:fld>
             <a:endParaRPr lang="en-US"/>
           </a:p>
@@ -1624,7 +2220,7 @@
       </p:sp>
       <p:sp>
         <p:nvSpPr>
-          <p:cNvPr id="735234" name="Rectangle 2"/>
+          <p:cNvPr id="733186" name="Rectangle 2"/>
           <p:cNvSpPr>
             <a:spLocks noGrp="1" noRot="1" noChangeAspect="1" noChangeArrowheads="1" noTextEdit="1"/>
           </p:cNvSpPr>
@@ -1638,7 +2234,7 @@
       </p:sp>
       <p:sp>
         <p:nvSpPr>
-          <p:cNvPr id="735235" name="Rectangle 3"/>
+          <p:cNvPr id="733187" name="Rectangle 3"/>
           <p:cNvSpPr>
             <a:spLocks noGrp="1" noChangeArrowheads="1"/>
           </p:cNvSpPr>
@@ -1697,10 +2293,10 @@
           <a:bodyPr/>
           <a:lstStyle/>
           <a:p>
-            <a:fld id="{9885A2D2-EAA3-4553-820E-BF7714AE554C}" type="slidenum">
+            <a:fld id="{C34230E7-CC69-451E-AB82-0768BECFB6F3}" type="slidenum">
               <a:rPr lang="en-US"/>
               <a:pPr/>
-              <a:t>15</a:t>
+              <a:t>11</a:t>
             </a:fld>
             <a:endParaRPr lang="en-US"/>
           </a:p>
@@ -1708,7 +2304,7 @@
       </p:sp>
       <p:sp>
         <p:nvSpPr>
-          <p:cNvPr id="732162" name="Rectangle 2"/>
+          <p:cNvPr id="736258" name="Rectangle 2"/>
           <p:cNvSpPr>
             <a:spLocks noGrp="1" noRot="1" noChangeAspect="1" noChangeArrowheads="1" noTextEdit="1"/>
           </p:cNvSpPr>
@@ -1722,7 +2318,7 @@
       </p:sp>
       <p:sp>
         <p:nvSpPr>
-          <p:cNvPr id="732163" name="Rectangle 3"/>
+          <p:cNvPr id="736259" name="Rectangle 3"/>
           <p:cNvSpPr>
             <a:spLocks noGrp="1" noChangeArrowheads="1"/>
           </p:cNvSpPr>
@@ -3297,7 +3893,7 @@
           <a:lstStyle/>
           <a:p>
             <a:r>
-              <a:rPr lang="en-US" sz="4800" i="1" dirty="0" smtClean="0">
+              <a:rPr lang="en-US" sz="4400" dirty="0" smtClean="0">
                 <a:latin typeface="Comic Sans MS" pitchFamily="66" charset="0"/>
               </a:rPr>
               <a:t>Theorem:</a:t>
@@ -3434,11 +4030,7 @@
             </a:r>
             <a:r>
               <a:rPr lang="en-US" sz="5400" dirty="0" smtClean="0"/>
-              <a:t> </a:t>
-            </a:r>
-            <a:r>
-              <a:rPr lang="en-US" sz="5400" dirty="0" smtClean="0"/>
-              <a:t>partial orders</a:t>
+              <a:t> partial orders</a:t>
             </a:r>
             <a:endParaRPr lang="en-US" sz="5400" dirty="0"/>
           </a:p>
@@ -3622,6 +4214,1259 @@
       </p:grpSpPr>
       <p:sp>
         <p:nvSpPr>
+          <p:cNvPr id="559106" name="Rectangle 2"/>
+          <p:cNvSpPr>
+            <a:spLocks noGrp="1" noChangeArrowheads="1"/>
+          </p:cNvSpPr>
+          <p:nvPr>
+            <p:ph type="title"/>
+          </p:nvPr>
+        </p:nvSpPr>
+        <p:spPr>
+          <a:xfrm>
+            <a:off x="1524000" y="304800"/>
+            <a:ext cx="7086600" cy="1143000"/>
+          </a:xfrm>
+        </p:spPr>
+        <p:txBody>
+          <a:bodyPr>
+            <a:normAutofit/>
+          </a:bodyPr>
+          <a:lstStyle/>
+          <a:p>
+            <a:r>
+              <a:rPr lang="en-US" sz="4800" dirty="0" smtClean="0">
+                <a:solidFill>
+                  <a:srgbClr val="8F008F"/>
+                </a:solidFill>
+              </a:rPr>
+              <a:t>path-total</a:t>
+            </a:r>
+            <a:r>
+              <a:rPr lang="en-US" sz="4800" dirty="0" smtClean="0">
+                <a:solidFill>
+                  <a:srgbClr val="000000"/>
+                </a:solidFill>
+              </a:rPr>
+              <a:t> </a:t>
+            </a:r>
+            <a:r>
+              <a:rPr lang="en-US" sz="4800" dirty="0">
+                <a:solidFill>
+                  <a:srgbClr val="000000"/>
+                </a:solidFill>
+              </a:rPr>
+              <a:t>o</a:t>
+            </a:r>
+            <a:r>
+              <a:rPr lang="en-US" sz="4800" dirty="0" smtClean="0">
+                <a:solidFill>
+                  <a:srgbClr val="000000"/>
+                </a:solidFill>
+              </a:rPr>
+              <a:t>rders</a:t>
+            </a:r>
+            <a:endParaRPr lang="en-US" sz="4800" dirty="0">
+              <a:solidFill>
+                <a:srgbClr val="000000"/>
+              </a:solidFill>
+            </a:endParaRPr>
+          </a:p>
+        </p:txBody>
+      </p:sp>
+      <p:sp>
+        <p:nvSpPr>
+          <p:cNvPr id="559107" name="Rectangle 3"/>
+          <p:cNvSpPr>
+            <a:spLocks noGrp="1" noChangeArrowheads="1"/>
+          </p:cNvSpPr>
+          <p:nvPr>
+            <p:ph type="body" idx="1"/>
+          </p:nvPr>
+        </p:nvSpPr>
+        <p:spPr>
+          <a:xfrm>
+            <a:off x="497226" y="2057400"/>
+            <a:ext cx="8149547" cy="2743200"/>
+          </a:xfrm>
+        </p:spPr>
+        <p:txBody>
+          <a:bodyPr>
+            <a:noAutofit/>
+          </a:bodyPr>
+          <a:lstStyle/>
+          <a:p>
+            <a:pPr>
+              <a:lnSpc>
+                <a:spcPct val="90000"/>
+              </a:lnSpc>
+            </a:pPr>
+            <a:r>
+              <a:rPr lang="en-US" sz="5400" dirty="0" smtClean="0">
+                <a:cs typeface="Times New Roman" pitchFamily="18" charset="0"/>
+              </a:rPr>
+              <a:t>Given any two elements,</a:t>
+            </a:r>
+          </a:p>
+          <a:p>
+            <a:pPr>
+              <a:lnSpc>
+                <a:spcPct val="90000"/>
+              </a:lnSpc>
+            </a:pPr>
+            <a:r>
+              <a:rPr lang="en-US" sz="5400" dirty="0" smtClean="0">
+                <a:cs typeface="Times New Roman" pitchFamily="18" charset="0"/>
+              </a:rPr>
+              <a:t>one will be “</a:t>
+            </a:r>
+            <a:r>
+              <a:rPr lang="en-US" sz="5400" dirty="0">
+                <a:cs typeface="Times New Roman" pitchFamily="18" charset="0"/>
+              </a:rPr>
+              <a:t>b</a:t>
+            </a:r>
+            <a:r>
+              <a:rPr lang="en-US" sz="5400" dirty="0" smtClean="0">
+                <a:cs typeface="Times New Roman" pitchFamily="18" charset="0"/>
+              </a:rPr>
+              <a:t>igger than”</a:t>
+            </a:r>
+          </a:p>
+          <a:p>
+            <a:pPr>
+              <a:lnSpc>
+                <a:spcPct val="90000"/>
+              </a:lnSpc>
+            </a:pPr>
+            <a:r>
+              <a:rPr lang="en-US" sz="5400" dirty="0" smtClean="0">
+                <a:cs typeface="Times New Roman" pitchFamily="18" charset="0"/>
+              </a:rPr>
+              <a:t>the other one.</a:t>
+            </a:r>
+          </a:p>
+        </p:txBody>
+      </p:sp>
+    </p:spTree>
+    <p:extLst>
+      <p:ext uri="{BB962C8B-B14F-4D97-AF65-F5344CB8AC3E}">
+        <p14:creationId xmlns:p14="http://schemas.microsoft.com/office/powerpoint/2010/main" val="693370992"/>
+      </p:ext>
+    </p:extLst>
+  </p:cSld>
+  <p:clrMapOvr>
+    <a:masterClrMapping/>
+  </p:clrMapOvr>
+  <mc:AlternateContent xmlns:mc="http://schemas.openxmlformats.org/markup-compatibility/2006" xmlns:p14="http://schemas.microsoft.com/office/powerpoint/2010/main">
+    <mc:Choice Requires="p14">
+      <p:transition spd="slow" p14:dur="1200">
+        <p:fade thruBlk="1"/>
+      </p:transition>
+    </mc:Choice>
+    <mc:Fallback xmlns="">
+      <p:transition xmlns:p14="http://schemas.microsoft.com/office/powerpoint/2010/main" spd="slow">
+        <p:fade thruBlk="1"/>
+      </p:transition>
+    </mc:Fallback>
+  </mc:AlternateContent>
+  <p:timing>
+    <p:tnLst>
+      <p:par>
+        <p:cTn xmlns:p14="http://schemas.microsoft.com/office/powerpoint/2010/main" id="1" dur="indefinite" restart="never" nodeType="tmRoot"/>
+      </p:par>
+    </p:tnLst>
+  </p:timing>
+</p:sld>
+</file>
+
+<file path=ppt/slides/slide12.xml><?xml version="1.0" encoding="utf-8"?>
+<p:sld xmlns:a="http://schemas.openxmlformats.org/drawingml/2006/main" xmlns:r="http://schemas.openxmlformats.org/officeDocument/2006/relationships" xmlns:p="http://schemas.openxmlformats.org/presentationml/2006/main">
+  <p:cSld>
+    <p:spTree>
+      <p:nvGrpSpPr>
+        <p:cNvPr id="1" name=""/>
+        <p:cNvGrpSpPr/>
+        <p:nvPr/>
+      </p:nvGrpSpPr>
+      <p:grpSpPr>
+        <a:xfrm>
+          <a:off x="0" y="0"/>
+          <a:ext cx="0" cy="0"/>
+          <a:chOff x="0" y="0"/>
+          <a:chExt cx="0" cy="0"/>
+        </a:xfrm>
+      </p:grpSpPr>
+      <p:sp>
+        <p:nvSpPr>
+          <p:cNvPr id="559106" name="Rectangle 2"/>
+          <p:cNvSpPr>
+            <a:spLocks noGrp="1" noChangeArrowheads="1"/>
+          </p:cNvSpPr>
+          <p:nvPr>
+            <p:ph type="title"/>
+          </p:nvPr>
+        </p:nvSpPr>
+        <p:spPr>
+          <a:xfrm>
+            <a:off x="1524000" y="304800"/>
+            <a:ext cx="7086600" cy="1143000"/>
+          </a:xfrm>
+        </p:spPr>
+        <p:txBody>
+          <a:bodyPr>
+            <a:normAutofit/>
+          </a:bodyPr>
+          <a:lstStyle/>
+          <a:p>
+            <a:r>
+              <a:rPr lang="en-US" sz="4800" dirty="0" smtClean="0">
+                <a:solidFill>
+                  <a:srgbClr val="000000"/>
+                </a:solidFill>
+              </a:rPr>
+              <a:t>path-total </a:t>
+            </a:r>
+            <a:r>
+              <a:rPr lang="en-US" sz="4800" dirty="0">
+                <a:solidFill>
+                  <a:srgbClr val="000000"/>
+                </a:solidFill>
+              </a:rPr>
+              <a:t>o</a:t>
+            </a:r>
+            <a:r>
+              <a:rPr lang="en-US" sz="4800" dirty="0" smtClean="0">
+                <a:solidFill>
+                  <a:srgbClr val="000000"/>
+                </a:solidFill>
+              </a:rPr>
+              <a:t>rders</a:t>
+            </a:r>
+            <a:endParaRPr lang="en-US" sz="4800" dirty="0">
+              <a:solidFill>
+                <a:srgbClr val="000000"/>
+              </a:solidFill>
+            </a:endParaRPr>
+          </a:p>
+        </p:txBody>
+      </p:sp>
+      <p:sp>
+        <p:nvSpPr>
+          <p:cNvPr id="559107" name="Rectangle 3"/>
+          <p:cNvSpPr>
+            <a:spLocks noGrp="1" noChangeArrowheads="1"/>
+          </p:cNvSpPr>
+          <p:nvPr>
+            <p:ph type="body" idx="1"/>
+          </p:nvPr>
+        </p:nvSpPr>
+        <p:spPr>
+          <a:xfrm>
+            <a:off x="457200" y="1447800"/>
+            <a:ext cx="8305800" cy="4114800"/>
+          </a:xfrm>
+        </p:spPr>
+        <p:txBody>
+          <a:bodyPr>
+            <a:noAutofit/>
+          </a:bodyPr>
+          <a:lstStyle/>
+          <a:p>
+            <a:pPr>
+              <a:lnSpc>
+                <a:spcPct val="90000"/>
+              </a:lnSpc>
+            </a:pPr>
+            <a:r>
+              <a:rPr lang="en-US" sz="4400" dirty="0">
+                <a:cs typeface="Times New Roman" pitchFamily="18" charset="0"/>
+              </a:rPr>
+              <a:t> </a:t>
+            </a:r>
+            <a:r>
+              <a:rPr lang="en-US" sz="4400" dirty="0" smtClean="0">
+                <a:cs typeface="Times New Roman" pitchFamily="18" charset="0"/>
+              </a:rPr>
+              <a:t>basic example:</a:t>
+            </a:r>
+          </a:p>
+          <a:p>
+            <a:pPr>
+              <a:lnSpc>
+                <a:spcPct val="90000"/>
+              </a:lnSpc>
+            </a:pPr>
+            <a:r>
+              <a:rPr lang="en-US" sz="6600" b="1" dirty="0" smtClean="0">
+                <a:solidFill>
+                  <a:srgbClr val="0033CC"/>
+                </a:solidFill>
+                <a:latin typeface="Euclid Symbol" charset="2"/>
+                <a:cs typeface="Euclid Symbol" charset="2"/>
+              </a:rPr>
+              <a:t> </a:t>
+            </a:r>
+            <a:r>
+              <a:rPr lang="en-US" sz="6000" b="1" dirty="0" smtClean="0">
+                <a:solidFill>
+                  <a:srgbClr val="0033CC"/>
+                </a:solidFill>
+                <a:latin typeface="Euclid Symbol" charset="2"/>
+                <a:cs typeface="Euclid Symbol" charset="2"/>
+              </a:rPr>
+              <a:t>&lt;</a:t>
+            </a:r>
+            <a:r>
+              <a:rPr lang="en-US" sz="6000" dirty="0">
+                <a:cs typeface="Times New Roman" pitchFamily="18" charset="0"/>
+              </a:rPr>
+              <a:t>  or </a:t>
+            </a:r>
+            <a:r>
+              <a:rPr lang="en-US" sz="6000" b="1" dirty="0" smtClean="0">
+                <a:solidFill>
+                  <a:srgbClr val="0000FF"/>
+                </a:solidFill>
+                <a:latin typeface="Euclid Symbol" charset="2"/>
+                <a:cs typeface="Euclid Symbol" charset="2"/>
+              </a:rPr>
+              <a:t>≤</a:t>
+            </a:r>
+            <a:r>
+              <a:rPr lang="en-US" sz="6000" dirty="0" smtClean="0">
+                <a:cs typeface="Times New Roman" pitchFamily="18" charset="0"/>
+              </a:rPr>
+              <a:t> on </a:t>
+            </a:r>
+            <a:r>
+              <a:rPr lang="en-US" sz="6000" dirty="0">
+                <a:cs typeface="Times New Roman" pitchFamily="18" charset="0"/>
+              </a:rPr>
+              <a:t>the </a:t>
+            </a:r>
+            <a:r>
+              <a:rPr lang="en-US" sz="6000" dirty="0" err="1" smtClean="0">
+                <a:cs typeface="Times New Roman" pitchFamily="18" charset="0"/>
+              </a:rPr>
+              <a:t>Reals</a:t>
+            </a:r>
+            <a:r>
+              <a:rPr lang="en-US" sz="6000" dirty="0" smtClean="0">
+                <a:sym typeface="Symbol" pitchFamily="18" charset="2"/>
+              </a:rPr>
+              <a:t>:</a:t>
+            </a:r>
+          </a:p>
+          <a:p>
+            <a:pPr>
+              <a:lnSpc>
+                <a:spcPct val="90000"/>
+              </a:lnSpc>
+            </a:pPr>
+            <a:r>
+              <a:rPr lang="en-US" sz="6600" dirty="0">
+                <a:sym typeface="Symbol" pitchFamily="18" charset="2"/>
+              </a:rPr>
+              <a:t>if </a:t>
+            </a:r>
+            <a:r>
+              <a:rPr lang="en-US" sz="6600" dirty="0">
+                <a:solidFill>
+                  <a:srgbClr val="0000FF"/>
+                </a:solidFill>
+                <a:sym typeface="Symbol" pitchFamily="18" charset="2"/>
+              </a:rPr>
+              <a:t>x </a:t>
+            </a:r>
+            <a:r>
+              <a:rPr lang="en-US" sz="6600" b="1" dirty="0" smtClean="0">
+                <a:solidFill>
+                  <a:srgbClr val="0000FF"/>
+                </a:solidFill>
+                <a:latin typeface="Euclid Symbol" charset="2"/>
+                <a:cs typeface="Euclid Symbol" charset="2"/>
+                <a:sym typeface="Symbol" pitchFamily="18" charset="2"/>
+              </a:rPr>
+              <a:t>≠ </a:t>
+            </a:r>
+            <a:r>
+              <a:rPr lang="en-US" sz="6600" dirty="0" smtClean="0">
+                <a:solidFill>
+                  <a:srgbClr val="0000FF"/>
+                </a:solidFill>
+                <a:latin typeface="Comic Sans MS"/>
+                <a:cs typeface="Comic Sans MS"/>
+                <a:sym typeface="Symbol" pitchFamily="18" charset="2"/>
+              </a:rPr>
+              <a:t>y</a:t>
+            </a:r>
+            <a:r>
+              <a:rPr lang="en-US" sz="6600" dirty="0" smtClean="0">
+                <a:latin typeface="Comic Sans MS"/>
+                <a:cs typeface="Comic Sans MS"/>
+                <a:sym typeface="Symbol" pitchFamily="18" charset="2"/>
+              </a:rPr>
+              <a:t>, then either</a:t>
+            </a:r>
+          </a:p>
+          <a:p>
+            <a:pPr algn="ctr">
+              <a:lnSpc>
+                <a:spcPct val="90000"/>
+              </a:lnSpc>
+            </a:pPr>
+            <a:r>
+              <a:rPr lang="en-US" sz="6600" dirty="0" smtClean="0">
+                <a:solidFill>
+                  <a:srgbClr val="0000FF"/>
+                </a:solidFill>
+                <a:latin typeface="Comic Sans MS"/>
+                <a:cs typeface="Comic Sans MS"/>
+                <a:sym typeface="Symbol" pitchFamily="18" charset="2"/>
+              </a:rPr>
+              <a:t>x </a:t>
+            </a:r>
+            <a:r>
+              <a:rPr lang="en-US" sz="6600" b="1" dirty="0" smtClean="0">
+                <a:solidFill>
+                  <a:srgbClr val="0000FF"/>
+                </a:solidFill>
+                <a:latin typeface="Euclid Symbol" charset="2"/>
+                <a:cs typeface="Euclid Symbol" charset="2"/>
+                <a:sym typeface="Symbol" pitchFamily="18" charset="2"/>
+              </a:rPr>
+              <a:t>&lt;</a:t>
+            </a:r>
+            <a:r>
+              <a:rPr lang="en-US" sz="6600" dirty="0" smtClean="0">
+                <a:solidFill>
+                  <a:srgbClr val="0000FF"/>
+                </a:solidFill>
+                <a:latin typeface="Comic Sans MS"/>
+                <a:cs typeface="Comic Sans MS"/>
+                <a:sym typeface="Symbol" pitchFamily="18" charset="2"/>
+              </a:rPr>
+              <a:t> y</a:t>
+            </a:r>
+            <a:r>
+              <a:rPr lang="en-US" sz="6600" dirty="0" smtClean="0">
+                <a:latin typeface="Comic Sans MS"/>
+                <a:cs typeface="Comic Sans MS"/>
+                <a:sym typeface="Symbol" pitchFamily="18" charset="2"/>
+              </a:rPr>
+              <a:t>   OR  </a:t>
+            </a:r>
+            <a:r>
+              <a:rPr lang="en-US" sz="6600" dirty="0" smtClean="0">
+                <a:solidFill>
+                  <a:srgbClr val="0000FF"/>
+                </a:solidFill>
+                <a:latin typeface="Comic Sans MS"/>
+                <a:cs typeface="Comic Sans MS"/>
+                <a:sym typeface="Symbol" pitchFamily="18" charset="2"/>
+              </a:rPr>
+              <a:t>y </a:t>
+            </a:r>
+            <a:r>
+              <a:rPr lang="en-US" sz="6600" b="1" dirty="0">
+                <a:solidFill>
+                  <a:srgbClr val="0000FF"/>
+                </a:solidFill>
+                <a:latin typeface="Euclid Symbol" charset="2"/>
+                <a:cs typeface="Euclid Symbol" charset="2"/>
+                <a:sym typeface="Symbol" pitchFamily="18" charset="2"/>
+              </a:rPr>
+              <a:t>&lt;</a:t>
+            </a:r>
+            <a:r>
+              <a:rPr lang="en-US" sz="6600" dirty="0" smtClean="0">
+                <a:solidFill>
+                  <a:srgbClr val="0000FF"/>
+                </a:solidFill>
+                <a:latin typeface="Comic Sans MS"/>
+                <a:cs typeface="Comic Sans MS"/>
+                <a:sym typeface="Symbol" pitchFamily="18" charset="2"/>
+              </a:rPr>
+              <a:t> x</a:t>
+            </a:r>
+          </a:p>
+          <a:p>
+            <a:pPr>
+              <a:lnSpc>
+                <a:spcPct val="90000"/>
+              </a:lnSpc>
+            </a:pPr>
+            <a:endParaRPr lang="en-US" sz="5400" dirty="0">
+              <a:cs typeface="Times New Roman" pitchFamily="18" charset="0"/>
+              <a:sym typeface="Symbol" pitchFamily="18" charset="2"/>
+            </a:endParaRPr>
+          </a:p>
+          <a:p>
+            <a:pPr>
+              <a:lnSpc>
+                <a:spcPct val="90000"/>
+              </a:lnSpc>
+            </a:pPr>
+            <a:endParaRPr lang="en-US" sz="5400" dirty="0" smtClean="0">
+              <a:cs typeface="Times New Roman" pitchFamily="18" charset="0"/>
+            </a:endParaRPr>
+          </a:p>
+        </p:txBody>
+      </p:sp>
+    </p:spTree>
+    <p:extLst>
+      <p:ext uri="{BB962C8B-B14F-4D97-AF65-F5344CB8AC3E}">
+        <p14:creationId xmlns:p14="http://schemas.microsoft.com/office/powerpoint/2010/main" val="3974772180"/>
+      </p:ext>
+    </p:extLst>
+  </p:cSld>
+  <p:clrMapOvr>
+    <a:masterClrMapping/>
+  </p:clrMapOvr>
+  <mc:AlternateContent xmlns:mc="http://schemas.openxmlformats.org/markup-compatibility/2006" xmlns:p14="http://schemas.microsoft.com/office/powerpoint/2010/main">
+    <mc:Choice Requires="p14">
+      <p:transition spd="med" p14:dur="700">
+        <p:fade/>
+      </p:transition>
+    </mc:Choice>
+    <mc:Fallback xmlns="">
+      <p:transition xmlns:p14="http://schemas.microsoft.com/office/powerpoint/2010/main" spd="med">
+        <p:fade/>
+      </p:transition>
+    </mc:Fallback>
+  </mc:AlternateContent>
+  <p:timing>
+    <p:tnLst>
+      <p:par>
+        <p:cTn xmlns:p14="http://schemas.microsoft.com/office/powerpoint/2010/main" id="1" dur="indefinite" restart="never" nodeType="tmRoot">
+          <p:childTnLst>
+            <p:seq concurrent="1" nextAc="seek">
+              <p:cTn id="2" dur="indefinite" nodeType="mainSeq">
+                <p:childTnLst>
+                  <p:par>
+                    <p:cTn id="3" fill="hold">
+                      <p:stCondLst>
+                        <p:cond delay="indefinite"/>
+                      </p:stCondLst>
+                      <p:childTnLst>
+                        <p:par>
+                          <p:cTn id="4" fill="hold">
+                            <p:stCondLst>
+                              <p:cond delay="0"/>
+                            </p:stCondLst>
+                            <p:childTnLst>
+                              <p:par>
+                                <p:cTn id="5" presetID="9" presetClass="entr" presetSubtype="0" fill="hold" nodeType="clickEffect">
+                                  <p:stCondLst>
+                                    <p:cond delay="0"/>
+                                  </p:stCondLst>
+                                  <p:childTnLst>
+                                    <p:set>
+                                      <p:cBhvr>
+                                        <p:cTn id="6" dur="1" fill="hold">
+                                          <p:stCondLst>
+                                            <p:cond delay="0"/>
+                                          </p:stCondLst>
+                                        </p:cTn>
+                                        <p:tgtEl>
+                                          <p:spTgt spid="559107">
+                                            <p:txEl>
+                                              <p:pRg st="2" end="2"/>
+                                            </p:txEl>
+                                          </p:spTgt>
+                                        </p:tgtEl>
+                                        <p:attrNameLst>
+                                          <p:attrName>style.visibility</p:attrName>
+                                        </p:attrNameLst>
+                                      </p:cBhvr>
+                                      <p:to>
+                                        <p:strVal val="visible"/>
+                                      </p:to>
+                                    </p:set>
+                                    <p:animEffect transition="in" filter="dissolve">
+                                      <p:cBhvr>
+                                        <p:cTn id="7" dur="500"/>
+                                        <p:tgtEl>
+                                          <p:spTgt spid="559107">
+                                            <p:txEl>
+                                              <p:pRg st="2" end="2"/>
+                                            </p:txEl>
+                                          </p:spTgt>
+                                        </p:tgtEl>
+                                      </p:cBhvr>
+                                    </p:animEffect>
+                                  </p:childTnLst>
+                                </p:cTn>
+                              </p:par>
+                            </p:childTnLst>
+                          </p:cTn>
+                        </p:par>
+                        <p:par>
+                          <p:cTn id="8" fill="hold">
+                            <p:stCondLst>
+                              <p:cond delay="500"/>
+                            </p:stCondLst>
+                            <p:childTnLst>
+                              <p:par>
+                                <p:cTn id="9" presetID="22" presetClass="entr" presetSubtype="8" fill="hold" nodeType="afterEffect">
+                                  <p:stCondLst>
+                                    <p:cond delay="0"/>
+                                  </p:stCondLst>
+                                  <p:childTnLst>
+                                    <p:set>
+                                      <p:cBhvr>
+                                        <p:cTn id="10" dur="1" fill="hold">
+                                          <p:stCondLst>
+                                            <p:cond delay="0"/>
+                                          </p:stCondLst>
+                                        </p:cTn>
+                                        <p:tgtEl>
+                                          <p:spTgt spid="559107">
+                                            <p:txEl>
+                                              <p:pRg st="3" end="3"/>
+                                            </p:txEl>
+                                          </p:spTgt>
+                                        </p:tgtEl>
+                                        <p:attrNameLst>
+                                          <p:attrName>style.visibility</p:attrName>
+                                        </p:attrNameLst>
+                                      </p:cBhvr>
+                                      <p:to>
+                                        <p:strVal val="visible"/>
+                                      </p:to>
+                                    </p:set>
+                                    <p:animEffect transition="in" filter="wipe(left)">
+                                      <p:cBhvr>
+                                        <p:cTn id="11" dur="1000"/>
+                                        <p:tgtEl>
+                                          <p:spTgt spid="559107">
+                                            <p:txEl>
+                                              <p:pRg st="3" end="3"/>
+                                            </p:txEl>
+                                          </p:spTgt>
+                                        </p:tgtEl>
+                                      </p:cBhvr>
+                                    </p:animEffect>
+                                  </p:childTnLst>
+                                </p:cTn>
+                              </p:par>
+                            </p:childTnLst>
+                          </p:cTn>
+                        </p:par>
+                      </p:childTnLst>
+                    </p:cTn>
+                  </p:par>
+                </p:childTnLst>
+              </p:cTn>
+              <p:prevCondLst>
+                <p:cond evt="onPrev" delay="0">
+                  <p:tgtEl>
+                    <p:sldTgt/>
+                  </p:tgtEl>
+                </p:cond>
+              </p:prevCondLst>
+              <p:nextCondLst>
+                <p:cond evt="onNext" delay="0">
+                  <p:tgtEl>
+                    <p:sldTgt/>
+                  </p:tgtEl>
+                </p:cond>
+              </p:nextCondLst>
+            </p:seq>
+          </p:childTnLst>
+        </p:cTn>
+      </p:par>
+    </p:tnLst>
+  </p:timing>
+</p:sld>
+</file>
+
+<file path=ppt/slides/slide13.xml><?xml version="1.0" encoding="utf-8"?>
+<p:sld xmlns:a="http://schemas.openxmlformats.org/drawingml/2006/main" xmlns:r="http://schemas.openxmlformats.org/officeDocument/2006/relationships" xmlns:p="http://schemas.openxmlformats.org/presentationml/2006/main">
+  <p:cSld>
+    <p:spTree>
+      <p:nvGrpSpPr>
+        <p:cNvPr id="1" name=""/>
+        <p:cNvGrpSpPr/>
+        <p:nvPr/>
+      </p:nvGrpSpPr>
+      <p:grpSpPr>
+        <a:xfrm>
+          <a:off x="0" y="0"/>
+          <a:ext cx="0" cy="0"/>
+          <a:chOff x="0" y="0"/>
+          <a:chExt cx="0" cy="0"/>
+        </a:xfrm>
+      </p:grpSpPr>
+      <p:sp>
+        <p:nvSpPr>
+          <p:cNvPr id="559106" name="Rectangle 2"/>
+          <p:cNvSpPr>
+            <a:spLocks noGrp="1" noChangeArrowheads="1"/>
+          </p:cNvSpPr>
+          <p:nvPr>
+            <p:ph type="title"/>
+          </p:nvPr>
+        </p:nvSpPr>
+        <p:spPr>
+          <a:xfrm>
+            <a:off x="1524000" y="304800"/>
+            <a:ext cx="7086600" cy="1143000"/>
+          </a:xfrm>
+        </p:spPr>
+        <p:txBody>
+          <a:bodyPr>
+            <a:normAutofit/>
+          </a:bodyPr>
+          <a:lstStyle/>
+          <a:p>
+            <a:r>
+              <a:rPr lang="en-US" sz="4800" dirty="0" smtClean="0">
+                <a:solidFill>
+                  <a:srgbClr val="000000"/>
+                </a:solidFill>
+              </a:rPr>
+              <a:t>path-total </a:t>
+            </a:r>
+            <a:r>
+              <a:rPr lang="en-US" sz="4800" dirty="0">
+                <a:solidFill>
+                  <a:srgbClr val="000000"/>
+                </a:solidFill>
+              </a:rPr>
+              <a:t>o</a:t>
+            </a:r>
+            <a:r>
+              <a:rPr lang="en-US" sz="4800" dirty="0" smtClean="0">
+                <a:solidFill>
+                  <a:srgbClr val="000000"/>
+                </a:solidFill>
+              </a:rPr>
+              <a:t>rders</a:t>
+            </a:r>
+            <a:endParaRPr lang="en-US" sz="4800" dirty="0">
+              <a:solidFill>
+                <a:srgbClr val="000000"/>
+              </a:solidFill>
+            </a:endParaRPr>
+          </a:p>
+        </p:txBody>
+      </p:sp>
+      <p:sp>
+        <p:nvSpPr>
+          <p:cNvPr id="559107" name="Rectangle 3"/>
+          <p:cNvSpPr>
+            <a:spLocks noGrp="1" noChangeArrowheads="1"/>
+          </p:cNvSpPr>
+          <p:nvPr>
+            <p:ph type="body" idx="1"/>
+          </p:nvPr>
+        </p:nvSpPr>
+        <p:spPr>
+          <a:xfrm>
+            <a:off x="457200" y="1447800"/>
+            <a:ext cx="8305800" cy="3657600"/>
+          </a:xfrm>
+        </p:spPr>
+        <p:txBody>
+          <a:bodyPr>
+            <a:noAutofit/>
+          </a:bodyPr>
+          <a:lstStyle/>
+          <a:p>
+            <a:pPr>
+              <a:lnSpc>
+                <a:spcPct val="90000"/>
+              </a:lnSpc>
+            </a:pPr>
+            <a:r>
+              <a:rPr lang="en-US" sz="4400" dirty="0">
+                <a:solidFill>
+                  <a:srgbClr val="0000FF"/>
+                </a:solidFill>
+                <a:cs typeface="Times New Roman" pitchFamily="18" charset="0"/>
+              </a:rPr>
+              <a:t> </a:t>
+            </a:r>
+            <a:r>
+              <a:rPr lang="en-US" sz="6000" dirty="0" smtClean="0">
+                <a:solidFill>
+                  <a:srgbClr val="0000FF"/>
+                </a:solidFill>
+                <a:cs typeface="Times New Roman" pitchFamily="18" charset="0"/>
+              </a:rPr>
+              <a:t>R</a:t>
+            </a:r>
+            <a:r>
+              <a:rPr lang="en-US" sz="6000" dirty="0" smtClean="0">
+                <a:cs typeface="Times New Roman" pitchFamily="18" charset="0"/>
+              </a:rPr>
+              <a:t> is </a:t>
+            </a:r>
+            <a:r>
+              <a:rPr lang="en-US" sz="6000" dirty="0" smtClean="0">
+                <a:solidFill>
+                  <a:srgbClr val="8F008F"/>
+                </a:solidFill>
+                <a:cs typeface="Times New Roman" pitchFamily="18" charset="0"/>
+              </a:rPr>
+              <a:t>path-total</a:t>
+            </a:r>
+            <a:r>
+              <a:rPr lang="en-US" sz="6000" dirty="0" smtClean="0">
+                <a:cs typeface="Times New Roman" pitchFamily="18" charset="0"/>
+              </a:rPr>
+              <a:t>:</a:t>
+            </a:r>
+          </a:p>
+          <a:p>
+            <a:pPr>
+              <a:lnSpc>
+                <a:spcPct val="90000"/>
+              </a:lnSpc>
+            </a:pPr>
+            <a:endParaRPr lang="en-US" sz="6000" dirty="0" smtClean="0">
+              <a:sym typeface="Symbol" pitchFamily="18" charset="2"/>
+            </a:endParaRPr>
+          </a:p>
+          <a:p>
+            <a:pPr>
+              <a:lnSpc>
+                <a:spcPct val="90000"/>
+              </a:lnSpc>
+            </a:pPr>
+            <a:r>
+              <a:rPr lang="en-US" sz="6600" dirty="0">
+                <a:sym typeface="Symbol" pitchFamily="18" charset="2"/>
+              </a:rPr>
+              <a:t>if </a:t>
+            </a:r>
+            <a:r>
+              <a:rPr lang="en-US" sz="6600" dirty="0">
+                <a:solidFill>
+                  <a:srgbClr val="0000FF"/>
+                </a:solidFill>
+                <a:sym typeface="Symbol" pitchFamily="18" charset="2"/>
+              </a:rPr>
+              <a:t>x </a:t>
+            </a:r>
+            <a:r>
+              <a:rPr lang="en-US" sz="6600" b="1" dirty="0" smtClean="0">
+                <a:solidFill>
+                  <a:srgbClr val="0000FF"/>
+                </a:solidFill>
+                <a:latin typeface="Euclid Symbol" charset="2"/>
+                <a:cs typeface="Euclid Symbol" charset="2"/>
+                <a:sym typeface="Symbol" pitchFamily="18" charset="2"/>
+              </a:rPr>
+              <a:t>≠ </a:t>
+            </a:r>
+            <a:r>
+              <a:rPr lang="en-US" sz="6600" dirty="0" smtClean="0">
+                <a:solidFill>
+                  <a:srgbClr val="0000FF"/>
+                </a:solidFill>
+                <a:latin typeface="Comic Sans MS"/>
+                <a:cs typeface="Comic Sans MS"/>
+                <a:sym typeface="Symbol" pitchFamily="18" charset="2"/>
+              </a:rPr>
+              <a:t>y</a:t>
+            </a:r>
+            <a:r>
+              <a:rPr lang="en-US" sz="6600" dirty="0" smtClean="0">
+                <a:latin typeface="Comic Sans MS"/>
+                <a:cs typeface="Comic Sans MS"/>
+                <a:sym typeface="Symbol" pitchFamily="18" charset="2"/>
+              </a:rPr>
+              <a:t>, then either</a:t>
+            </a:r>
+          </a:p>
+          <a:p>
+            <a:pPr algn="ctr">
+              <a:lnSpc>
+                <a:spcPct val="90000"/>
+              </a:lnSpc>
+            </a:pPr>
+            <a:r>
+              <a:rPr lang="en-US" sz="6600" dirty="0" smtClean="0">
+                <a:solidFill>
+                  <a:srgbClr val="0000FF"/>
+                </a:solidFill>
+                <a:latin typeface="Comic Sans MS"/>
+                <a:cs typeface="Comic Sans MS"/>
+                <a:sym typeface="Symbol" pitchFamily="18" charset="2"/>
+              </a:rPr>
+              <a:t>x R y</a:t>
+            </a:r>
+            <a:r>
+              <a:rPr lang="en-US" sz="6600" dirty="0" smtClean="0">
+                <a:latin typeface="Comic Sans MS"/>
+                <a:cs typeface="Comic Sans MS"/>
+                <a:sym typeface="Symbol" pitchFamily="18" charset="2"/>
+              </a:rPr>
+              <a:t>   </a:t>
+            </a:r>
+            <a:r>
+              <a:rPr lang="en-US" sz="5400" dirty="0" smtClean="0">
+                <a:latin typeface="Comic Sans MS"/>
+                <a:cs typeface="Comic Sans MS"/>
+                <a:sym typeface="Symbol" pitchFamily="18" charset="2"/>
+              </a:rPr>
+              <a:t>OR</a:t>
+            </a:r>
+            <a:r>
+              <a:rPr lang="en-US" sz="6600" dirty="0" smtClean="0">
+                <a:latin typeface="Comic Sans MS"/>
+                <a:cs typeface="Comic Sans MS"/>
+                <a:sym typeface="Symbol" pitchFamily="18" charset="2"/>
+              </a:rPr>
+              <a:t>  </a:t>
+            </a:r>
+            <a:r>
+              <a:rPr lang="en-US" sz="6600" dirty="0" smtClean="0">
+                <a:solidFill>
+                  <a:srgbClr val="0000FF"/>
+                </a:solidFill>
+                <a:latin typeface="Comic Sans MS"/>
+                <a:cs typeface="Comic Sans MS"/>
+                <a:sym typeface="Symbol" pitchFamily="18" charset="2"/>
+              </a:rPr>
+              <a:t>y </a:t>
+            </a:r>
+            <a:r>
+              <a:rPr lang="en-US" sz="6600" dirty="0">
+                <a:solidFill>
+                  <a:srgbClr val="0000FF"/>
+                </a:solidFill>
+                <a:latin typeface="Comic Sans MS"/>
+                <a:cs typeface="Comic Sans MS"/>
+                <a:sym typeface="Symbol" pitchFamily="18" charset="2"/>
+              </a:rPr>
+              <a:t>R</a:t>
+            </a:r>
+            <a:r>
+              <a:rPr lang="en-US" sz="6600" dirty="0" smtClean="0">
+                <a:solidFill>
+                  <a:srgbClr val="0000FF"/>
+                </a:solidFill>
+                <a:latin typeface="Comic Sans MS"/>
+                <a:cs typeface="Comic Sans MS"/>
+                <a:sym typeface="Symbol" pitchFamily="18" charset="2"/>
+              </a:rPr>
+              <a:t> x</a:t>
+            </a:r>
+          </a:p>
+          <a:p>
+            <a:pPr>
+              <a:lnSpc>
+                <a:spcPct val="90000"/>
+              </a:lnSpc>
+            </a:pPr>
+            <a:endParaRPr lang="en-US" sz="5400" dirty="0">
+              <a:cs typeface="Times New Roman" pitchFamily="18" charset="0"/>
+              <a:sym typeface="Symbol" pitchFamily="18" charset="2"/>
+            </a:endParaRPr>
+          </a:p>
+          <a:p>
+            <a:pPr>
+              <a:lnSpc>
+                <a:spcPct val="90000"/>
+              </a:lnSpc>
+            </a:pPr>
+            <a:endParaRPr lang="en-US" sz="5400" dirty="0" smtClean="0">
+              <a:cs typeface="Times New Roman" pitchFamily="18" charset="0"/>
+            </a:endParaRPr>
+          </a:p>
+        </p:txBody>
+      </p:sp>
+      <p:sp>
+        <p:nvSpPr>
+          <p:cNvPr id="2" name="Rounded Rectangle 1"/>
+          <p:cNvSpPr/>
+          <p:nvPr/>
+        </p:nvSpPr>
+        <p:spPr>
+          <a:xfrm>
+            <a:off x="304800" y="3352800"/>
+            <a:ext cx="8610600" cy="2514600"/>
+          </a:xfrm>
+          <a:prstGeom prst="roundRect">
+            <a:avLst/>
+          </a:prstGeom>
+          <a:noFill/>
+          <a:ln w="34925">
+            <a:solidFill>
+              <a:srgbClr val="FF33CC"/>
+            </a:solidFill>
+            <a:prstDash val="sysDash"/>
+          </a:ln>
+        </p:spPr>
+        <p:style>
+          <a:lnRef idx="1">
+            <a:schemeClr val="accent1"/>
+          </a:lnRef>
+          <a:fillRef idx="3">
+            <a:schemeClr val="accent1"/>
+          </a:fillRef>
+          <a:effectRef idx="2">
+            <a:schemeClr val="accent1"/>
+          </a:effectRef>
+          <a:fontRef idx="minor">
+            <a:schemeClr val="lt1"/>
+          </a:fontRef>
+        </p:style>
+        <p:txBody>
+          <a:bodyPr rtlCol="0" anchor="ctr"/>
+          <a:lstStyle/>
+          <a:p>
+            <a:pPr algn="ctr"/>
+            <a:endParaRPr lang="en-US"/>
+          </a:p>
+        </p:txBody>
+      </p:sp>
+      <p:sp>
+        <p:nvSpPr>
+          <p:cNvPr id="5" name="TextBox 4"/>
+          <p:cNvSpPr txBox="1"/>
+          <p:nvPr/>
+        </p:nvSpPr>
+        <p:spPr>
+          <a:xfrm>
+            <a:off x="304800" y="2286000"/>
+            <a:ext cx="8424101" cy="923330"/>
+          </a:xfrm>
+          <a:prstGeom prst="rect">
+            <a:avLst/>
+          </a:prstGeom>
+          <a:noFill/>
+        </p:spPr>
+        <p:txBody>
+          <a:bodyPr wrap="none" rtlCol="0">
+            <a:spAutoFit/>
+          </a:bodyPr>
+          <a:lstStyle/>
+          <a:p>
+            <a:r>
+              <a:rPr lang="en-US" sz="5400" dirty="0" smtClean="0">
+                <a:solidFill>
+                  <a:srgbClr val="FF0000"/>
+                </a:solidFill>
+                <a:latin typeface="Comic Sans MS" pitchFamily="66" charset="0"/>
+              </a:rPr>
+              <a:t>no</a:t>
+            </a:r>
+            <a:r>
+              <a:rPr lang="en-US" sz="5400" dirty="0" smtClean="0">
+                <a:latin typeface="Comic Sans MS" pitchFamily="66" charset="0"/>
+              </a:rPr>
+              <a:t> </a:t>
+            </a:r>
+            <a:r>
+              <a:rPr lang="en-US" sz="5400" dirty="0" smtClean="0">
+                <a:solidFill>
+                  <a:srgbClr val="FF0000"/>
+                </a:solidFill>
+                <a:latin typeface="Comic Sans MS" pitchFamily="66" charset="0"/>
+              </a:rPr>
+              <a:t>incomparable </a:t>
+            </a:r>
+            <a:r>
+              <a:rPr lang="en-US" sz="5400" dirty="0" smtClean="0">
+                <a:latin typeface="Comic Sans MS" pitchFamily="66" charset="0"/>
+              </a:rPr>
+              <a:t>elements</a:t>
+            </a:r>
+            <a:endParaRPr lang="en-US" sz="5400" dirty="0">
+              <a:latin typeface="Comic Sans MS" pitchFamily="66" charset="0"/>
+            </a:endParaRPr>
+          </a:p>
+        </p:txBody>
+      </p:sp>
+    </p:spTree>
+    <p:extLst>
+      <p:ext uri="{BB962C8B-B14F-4D97-AF65-F5344CB8AC3E}">
+        <p14:creationId xmlns:p14="http://schemas.microsoft.com/office/powerpoint/2010/main" val="3711487018"/>
+      </p:ext>
+    </p:extLst>
+  </p:cSld>
+  <p:clrMapOvr>
+    <a:masterClrMapping/>
+  </p:clrMapOvr>
+  <mc:AlternateContent xmlns:mc="http://schemas.openxmlformats.org/markup-compatibility/2006" xmlns:p14="http://schemas.microsoft.com/office/powerpoint/2010/main">
+    <mc:Choice Requires="p14">
+      <p:transition spd="med" p14:dur="700">
+        <p:fade/>
+      </p:transition>
+    </mc:Choice>
+    <mc:Fallback xmlns="">
+      <p:transition xmlns:p14="http://schemas.microsoft.com/office/powerpoint/2010/main" spd="med">
+        <p:fade/>
+      </p:transition>
+    </mc:Fallback>
+  </mc:AlternateContent>
+  <p:timing>
+    <p:tnLst>
+      <p:par>
+        <p:cTn xmlns:p14="http://schemas.microsoft.com/office/powerpoint/2010/main" id="1" dur="indefinite" restart="never" nodeType="tmRoot">
+          <p:childTnLst>
+            <p:seq concurrent="1" nextAc="seek">
+              <p:cTn id="2" dur="indefinite" nodeType="mainSeq">
+                <p:childTnLst>
+                  <p:par>
+                    <p:cTn id="3" fill="hold">
+                      <p:stCondLst>
+                        <p:cond delay="indefinite"/>
+                      </p:stCondLst>
+                      <p:childTnLst>
+                        <p:par>
+                          <p:cTn id="4" fill="hold">
+                            <p:stCondLst>
+                              <p:cond delay="0"/>
+                            </p:stCondLst>
+                            <p:childTnLst>
+                              <p:par>
+                                <p:cTn id="5" presetID="9" presetClass="entr" presetSubtype="0" fill="hold" grpId="0" nodeType="clickEffect">
+                                  <p:stCondLst>
+                                    <p:cond delay="0"/>
+                                  </p:stCondLst>
+                                  <p:childTnLst>
+                                    <p:set>
+                                      <p:cBhvr>
+                                        <p:cTn id="6" dur="1" fill="hold">
+                                          <p:stCondLst>
+                                            <p:cond delay="0"/>
+                                          </p:stCondLst>
+                                        </p:cTn>
+                                        <p:tgtEl>
+                                          <p:spTgt spid="2"/>
+                                        </p:tgtEl>
+                                        <p:attrNameLst>
+                                          <p:attrName>style.visibility</p:attrName>
+                                        </p:attrNameLst>
+                                      </p:cBhvr>
+                                      <p:to>
+                                        <p:strVal val="visible"/>
+                                      </p:to>
+                                    </p:set>
+                                    <p:animEffect transition="in" filter="dissolve">
+                                      <p:cBhvr>
+                                        <p:cTn id="7" dur="500"/>
+                                        <p:tgtEl>
+                                          <p:spTgt spid="2"/>
+                                        </p:tgtEl>
+                                      </p:cBhvr>
+                                    </p:animEffect>
+                                  </p:childTnLst>
+                                </p:cTn>
+                              </p:par>
+                            </p:childTnLst>
+                          </p:cTn>
+                        </p:par>
+                      </p:childTnLst>
+                    </p:cTn>
+                  </p:par>
+                  <p:par>
+                    <p:cTn id="8" fill="hold">
+                      <p:stCondLst>
+                        <p:cond delay="indefinite"/>
+                      </p:stCondLst>
+                      <p:childTnLst>
+                        <p:par>
+                          <p:cTn id="9" fill="hold">
+                            <p:stCondLst>
+                              <p:cond delay="0"/>
+                            </p:stCondLst>
+                            <p:childTnLst>
+                              <p:par>
+                                <p:cTn id="10" presetID="9" presetClass="entr" presetSubtype="0" fill="hold" grpId="0" nodeType="clickEffect">
+                                  <p:stCondLst>
+                                    <p:cond delay="0"/>
+                                  </p:stCondLst>
+                                  <p:childTnLst>
+                                    <p:set>
+                                      <p:cBhvr>
+                                        <p:cTn id="11" dur="1" fill="hold">
+                                          <p:stCondLst>
+                                            <p:cond delay="0"/>
+                                          </p:stCondLst>
+                                        </p:cTn>
+                                        <p:tgtEl>
+                                          <p:spTgt spid="5"/>
+                                        </p:tgtEl>
+                                        <p:attrNameLst>
+                                          <p:attrName>style.visibility</p:attrName>
+                                        </p:attrNameLst>
+                                      </p:cBhvr>
+                                      <p:to>
+                                        <p:strVal val="visible"/>
+                                      </p:to>
+                                    </p:set>
+                                    <p:animEffect transition="in" filter="dissolve">
+                                      <p:cBhvr>
+                                        <p:cTn id="12" dur="500"/>
+                                        <p:tgtEl>
+                                          <p:spTgt spid="5"/>
+                                        </p:tgtEl>
+                                      </p:cBhvr>
+                                    </p:animEffect>
+                                  </p:childTnLst>
+                                </p:cTn>
+                              </p:par>
+                            </p:childTnLst>
+                          </p:cTn>
+                        </p:par>
+                      </p:childTnLst>
+                    </p:cTn>
+                  </p:par>
+                </p:childTnLst>
+              </p:cTn>
+              <p:prevCondLst>
+                <p:cond evt="onPrev" delay="0">
+                  <p:tgtEl>
+                    <p:sldTgt/>
+                  </p:tgtEl>
+                </p:cond>
+              </p:prevCondLst>
+              <p:nextCondLst>
+                <p:cond evt="onNext" delay="0">
+                  <p:tgtEl>
+                    <p:sldTgt/>
+                  </p:tgtEl>
+                </p:cond>
+              </p:nextCondLst>
+            </p:seq>
+          </p:childTnLst>
+        </p:cTn>
+      </p:par>
+    </p:tnLst>
+    <p:bldLst>
+      <p:bldP spid="2" grpId="0" animBg="1"/>
+      <p:bldP spid="5" grpId="0"/>
+    </p:bldLst>
+  </p:timing>
+</p:sld>
+</file>
+
+<file path=ppt/slides/slide14.xml><?xml version="1.0" encoding="utf-8"?>
+<p:sld xmlns:a="http://schemas.openxmlformats.org/drawingml/2006/main" xmlns:r="http://schemas.openxmlformats.org/officeDocument/2006/relationships" xmlns:p="http://schemas.openxmlformats.org/presentationml/2006/main">
+  <p:cSld>
+    <p:spTree>
+      <p:nvGrpSpPr>
+        <p:cNvPr id="1" name=""/>
+        <p:cNvGrpSpPr/>
+        <p:nvPr/>
+      </p:nvGrpSpPr>
+      <p:grpSpPr>
+        <a:xfrm>
+          <a:off x="0" y="0"/>
+          <a:ext cx="0" cy="0"/>
+          <a:chOff x="0" y="0"/>
+          <a:chExt cx="0" cy="0"/>
+        </a:xfrm>
+      </p:grpSpPr>
+      <p:sp>
+        <p:nvSpPr>
           <p:cNvPr id="50" name="Text Box 3"/>
           <p:cNvSpPr txBox="1">
             <a:spLocks noChangeArrowheads="1"/>
@@ -3774,12 +5619,12 @@
             <a:graphicData uri="http://schemas.openxmlformats.org/presentationml/2006/ole">
               <mc:AlternateContent xmlns:mc="http://schemas.openxmlformats.org/markup-compatibility/2006">
                 <mc:Choice xmlns:v="urn:schemas-microsoft-com:vml" Requires="v">
-                  <p:oleObj spid="_x0000_s123935" name="Equation" r:id="rId3" imgW="76200" imgH="165100" progId="Equation.DSMT4">
+                  <p:oleObj spid="_x0000_s123969" name="Equation" r:id="rId4" imgW="76200" imgH="165100" progId="Equation.DSMT4">
                     <p:embed/>
                   </p:oleObj>
                 </mc:Choice>
                 <mc:Fallback>
-                  <p:oleObj name="Equation" r:id="rId3" imgW="76200" imgH="165100" progId="Equation.DSMT4">
+                  <p:oleObj name="Equation" r:id="rId4" imgW="76200" imgH="165100" progId="Equation.DSMT4">
                     <p:embed/>
                     <p:pic>
                       <p:nvPicPr>
@@ -3790,7 +5635,7 @@
                         <p:nvPr/>
                       </p:nvPicPr>
                       <p:blipFill>
-                        <a:blip r:embed="rId4">
+                        <a:blip r:embed="rId5">
                           <a:extLst>
                             <a:ext uri="{28A0092B-C50C-407E-A947-70E740481C1C}">
                               <a14:useLocalDpi xmlns:a14="http://schemas.microsoft.com/office/drawing/2010/main" val="0"/>
@@ -3940,12 +5785,12 @@
             <a:graphicData uri="http://schemas.openxmlformats.org/presentationml/2006/ole">
               <mc:AlternateContent xmlns:mc="http://schemas.openxmlformats.org/markup-compatibility/2006">
                 <mc:Choice xmlns:v="urn:schemas-microsoft-com:vml" Requires="v">
-                  <p:oleObj spid="_x0000_s123936" name="Equation" r:id="rId5" imgW="76200" imgH="165100" progId="Equation.DSMT4">
+                  <p:oleObj spid="_x0000_s123970" name="Equation" r:id="rId6" imgW="76200" imgH="165100" progId="Equation.DSMT4">
                     <p:embed/>
                   </p:oleObj>
                 </mc:Choice>
                 <mc:Fallback>
-                  <p:oleObj name="Equation" r:id="rId5" imgW="76200" imgH="165100" progId="Equation.DSMT4">
+                  <p:oleObj name="Equation" r:id="rId6" imgW="76200" imgH="165100" progId="Equation.DSMT4">
                     <p:embed/>
                     <p:pic>
                       <p:nvPicPr>
@@ -3956,7 +5801,7 @@
                         <p:nvPr/>
                       </p:nvPicPr>
                       <p:blipFill>
-                        <a:blip r:embed="rId6">
+                        <a:blip r:embed="rId7">
                           <a:extLst>
                             <a:ext uri="{28A0092B-C50C-407E-A947-70E740481C1C}">
                               <a14:useLocalDpi xmlns:a14="http://schemas.microsoft.com/office/drawing/2010/main" val="0"/>
@@ -4106,12 +5951,12 @@
             <a:graphicData uri="http://schemas.openxmlformats.org/presentationml/2006/ole">
               <mc:AlternateContent xmlns:mc="http://schemas.openxmlformats.org/markup-compatibility/2006">
                 <mc:Choice xmlns:v="urn:schemas-microsoft-com:vml" Requires="v">
-                  <p:oleObj spid="_x0000_s123937" name="Equation" r:id="rId7" imgW="76200" imgH="165100" progId="Equation.DSMT4">
+                  <p:oleObj spid="_x0000_s123971" name="Equation" r:id="rId8" imgW="76200" imgH="165100" progId="Equation.DSMT4">
                     <p:embed/>
                   </p:oleObj>
                 </mc:Choice>
                 <mc:Fallback>
-                  <p:oleObj name="Equation" r:id="rId7" imgW="76200" imgH="165100" progId="Equation.DSMT4">
+                  <p:oleObj name="Equation" r:id="rId8" imgW="76200" imgH="165100" progId="Equation.DSMT4">
                     <p:embed/>
                     <p:pic>
                       <p:nvPicPr>
@@ -4122,7 +5967,7 @@
                         <p:nvPr/>
                       </p:nvPicPr>
                       <p:blipFill>
-                        <a:blip r:embed="rId8">
+                        <a:blip r:embed="rId9">
                           <a:extLst>
                             <a:ext uri="{28A0092B-C50C-407E-A947-70E740481C1C}">
                               <a14:useLocalDpi xmlns:a14="http://schemas.microsoft.com/office/drawing/2010/main" val="0"/>
@@ -4186,10 +6031,18 @@
             <a:r>
               <a:rPr lang="en-US" sz="4800" dirty="0" smtClean="0">
                 <a:solidFill>
+                  <a:srgbClr val="8F008F"/>
+                </a:solidFill>
+              </a:rPr>
+              <a:t>path-total</a:t>
+            </a:r>
+            <a:r>
+              <a:rPr lang="en-US" sz="4800" dirty="0" smtClean="0">
+                <a:solidFill>
                   <a:srgbClr val="000000"/>
                 </a:solidFill>
               </a:rPr>
-              <a:t>path-total </a:t>
+              <a:t> </a:t>
             </a:r>
             <a:r>
               <a:rPr lang="en-US" sz="4800" dirty="0">
@@ -4402,7 +6255,7 @@
 </p:sld>
 </file>
 
-<file path=ppt/slides/slide12.xml><?xml version="1.0" encoding="utf-8"?>
+<file path=ppt/slides/slide15.xml><?xml version="1.0" encoding="utf-8"?>
 <p:sld xmlns:a="http://schemas.openxmlformats.org/drawingml/2006/main" xmlns:r="http://schemas.openxmlformats.org/officeDocument/2006/relationships" xmlns:p="http://schemas.openxmlformats.org/presentationml/2006/main">
   <p:cSld>
     <p:spTree>
@@ -4421,7 +6274,124 @@
       </p:grpSpPr>
       <p:sp>
         <p:nvSpPr>
-          <p:cNvPr id="559106" name="Rectangle 2"/>
+          <p:cNvPr id="50" name="Text Box 3"/>
+          <p:cNvSpPr txBox="1">
+            <a:spLocks noChangeArrowheads="1"/>
+          </p:cNvSpPr>
+          <p:nvPr/>
+        </p:nvSpPr>
+        <p:spPr bwMode="auto">
+          <a:xfrm>
+            <a:off x="604969" y="1578114"/>
+            <a:ext cx="7831215" cy="2585323"/>
+          </a:xfrm>
+          <a:prstGeom prst="rect">
+            <a:avLst/>
+          </a:prstGeom>
+          <a:noFill/>
+          <a:ln w="9525">
+            <a:noFill/>
+            <a:miter lim="800000"/>
+            <a:headEnd/>
+            <a:tailEnd type="none" w="lg" len="lg"/>
+          </a:ln>
+          <a:effectLst/>
+        </p:spPr>
+        <p:txBody>
+          <a:bodyPr wrap="none">
+            <a:spAutoFit/>
+          </a:bodyPr>
+          <a:lstStyle/>
+          <a:p>
+            <a:r>
+              <a:rPr lang="en-US" sz="5400" dirty="0" smtClean="0">
+                <a:latin typeface="Comic Sans MS"/>
+                <a:cs typeface="Comic Sans MS"/>
+              </a:rPr>
+              <a:t>A </a:t>
+            </a:r>
+            <a:r>
+              <a:rPr lang="en-US" sz="5400" dirty="0">
+                <a:solidFill>
+                  <a:srgbClr val="0000FF"/>
+                </a:solidFill>
+                <a:latin typeface="Comic Sans MS"/>
+                <a:cs typeface="Comic Sans MS"/>
+              </a:rPr>
+              <a:t>t</a:t>
+            </a:r>
+            <a:r>
+              <a:rPr lang="en-US" sz="5400" dirty="0" smtClean="0">
+                <a:solidFill>
+                  <a:srgbClr val="0000FF"/>
+                </a:solidFill>
+                <a:latin typeface="Comic Sans MS"/>
+                <a:cs typeface="Comic Sans MS"/>
+              </a:rPr>
+              <a:t>opol</a:t>
+            </a:r>
+            <a:r>
+              <a:rPr lang="en-US" sz="5400" dirty="0" smtClean="0">
+                <a:solidFill>
+                  <a:srgbClr val="0000FF"/>
+                </a:solidFill>
+                <a:latin typeface="Comic Sans MS"/>
+                <a:cs typeface="Comic Sans MS"/>
+              </a:rPr>
+              <a:t>ogical </a:t>
+            </a:r>
+            <a:r>
+              <a:rPr lang="en-US" sz="5400" dirty="0">
+                <a:solidFill>
+                  <a:srgbClr val="0000FF"/>
+                </a:solidFill>
+                <a:latin typeface="Comic Sans MS"/>
+                <a:cs typeface="Comic Sans MS"/>
+              </a:rPr>
+              <a:t>s</a:t>
+            </a:r>
+            <a:r>
+              <a:rPr lang="en-US" sz="5400" dirty="0" smtClean="0">
+                <a:solidFill>
+                  <a:srgbClr val="0000FF"/>
+                </a:solidFill>
+                <a:latin typeface="Comic Sans MS"/>
+                <a:cs typeface="Comic Sans MS"/>
+              </a:rPr>
+              <a:t>ort</a:t>
+            </a:r>
+            <a:r>
+              <a:rPr lang="en-US" sz="5400" dirty="0" smtClean="0">
+                <a:latin typeface="Comic Sans MS"/>
+                <a:cs typeface="Comic Sans MS"/>
+              </a:rPr>
+              <a:t> turns</a:t>
+            </a:r>
+          </a:p>
+          <a:p>
+            <a:r>
+              <a:rPr lang="en-US" sz="5400" dirty="0" smtClean="0">
+                <a:latin typeface="Comic Sans MS"/>
+                <a:cs typeface="Comic Sans MS"/>
+              </a:rPr>
+              <a:t>a partial order into a</a:t>
+            </a:r>
+          </a:p>
+          <a:p>
+            <a:r>
+              <a:rPr lang="en-US" sz="5400" dirty="0" smtClean="0">
+                <a:latin typeface="Comic Sans MS"/>
+                <a:cs typeface="Comic Sans MS"/>
+              </a:rPr>
+              <a:t>path-total order</a:t>
+            </a:r>
+            <a:endParaRPr lang="en-US" sz="5400" dirty="0"/>
+          </a:p>
+        </p:txBody>
+      </p:sp>
+      <p:sp>
+        <p:nvSpPr>
+          <p:cNvPr id="21" name="Rectangle 2"/>
           <p:cNvSpPr>
             <a:spLocks noGrp="1" noChangeArrowheads="1"/>
           </p:cNvSpPr>
@@ -4429,7 +6399,12 @@
             <p:ph type="title"/>
           </p:nvPr>
         </p:nvSpPr>
-        <p:spPr/>
+        <p:spPr>
+          <a:xfrm>
+            <a:off x="1447800" y="304800"/>
+            <a:ext cx="7086600" cy="1143000"/>
+          </a:xfrm>
+        </p:spPr>
         <p:txBody>
           <a:bodyPr>
             <a:normAutofit/>
@@ -4439,10 +6414,18 @@
             <a:r>
               <a:rPr lang="en-US" sz="4800" dirty="0" smtClean="0">
                 <a:solidFill>
+                  <a:srgbClr val="8F008F"/>
+                </a:solidFill>
+              </a:rPr>
+              <a:t>path-total</a:t>
+            </a:r>
+            <a:r>
+              <a:rPr lang="en-US" sz="4800" dirty="0" smtClean="0">
+                <a:solidFill>
                   <a:srgbClr val="000000"/>
                 </a:solidFill>
               </a:rPr>
-              <a:t>path-total </a:t>
+              <a:t> </a:t>
             </a:r>
             <a:r>
               <a:rPr lang="en-US" sz="4800" dirty="0">
@@ -4470,137 +6453,14 @@
       </p:sp>
       <p:sp>
         <p:nvSpPr>
-          <p:cNvPr id="559107" name="Rectangle 3"/>
-          <p:cNvSpPr>
-            <a:spLocks noGrp="1" noChangeArrowheads="1"/>
-          </p:cNvSpPr>
-          <p:nvPr>
-            <p:ph type="body" idx="1"/>
-          </p:nvPr>
-        </p:nvSpPr>
-        <p:spPr>
-          <a:xfrm>
-            <a:off x="685800" y="1524000"/>
-            <a:ext cx="8149547" cy="2743200"/>
-          </a:xfrm>
-        </p:spPr>
-        <p:txBody>
-          <a:bodyPr>
-            <a:noAutofit/>
-          </a:bodyPr>
-          <a:lstStyle/>
-          <a:p>
-            <a:pPr>
-              <a:lnSpc>
-                <a:spcPct val="90000"/>
-              </a:lnSpc>
-            </a:pPr>
-            <a:r>
-              <a:rPr lang="en-US" sz="4800" dirty="0">
-                <a:cs typeface="Times New Roman" pitchFamily="18" charset="0"/>
-              </a:rPr>
-              <a:t> </a:t>
-            </a:r>
-            <a:r>
-              <a:rPr lang="en-US" sz="5400" b="1" dirty="0" smtClean="0">
-                <a:solidFill>
-                  <a:srgbClr val="0033CC"/>
-                </a:solidFill>
-                <a:latin typeface="Symbol" pitchFamily="18" charset="2"/>
-                <a:cs typeface="Times New Roman" pitchFamily="18" charset="0"/>
-              </a:rPr>
-              <a:t>&lt;</a:t>
-            </a:r>
-            <a:r>
-              <a:rPr lang="en-US" sz="5400" dirty="0" smtClean="0">
-                <a:cs typeface="Times New Roman" pitchFamily="18" charset="0"/>
-              </a:rPr>
-              <a:t>  on </a:t>
-            </a:r>
-            <a:r>
-              <a:rPr lang="en-US" sz="5400" dirty="0">
-                <a:cs typeface="Times New Roman" pitchFamily="18" charset="0"/>
-              </a:rPr>
-              <a:t>the </a:t>
-            </a:r>
-            <a:r>
-              <a:rPr lang="en-US" sz="5400" dirty="0" err="1" smtClean="0">
-                <a:cs typeface="Times New Roman" pitchFamily="18" charset="0"/>
-              </a:rPr>
-              <a:t>Reals</a:t>
-            </a:r>
-            <a:endParaRPr lang="en-US" sz="5400" dirty="0" smtClean="0">
-              <a:cs typeface="Times New Roman" pitchFamily="18" charset="0"/>
-            </a:endParaRPr>
-          </a:p>
-          <a:p>
-            <a:pPr>
-              <a:lnSpc>
-                <a:spcPct val="90000"/>
-              </a:lnSpc>
-            </a:pPr>
-            <a:r>
-              <a:rPr lang="en-US" sz="5400" i="1" dirty="0" smtClean="0">
-                <a:cs typeface="Times New Roman" pitchFamily="18" charset="0"/>
-                <a:sym typeface="Symbol" pitchFamily="18" charset="2"/>
-              </a:rPr>
-              <a:t>“</a:t>
-            </a:r>
-            <a:r>
-              <a:rPr lang="en-US" sz="5400" dirty="0" smtClean="0">
-                <a:solidFill>
-                  <a:srgbClr val="0033CC"/>
-                </a:solidFill>
-                <a:cs typeface="Times New Roman" pitchFamily="18" charset="0"/>
-                <a:sym typeface="Symbol" pitchFamily="18" charset="2"/>
-              </a:rPr>
-              <a:t>ranks below</a:t>
-            </a:r>
-            <a:r>
-              <a:rPr lang="en-US" sz="5400" dirty="0" smtClean="0">
-                <a:cs typeface="Times New Roman" pitchFamily="18" charset="0"/>
-                <a:sym typeface="Symbol" pitchFamily="18" charset="2"/>
-              </a:rPr>
-              <a:t>” on</a:t>
-            </a:r>
-          </a:p>
-          <a:p>
-            <a:pPr>
-              <a:lnSpc>
-                <a:spcPct val="90000"/>
-              </a:lnSpc>
-              <a:buNone/>
-            </a:pPr>
-            <a:r>
-              <a:rPr lang="en-US" sz="5400" dirty="0">
-                <a:cs typeface="Times New Roman" pitchFamily="18" charset="0"/>
-                <a:sym typeface="Symbol" pitchFamily="18" charset="2"/>
-              </a:rPr>
-              <a:t> </a:t>
-            </a:r>
-            <a:r>
-              <a:rPr lang="en-US" sz="5400" dirty="0" smtClean="0">
-                <a:cs typeface="Times New Roman" pitchFamily="18" charset="0"/>
-                <a:sym typeface="Symbol" pitchFamily="18" charset="2"/>
-              </a:rPr>
-              <a:t>      tournament players</a:t>
-            </a:r>
-            <a:endParaRPr lang="en-US" sz="5400" dirty="0">
-              <a:sym typeface="Symbol" pitchFamily="18" charset="2"/>
-            </a:endParaRPr>
-          </a:p>
-        </p:txBody>
-      </p:sp>
-      <p:sp>
-        <p:nvSpPr>
-          <p:cNvPr id="10" name="TextBox 9"/>
+          <p:cNvPr id="2" name="TextBox 1"/>
           <p:cNvSpPr txBox="1"/>
           <p:nvPr/>
         </p:nvSpPr>
         <p:spPr>
           <a:xfrm>
-            <a:off x="338899" y="4495800"/>
-            <a:ext cx="8424101" cy="923330"/>
+            <a:off x="533400" y="3200400"/>
+            <a:ext cx="8305800" cy="2819400"/>
           </a:xfrm>
           <a:prstGeom prst="rect">
             <a:avLst/>
@@ -4609,41 +6469,69 @@
         </p:spPr>
         <p:txBody>
           <a:bodyPr wrap="none" rtlCol="0">
-            <a:spAutoFit/>
+            <a:noAutofit/>
           </a:bodyPr>
           <a:lstStyle/>
           <a:p>
             <a:r>
               <a:rPr lang="en-US" sz="5400" dirty="0" smtClean="0">
-                <a:solidFill>
-                  <a:srgbClr val="FF0000"/>
-                </a:solidFill>
-                <a:latin typeface="Comic Sans MS" pitchFamily="66" charset="0"/>
-              </a:rPr>
-              <a:t>no</a:t>
+                <a:latin typeface="Comic Sans MS" pitchFamily="66" charset="0"/>
+              </a:rPr>
+              <a:t>                         </a:t>
+            </a:r>
+            <a:r>
+              <a:rPr lang="en-US" sz="5400" dirty="0">
+                <a:latin typeface="Comic Sans MS" pitchFamily="66" charset="0"/>
+              </a:rPr>
+              <a:t> </a:t>
             </a:r>
             <a:r>
               <a:rPr lang="en-US" sz="5400" dirty="0" smtClean="0">
                 <a:latin typeface="Comic Sans MS" pitchFamily="66" charset="0"/>
               </a:rPr>
-              <a:t> </a:t>
+              <a:t>  …</a:t>
+            </a:r>
+            <a:r>
+              <a:rPr lang="en-US" sz="5400" dirty="0">
+                <a:latin typeface="Comic Sans MS" pitchFamily="66" charset="0"/>
+              </a:rPr>
+              <a:t>in </a:t>
             </a:r>
             <a:r>
               <a:rPr lang="en-US" sz="5400" dirty="0" smtClean="0">
+                <a:latin typeface="Comic Sans MS" pitchFamily="66" charset="0"/>
+              </a:rPr>
+              <a:t>a</a:t>
+            </a:r>
+          </a:p>
+          <a:p>
+            <a:r>
+              <a:rPr lang="en-US" sz="5400" dirty="0" smtClean="0">
+                <a:latin typeface="Comic Sans MS" pitchFamily="66" charset="0"/>
+              </a:rPr>
+              <a:t>way that is </a:t>
+            </a:r>
+            <a:r>
+              <a:rPr lang="en-US" sz="5400" dirty="0" smtClean="0">
                 <a:solidFill>
                   <a:srgbClr val="8F008F"/>
                 </a:solidFill>
                 <a:latin typeface="Comic Sans MS" pitchFamily="66" charset="0"/>
               </a:rPr>
-              <a:t>incomparable</a:t>
-            </a:r>
+              <a:t>consistent</a:t>
+            </a:r>
+            <a:endParaRPr lang="en-US" sz="5400" dirty="0">
+              <a:latin typeface="Comic Sans MS" pitchFamily="66" charset="0"/>
+            </a:endParaRPr>
+          </a:p>
+          <a:p>
             <a:r>
               <a:rPr lang="en-US" sz="5400" dirty="0" smtClean="0">
                 <a:latin typeface="Comic Sans MS" pitchFamily="66" charset="0"/>
               </a:rPr>
-              <a:t> elements</a:t>
-            </a:r>
-            <a:endParaRPr lang="en-US" sz="5400" dirty="0">
+              <a:t>with the partial order</a:t>
+            </a:r>
+            <a:endParaRPr lang="en-US" sz="5400" dirty="0" smtClean="0">
               <a:latin typeface="Comic Sans MS" pitchFamily="66" charset="0"/>
             </a:endParaRPr>
           </a:p>
@@ -4652,7 +6540,7 @@
     </p:spTree>
     <p:extLst>
       <p:ext uri="{BB962C8B-B14F-4D97-AF65-F5344CB8AC3E}">
-        <p14:creationId xmlns:p14="http://schemas.microsoft.com/office/powerpoint/2010/main" val="693370992"/>
+        <p14:creationId xmlns:p14="http://schemas.microsoft.com/office/powerpoint/2010/main" val="3289005376"/>
       </p:ext>
     </p:extLst>
   </p:cSld>
@@ -4705,11 +6593,7 @@
                                           </p:stCondLst>
                                         </p:cTn>
                                         <p:tgtEl>
-                                          <p:spTgt spid="559107">
-                                            <p:txEl>
-                                              <p:pRg st="1" end="1"/>
-                                            </p:txEl>
-                                          </p:spTgt>
+                                          <p:spTgt spid="2"/>
                                         </p:tgtEl>
                                         <p:attrNameLst>
                                           <p:attrName>style.visibility</p:attrName>
@@ -4723,107 +6607,7 @@
                                       <p:cBhvr>
                                         <p:cTn id="7" dur="500"/>
                                         <p:tgtEl>
-                                          <p:spTgt spid="559107">
-                                            <p:txEl>
-                                              <p:pRg st="1" end="1"/>
-                                            </p:txEl>
-                                          </p:spTgt>
-                                        </p:tgtEl>
-                                      </p:cBhvr>
-                                    </p:animEffect>
-                                  </p:childTnLst>
-                                </p:cTn>
-                              </p:par>
-                              <p:par>
-                                <p:cTn id="8" presetID="9" presetClass="entr" presetSubtype="0" fill="hold" grpId="0" nodeType="withEffect">
-                                  <p:stCondLst>
-                                    <p:cond delay="0"/>
-                                  </p:stCondLst>
-                                  <p:childTnLst>
-                                    <p:set>
-                                      <p:cBhvr>
-                                        <p:cTn id="9" dur="1" fill="hold">
-                                          <p:stCondLst>
-                                            <p:cond delay="0"/>
-                                          </p:stCondLst>
-                                        </p:cTn>
-                                        <p:tgtEl>
-                                          <p:spTgt spid="559107">
-                                            <p:txEl>
-                                              <p:pRg st="2" end="2"/>
-                                            </p:txEl>
-                                          </p:spTgt>
-                                        </p:tgtEl>
-                                        <p:attrNameLst>
-                                          <p:attrName>style.visibility</p:attrName>
-                                        </p:attrNameLst>
-                                      </p:cBhvr>
-                                      <p:to>
-                                        <p:strVal val="visible"/>
-                                      </p:to>
-                                    </p:set>
-                                    <p:animEffect transition="in" filter="dissolve">
-                                      <p:cBhvr>
-                                        <p:cTn id="10" dur="500"/>
-                                        <p:tgtEl>
-                                          <p:spTgt spid="559107">
-                                            <p:txEl>
-                                              <p:pRg st="2" end="2"/>
-                                            </p:txEl>
-                                          </p:spTgt>
-                                        </p:tgtEl>
-                                      </p:cBhvr>
-                                    </p:animEffect>
-                                  </p:childTnLst>
-                                </p:cTn>
-                              </p:par>
-                            </p:childTnLst>
-                          </p:cTn>
-                        </p:par>
-                      </p:childTnLst>
-                    </p:cTn>
-                  </p:par>
-                  <p:par>
-                    <p:cTn id="11" fill="hold">
-                      <p:stCondLst>
-                        <p:cond delay="indefinite"/>
-                      </p:stCondLst>
-                      <p:childTnLst>
-                        <p:par>
-                          <p:cTn id="12" fill="hold">
-                            <p:stCondLst>
-                              <p:cond delay="0"/>
-                            </p:stCondLst>
-                            <p:childTnLst>
-                              <p:par>
-                                <p:cTn id="13" presetID="9" presetClass="entr" presetSubtype="0" fill="hold" grpId="0" nodeType="clickEffect">
-                                  <p:stCondLst>
-                                    <p:cond delay="0"/>
-                                  </p:stCondLst>
-                                  <p:childTnLst>
-                                    <p:set>
-                                      <p:cBhvr>
-                                        <p:cTn id="14" dur="1" fill="hold">
-                                          <p:stCondLst>
-                                            <p:cond delay="0"/>
-                                          </p:stCondLst>
-                                        </p:cTn>
-                                        <p:tgtEl>
-                                          <p:spTgt spid="10"/>
-                                        </p:tgtEl>
-                                        <p:attrNameLst>
-                                          <p:attrName>style.visibility</p:attrName>
-                                        </p:attrNameLst>
-                                      </p:cBhvr>
-                                      <p:to>
-                                        <p:strVal val="visible"/>
-                                      </p:to>
-                                    </p:set>
-                                    <p:animEffect transition="in" filter="dissolve">
-                                      <p:cBhvr>
-                                        <p:cTn id="15" dur="500"/>
-                                        <p:tgtEl>
-                                          <p:spTgt spid="10"/>
+                                          <p:spTgt spid="2"/>
                                         </p:tgtEl>
                                       </p:cBhvr>
                                     </p:animEffect>
@@ -4858,14 +6642,13 @@
       </p:par>
     </p:tnLst>
     <p:bldLst>
-      <p:bldP spid="559107" grpId="0" build="p"/>
-      <p:bldP spid="10" grpId="0"/>
+      <p:bldP spid="2" grpId="0"/>
     </p:bldLst>
   </p:timing>
 </p:sld>
 </file>
 
-<file path=ppt/slides/slide13.xml><?xml version="1.0" encoding="utf-8"?>
+<file path=ppt/slides/slide16.xml><?xml version="1.0" encoding="utf-8"?>
 <p:sld xmlns:a="http://schemas.openxmlformats.org/drawingml/2006/main" xmlns:r="http://schemas.openxmlformats.org/officeDocument/2006/relationships" xmlns:p="http://schemas.openxmlformats.org/presentationml/2006/main">
   <p:cSld>
     <p:spTree>
@@ -5483,7 +7266,7 @@
 </p:sld>
 </file>
 
-<file path=ppt/slides/slide14.xml><?xml version="1.0" encoding="utf-8"?>
+<file path=ppt/slides/slide17.xml><?xml version="1.0" encoding="utf-8"?>
 <p:sld xmlns:a="http://schemas.openxmlformats.org/drawingml/2006/main" xmlns:r="http://schemas.openxmlformats.org/officeDocument/2006/relationships" xmlns:p="http://schemas.openxmlformats.org/presentationml/2006/main">
   <p:cSld>
     <p:spTree>
@@ -5904,7 +7687,7 @@
 </p:sld>
 </file>
 
-<file path=ppt/slides/slide15.xml><?xml version="1.0" encoding="utf-8"?>
+<file path=ppt/slides/slide18.xml><?xml version="1.0" encoding="utf-8"?>
 <p:sld xmlns:a="http://schemas.openxmlformats.org/drawingml/2006/main" xmlns:r="http://schemas.openxmlformats.org/officeDocument/2006/relationships" xmlns:p="http://schemas.openxmlformats.org/presentationml/2006/main">
   <p:cSld>
     <p:spTree>
@@ -6413,7 +8196,7 @@
 </p:sld>
 </file>
 
-<file path=ppt/slides/slide16.xml><?xml version="1.0" encoding="utf-8"?>
+<file path=ppt/slides/slide19.xml><?xml version="1.0" encoding="utf-8"?>
 <p:sld xmlns:a="http://schemas.openxmlformats.org/drawingml/2006/main" xmlns:r="http://schemas.openxmlformats.org/officeDocument/2006/relationships" xmlns:p="http://schemas.openxmlformats.org/presentationml/2006/main">
   <p:cSld>
     <p:spTree>
@@ -7041,1411 +8824,6 @@
                                         <p:strVal val="visible"/>
                                       </p:to>
                                     </p:set>
-                                  </p:childTnLst>
-                                </p:cTn>
-                              </p:par>
-                            </p:childTnLst>
-                          </p:cTn>
-                        </p:par>
-                      </p:childTnLst>
-                    </p:cTn>
-                  </p:par>
-                </p:childTnLst>
-              </p:cTn>
-              <p:prevCondLst>
-                <p:cond evt="onPrev" delay="0">
-                  <p:tgtEl>
-                    <p:sldTgt/>
-                  </p:tgtEl>
-                </p:cond>
-              </p:prevCondLst>
-              <p:nextCondLst>
-                <p:cond evt="onNext" delay="0">
-                  <p:tgtEl>
-                    <p:sldTgt/>
-                  </p:tgtEl>
-                </p:cond>
-              </p:nextCondLst>
-            </p:seq>
-          </p:childTnLst>
-        </p:cTn>
-      </p:par>
-    </p:tnLst>
-  </p:timing>
-</p:sld>
-</file>
-
-<file path=ppt/slides/slide17.xml><?xml version="1.0" encoding="utf-8"?>
-<p:sld xmlns:a="http://schemas.openxmlformats.org/drawingml/2006/main" xmlns:r="http://schemas.openxmlformats.org/officeDocument/2006/relationships" xmlns:p="http://schemas.openxmlformats.org/presentationml/2006/main">
-  <p:cSld>
-    <p:spTree>
-      <p:nvGrpSpPr>
-        <p:cNvPr id="1" name=""/>
-        <p:cNvGrpSpPr/>
-        <p:nvPr/>
-      </p:nvGrpSpPr>
-      <p:grpSpPr>
-        <a:xfrm>
-          <a:off x="0" y="0"/>
-          <a:ext cx="0" cy="0"/>
-          <a:chOff x="0" y="0"/>
-          <a:chExt cx="0" cy="0"/>
-        </a:xfrm>
-      </p:grpSpPr>
-      <p:sp>
-        <p:nvSpPr>
-          <p:cNvPr id="6" name="TextBox 5"/>
-          <p:cNvSpPr txBox="1"/>
-          <p:nvPr/>
-        </p:nvSpPr>
-        <p:spPr>
-          <a:xfrm>
-            <a:off x="381000" y="1524000"/>
-            <a:ext cx="8382000" cy="4495800"/>
-          </a:xfrm>
-          <a:prstGeom prst="rect">
-            <a:avLst/>
-          </a:prstGeom>
-          <a:noFill/>
-        </p:spPr>
-        <p:txBody>
-          <a:bodyPr wrap="none" rtlCol="0">
-            <a:noAutofit/>
-          </a:bodyPr>
-          <a:lstStyle/>
-          <a:p>
-            <a:pPr>
-              <a:spcAft>
-                <a:spcPts val="1200"/>
-              </a:spcAft>
-            </a:pPr>
-            <a:r>
-              <a:rPr lang="en-US" sz="5400" dirty="0" err="1" smtClean="0">
-                <a:solidFill>
-                  <a:srgbClr val="8F008F"/>
-                </a:solidFill>
-                <a:latin typeface="Comic Sans MS" pitchFamily="66" charset="0"/>
-              </a:rPr>
-              <a:t>antisymmetric</a:t>
-            </a:r>
-            <a:r>
-              <a:rPr lang="en-US" sz="5400" dirty="0" smtClean="0">
-                <a:solidFill>
-                  <a:srgbClr val="000000"/>
-                </a:solidFill>
-                <a:latin typeface="Comic Sans MS" pitchFamily="66" charset="0"/>
-              </a:rPr>
-              <a:t> </a:t>
-            </a:r>
-            <a:r>
-              <a:rPr lang="en-US" sz="5400" dirty="0">
-                <a:solidFill>
-                  <a:srgbClr val="000000"/>
-                </a:solidFill>
-                <a:latin typeface="Comic Sans MS" pitchFamily="66" charset="0"/>
-              </a:rPr>
-              <a:t>relation </a:t>
-            </a:r>
-            <a:r>
-              <a:rPr lang="en-US" sz="5400" dirty="0">
-                <a:solidFill>
-                  <a:srgbClr val="0033CC"/>
-                </a:solidFill>
-                <a:latin typeface="Comic Sans MS" pitchFamily="66" charset="0"/>
-              </a:rPr>
-              <a:t>R</a:t>
-            </a:r>
-            <a:r>
-              <a:rPr lang="en-US" sz="5400" dirty="0">
-                <a:latin typeface="Comic Sans MS" pitchFamily="66" charset="0"/>
-              </a:rPr>
-              <a:t>:</a:t>
-            </a:r>
-          </a:p>
-          <a:p>
-            <a:pPr>
-              <a:spcAft>
-                <a:spcPts val="1200"/>
-              </a:spcAft>
-            </a:pPr>
-            <a:r>
-              <a:rPr lang="en-US" sz="5400" dirty="0" smtClean="0">
-                <a:solidFill>
-                  <a:srgbClr val="0000FF"/>
-                </a:solidFill>
-                <a:latin typeface="Comic Sans MS" pitchFamily="66" charset="0"/>
-              </a:rPr>
-              <a:t>   u</a:t>
-            </a:r>
-            <a:r>
-              <a:rPr lang="en-US" sz="5400" baseline="-25000" dirty="0" smtClean="0">
-                <a:solidFill>
-                  <a:srgbClr val="0000FF"/>
-                </a:solidFill>
-                <a:latin typeface="Comic Sans MS" pitchFamily="66" charset="0"/>
-              </a:rPr>
-              <a:t> </a:t>
-            </a:r>
-            <a:r>
-              <a:rPr lang="en-US" sz="5400" dirty="0" smtClean="0">
-                <a:solidFill>
-                  <a:srgbClr val="0000FF"/>
-                </a:solidFill>
-                <a:latin typeface="Comic Sans MS" pitchFamily="66" charset="0"/>
-              </a:rPr>
-              <a:t>R</a:t>
-            </a:r>
-            <a:r>
-              <a:rPr lang="en-US" sz="5400" baseline="-25000" dirty="0" smtClean="0">
-                <a:solidFill>
-                  <a:srgbClr val="0000FF"/>
-                </a:solidFill>
-                <a:latin typeface="Comic Sans MS" pitchFamily="66" charset="0"/>
-              </a:rPr>
-              <a:t> </a:t>
-            </a:r>
-            <a:r>
-              <a:rPr lang="en-US" sz="5400" dirty="0" smtClean="0">
-                <a:solidFill>
-                  <a:srgbClr val="0000FF"/>
-                </a:solidFill>
-                <a:latin typeface="Comic Sans MS" pitchFamily="66" charset="0"/>
-              </a:rPr>
-              <a:t>v</a:t>
-            </a:r>
-            <a:r>
-              <a:rPr lang="en-US" sz="4400" dirty="0" smtClean="0">
-                <a:latin typeface="Comic Sans MS" pitchFamily="66" charset="0"/>
-              </a:rPr>
-              <a:t> </a:t>
-            </a:r>
-            <a:r>
-              <a:rPr lang="en-US" sz="3600" dirty="0" smtClean="0">
-                <a:latin typeface="Comic Sans MS" pitchFamily="66" charset="0"/>
-              </a:rPr>
-              <a:t>IMPLIES</a:t>
-            </a:r>
-            <a:r>
-              <a:rPr lang="en-US" sz="5400" dirty="0" smtClean="0">
-                <a:solidFill>
-                  <a:srgbClr val="0000FF"/>
-                </a:solidFill>
-                <a:latin typeface="Comic Sans MS" pitchFamily="66" charset="0"/>
-              </a:rPr>
-              <a:t> </a:t>
-            </a:r>
-            <a:r>
-              <a:rPr lang="en-US" sz="4000" dirty="0" smtClean="0">
-                <a:solidFill>
-                  <a:srgbClr val="FF0000"/>
-                </a:solidFill>
-                <a:latin typeface="Comic Sans MS" pitchFamily="66" charset="0"/>
-              </a:rPr>
-              <a:t>NOT</a:t>
-            </a:r>
-            <a:r>
-              <a:rPr lang="en-US" sz="5400" dirty="0" smtClean="0">
-                <a:solidFill>
-                  <a:srgbClr val="000000"/>
-                </a:solidFill>
-                <a:latin typeface="Comic Sans MS" pitchFamily="66" charset="0"/>
-              </a:rPr>
-              <a:t>(</a:t>
-            </a:r>
-            <a:r>
-              <a:rPr lang="en-US" sz="5400" dirty="0" smtClean="0">
-                <a:solidFill>
-                  <a:srgbClr val="0000FF"/>
-                </a:solidFill>
-                <a:latin typeface="Comic Sans MS" pitchFamily="66" charset="0"/>
-              </a:rPr>
-              <a:t>v</a:t>
-            </a:r>
-            <a:r>
-              <a:rPr lang="en-US" sz="5400" baseline="-25000" dirty="0" smtClean="0">
-                <a:solidFill>
-                  <a:srgbClr val="0000FF"/>
-                </a:solidFill>
-                <a:latin typeface="Comic Sans MS" pitchFamily="66" charset="0"/>
-              </a:rPr>
-              <a:t> </a:t>
-            </a:r>
-            <a:r>
-              <a:rPr lang="en-US" sz="5400" dirty="0" smtClean="0">
-                <a:solidFill>
-                  <a:srgbClr val="0000FF"/>
-                </a:solidFill>
-                <a:latin typeface="Comic Sans MS" pitchFamily="66" charset="0"/>
-              </a:rPr>
-              <a:t>R</a:t>
-            </a:r>
-            <a:r>
-              <a:rPr lang="en-US" sz="5400" baseline="-25000" dirty="0" smtClean="0">
-                <a:solidFill>
-                  <a:srgbClr val="0000FF"/>
-                </a:solidFill>
-                <a:latin typeface="Comic Sans MS" pitchFamily="66" charset="0"/>
-              </a:rPr>
-              <a:t> </a:t>
-            </a:r>
-            <a:r>
-              <a:rPr lang="en-US" sz="5400" dirty="0" smtClean="0">
-                <a:solidFill>
-                  <a:srgbClr val="0000FF"/>
-                </a:solidFill>
-                <a:latin typeface="Comic Sans MS" pitchFamily="66" charset="0"/>
-              </a:rPr>
-              <a:t>u</a:t>
-            </a:r>
-            <a:r>
-              <a:rPr lang="en-US" sz="5400" dirty="0" smtClean="0">
-                <a:solidFill>
-                  <a:srgbClr val="000000"/>
-                </a:solidFill>
-                <a:latin typeface="Comic Sans MS" pitchFamily="66" charset="0"/>
-              </a:rPr>
-              <a:t>)</a:t>
-            </a:r>
-          </a:p>
-          <a:p>
-            <a:pPr>
-              <a:spcAft>
-                <a:spcPts val="2400"/>
-              </a:spcAft>
-            </a:pPr>
-            <a:r>
-              <a:rPr lang="en-US" sz="5400" dirty="0" smtClean="0">
-                <a:solidFill>
-                  <a:srgbClr val="000000"/>
-                </a:solidFill>
-                <a:latin typeface="Comic Sans MS" pitchFamily="66" charset="0"/>
-              </a:rPr>
-              <a:t>           for </a:t>
-            </a:r>
-            <a:r>
-              <a:rPr lang="en-US" sz="6000" dirty="0" smtClean="0">
-                <a:solidFill>
-                  <a:srgbClr val="0000FF"/>
-                </a:solidFill>
-                <a:latin typeface="Comic Sans MS" pitchFamily="66" charset="0"/>
-              </a:rPr>
-              <a:t>u</a:t>
-            </a:r>
-            <a:r>
-              <a:rPr lang="en-US" sz="6000" baseline="-25000" dirty="0" smtClean="0">
-                <a:solidFill>
-                  <a:srgbClr val="000000"/>
-                </a:solidFill>
-                <a:latin typeface="Comic Sans MS" pitchFamily="66" charset="0"/>
-              </a:rPr>
-              <a:t> </a:t>
-            </a:r>
-            <a:r>
-              <a:rPr lang="en-US" sz="6000" b="1" dirty="0" smtClean="0">
-                <a:solidFill>
-                  <a:srgbClr val="FF0000"/>
-                </a:solidFill>
-                <a:latin typeface="Euclid Symbol" charset="2"/>
-                <a:cs typeface="Euclid Symbol" charset="2"/>
-              </a:rPr>
-              <a:t>≠</a:t>
-            </a:r>
-            <a:r>
-              <a:rPr lang="en-US" sz="6000" baseline="-25000" dirty="0" smtClean="0">
-                <a:solidFill>
-                  <a:srgbClr val="000000"/>
-                </a:solidFill>
-                <a:latin typeface="Comic Sans MS" pitchFamily="66" charset="0"/>
-              </a:rPr>
-              <a:t> </a:t>
-            </a:r>
-            <a:r>
-              <a:rPr lang="en-US" sz="6000" dirty="0" smtClean="0">
-                <a:solidFill>
-                  <a:srgbClr val="0000FF"/>
-                </a:solidFill>
-                <a:latin typeface="Comic Sans MS" pitchFamily="66" charset="0"/>
-              </a:rPr>
-              <a:t>v</a:t>
-            </a:r>
-            <a:endParaRPr lang="en-US" sz="5400" dirty="0" smtClean="0">
-              <a:solidFill>
-                <a:srgbClr val="0000FF"/>
-              </a:solidFill>
-              <a:latin typeface="Comic Sans MS" pitchFamily="66" charset="0"/>
-            </a:endParaRPr>
-          </a:p>
-          <a:p>
-            <a:pPr>
-              <a:spcAft>
-                <a:spcPts val="2400"/>
-              </a:spcAft>
-            </a:pPr>
-            <a:r>
-              <a:rPr lang="en-US" sz="5400" dirty="0">
-                <a:solidFill>
-                  <a:srgbClr val="0000FF"/>
-                </a:solidFill>
-                <a:latin typeface="Comic Sans MS" pitchFamily="66" charset="0"/>
-              </a:rPr>
-              <a:t> </a:t>
-            </a:r>
-            <a:r>
-              <a:rPr lang="en-US" sz="5400" dirty="0" smtClean="0">
-                <a:solidFill>
-                  <a:srgbClr val="0000FF"/>
-                </a:solidFill>
-                <a:latin typeface="Comic Sans MS" pitchFamily="66" charset="0"/>
-              </a:rPr>
-              <a:t>   </a:t>
-            </a:r>
-            <a:r>
-              <a:rPr lang="en-US" sz="6000" dirty="0" smtClean="0">
-                <a:solidFill>
-                  <a:srgbClr val="0000FF"/>
-                </a:solidFill>
-                <a:latin typeface="Comic Sans MS" pitchFamily="66" charset="0"/>
-              </a:rPr>
-              <a:t>D</a:t>
-            </a:r>
-            <a:r>
-              <a:rPr lang="en-US" sz="6000" baseline="30000" dirty="0" smtClean="0">
-                <a:solidFill>
-                  <a:srgbClr val="0000FF"/>
-                </a:solidFill>
-                <a:latin typeface="Comic Sans MS" pitchFamily="66" charset="0"/>
-              </a:rPr>
-              <a:t>*</a:t>
-            </a:r>
-            <a:r>
-              <a:rPr lang="en-US" sz="6000" dirty="0" smtClean="0">
-                <a:latin typeface="Comic Sans MS" pitchFamily="66" charset="0"/>
-              </a:rPr>
-              <a:t> is </a:t>
-            </a:r>
-            <a:r>
-              <a:rPr lang="en-US" sz="6000" dirty="0" err="1" smtClean="0">
-                <a:latin typeface="Comic Sans MS" pitchFamily="66" charset="0"/>
-              </a:rPr>
-              <a:t>antisymmetric</a:t>
-            </a:r>
-            <a:endParaRPr lang="en-US" sz="6000" dirty="0" smtClean="0">
-              <a:latin typeface="Comic Sans MS" pitchFamily="66" charset="0"/>
-            </a:endParaRPr>
-          </a:p>
-        </p:txBody>
-      </p:sp>
-      <p:sp>
-        <p:nvSpPr>
-          <p:cNvPr id="5" name="Rectangle 2"/>
-          <p:cNvSpPr txBox="1">
-            <a:spLocks noChangeArrowheads="1"/>
-          </p:cNvSpPr>
-          <p:nvPr/>
-        </p:nvSpPr>
-        <p:spPr>
-          <a:xfrm>
-            <a:off x="1447800" y="304800"/>
-            <a:ext cx="6248400" cy="1143000"/>
-          </a:xfrm>
-          <a:prstGeom prst="rect">
-            <a:avLst/>
-          </a:prstGeom>
-        </p:spPr>
-        <p:txBody>
-          <a:bodyPr vert="horz" lIns="91440" tIns="45720" rIns="91440" bIns="45720" rtlCol="0" anchor="ctr">
-            <a:normAutofit/>
-          </a:bodyPr>
-          <a:lstStyle/>
-          <a:p>
-            <a:pPr marL="0" marR="0" lvl="0" indent="0" algn="ctr" defTabSz="914400" rtl="0" eaLnBrk="1" fontAlgn="auto" latinLnBrk="0" hangingPunct="1">
-              <a:lnSpc>
-                <a:spcPct val="100000"/>
-              </a:lnSpc>
-              <a:spcBef>
-                <a:spcPct val="0"/>
-              </a:spcBef>
-              <a:spcAft>
-                <a:spcPts val="0"/>
-              </a:spcAft>
-              <a:buClrTx/>
-              <a:buSzTx/>
-              <a:buFontTx/>
-              <a:buNone/>
-              <a:tabLst/>
-              <a:defRPr/>
-            </a:pPr>
-            <a:r>
-              <a:rPr kumimoji="0" lang="en-US" sz="6600" i="0" u="none" strike="noStrike" kern="1200" cap="none" spc="0" normalizeH="0" baseline="0" noProof="0" dirty="0" err="1" smtClean="0">
-                <a:ln>
-                  <a:noFill/>
-                </a:ln>
-                <a:solidFill>
-                  <a:schemeClr val="tx1"/>
-                </a:solidFill>
-                <a:effectLst/>
-                <a:uLnTx/>
-                <a:uFillTx/>
-                <a:latin typeface="Comic Sans MS" pitchFamily="66" charset="0"/>
-                <a:ea typeface="+mj-ea"/>
-                <a:cs typeface="+mj-cs"/>
-              </a:rPr>
-              <a:t>antisymmetry</a:t>
-            </a:r>
-            <a:endParaRPr kumimoji="0" lang="en-US" sz="6600" i="0" u="none" strike="noStrike" kern="1200" cap="none" spc="0" normalizeH="0" baseline="0" noProof="0" dirty="0">
-              <a:ln>
-                <a:noFill/>
-              </a:ln>
-              <a:solidFill>
-                <a:schemeClr val="tx1"/>
-              </a:solidFill>
-              <a:effectLst/>
-              <a:uLnTx/>
-              <a:uFillTx/>
-              <a:latin typeface="Comic Sans MS" pitchFamily="66" charset="0"/>
-              <a:ea typeface="+mj-ea"/>
-              <a:cs typeface="+mj-cs"/>
-            </a:endParaRPr>
-          </a:p>
-        </p:txBody>
-      </p:sp>
-      <p:sp>
-        <p:nvSpPr>
-          <p:cNvPr id="4" name="Rounded Rectangle 3"/>
-          <p:cNvSpPr/>
-          <p:nvPr/>
-        </p:nvSpPr>
-        <p:spPr>
-          <a:xfrm>
-            <a:off x="685800" y="2438400"/>
-            <a:ext cx="7620000" cy="2209800"/>
-          </a:xfrm>
-          <a:prstGeom prst="roundRect">
-            <a:avLst/>
-          </a:prstGeom>
-          <a:noFill/>
-          <a:ln w="34925">
-            <a:solidFill>
-              <a:srgbClr val="FF33CC"/>
-            </a:solidFill>
-            <a:prstDash val="sysDash"/>
-          </a:ln>
-        </p:spPr>
-        <p:style>
-          <a:lnRef idx="1">
-            <a:schemeClr val="accent1"/>
-          </a:lnRef>
-          <a:fillRef idx="3">
-            <a:schemeClr val="accent1"/>
-          </a:fillRef>
-          <a:effectRef idx="2">
-            <a:schemeClr val="accent1"/>
-          </a:effectRef>
-          <a:fontRef idx="minor">
-            <a:schemeClr val="lt1"/>
-          </a:fontRef>
-        </p:style>
-        <p:txBody>
-          <a:bodyPr rtlCol="0" anchor="ctr"/>
-          <a:lstStyle/>
-          <a:p>
-            <a:pPr algn="ctr"/>
-            <a:endParaRPr lang="en-US"/>
-          </a:p>
-        </p:txBody>
-      </p:sp>
-    </p:spTree>
-    <p:extLst>
-      <p:ext uri="{BB962C8B-B14F-4D97-AF65-F5344CB8AC3E}">
-        <p14:creationId xmlns:p14="http://schemas.microsoft.com/office/powerpoint/2010/main" val="877608304"/>
-      </p:ext>
-    </p:extLst>
-  </p:cSld>
-  <p:clrMapOvr>
-    <a:masterClrMapping/>
-  </p:clrMapOvr>
-  <mc:AlternateContent xmlns:mc="http://schemas.openxmlformats.org/markup-compatibility/2006" xmlns:p14="http://schemas.microsoft.com/office/powerpoint/2010/main">
-    <mc:Choice Requires="p14">
-      <p:transition spd="med" p14:dur="700">
-        <p:fade/>
-      </p:transition>
-    </mc:Choice>
-    <mc:Fallback xmlns="">
-      <p:transition xmlns:p14="http://schemas.microsoft.com/office/powerpoint/2010/main" spd="med">
-        <p:fade/>
-      </p:transition>
-    </mc:Fallback>
-  </mc:AlternateContent>
-  <p:timing>
-    <p:tnLst>
-      <p:par>
-        <p:cTn xmlns:p14="http://schemas.microsoft.com/office/powerpoint/2010/main" id="1" dur="indefinite" restart="never" nodeType="tmRoot">
-          <p:childTnLst>
-            <p:seq concurrent="1" nextAc="seek">
-              <p:cTn id="2" dur="indefinite" nodeType="mainSeq">
-                <p:childTnLst>
-                  <p:par>
-                    <p:cTn id="3" fill="hold">
-                      <p:stCondLst>
-                        <p:cond delay="indefinite"/>
-                      </p:stCondLst>
-                      <p:childTnLst>
-                        <p:par>
-                          <p:cTn id="4" fill="hold">
-                            <p:stCondLst>
-                              <p:cond delay="0"/>
-                            </p:stCondLst>
-                            <p:childTnLst>
-                              <p:par>
-                                <p:cTn id="5" presetID="9" presetClass="entr" presetSubtype="0" fill="hold" grpId="0" nodeType="clickEffect">
-                                  <p:stCondLst>
-                                    <p:cond delay="0"/>
-                                  </p:stCondLst>
-                                  <p:childTnLst>
-                                    <p:set>
-                                      <p:cBhvr>
-                                        <p:cTn id="6" dur="1" fill="hold">
-                                          <p:stCondLst>
-                                            <p:cond delay="0"/>
-                                          </p:stCondLst>
-                                        </p:cTn>
-                                        <p:tgtEl>
-                                          <p:spTgt spid="6">
-                                            <p:txEl>
-                                              <p:pRg st="1" end="1"/>
-                                            </p:txEl>
-                                          </p:spTgt>
-                                        </p:tgtEl>
-                                        <p:attrNameLst>
-                                          <p:attrName>style.visibility</p:attrName>
-                                        </p:attrNameLst>
-                                      </p:cBhvr>
-                                      <p:to>
-                                        <p:strVal val="visible"/>
-                                      </p:to>
-                                    </p:set>
-                                    <p:animEffect transition="in" filter="dissolve">
-                                      <p:cBhvr>
-                                        <p:cTn id="7" dur="500"/>
-                                        <p:tgtEl>
-                                          <p:spTgt spid="6">
-                                            <p:txEl>
-                                              <p:pRg st="1" end="1"/>
-                                            </p:txEl>
-                                          </p:spTgt>
-                                        </p:tgtEl>
-                                      </p:cBhvr>
-                                    </p:animEffect>
-                                  </p:childTnLst>
-                                </p:cTn>
-                              </p:par>
-                            </p:childTnLst>
-                          </p:cTn>
-                        </p:par>
-                      </p:childTnLst>
-                    </p:cTn>
-                  </p:par>
-                  <p:par>
-                    <p:cTn id="8" fill="hold">
-                      <p:stCondLst>
-                        <p:cond delay="indefinite"/>
-                      </p:stCondLst>
-                      <p:childTnLst>
-                        <p:par>
-                          <p:cTn id="9" fill="hold">
-                            <p:stCondLst>
-                              <p:cond delay="0"/>
-                            </p:stCondLst>
-                            <p:childTnLst>
-                              <p:par>
-                                <p:cTn id="10" presetID="9" presetClass="entr" presetSubtype="0" fill="hold" grpId="0" nodeType="clickEffect">
-                                  <p:stCondLst>
-                                    <p:cond delay="0"/>
-                                  </p:stCondLst>
-                                  <p:childTnLst>
-                                    <p:set>
-                                      <p:cBhvr>
-                                        <p:cTn id="11" dur="1" fill="hold">
-                                          <p:stCondLst>
-                                            <p:cond delay="0"/>
-                                          </p:stCondLst>
-                                        </p:cTn>
-                                        <p:tgtEl>
-                                          <p:spTgt spid="6">
-                                            <p:txEl>
-                                              <p:pRg st="2" end="2"/>
-                                            </p:txEl>
-                                          </p:spTgt>
-                                        </p:tgtEl>
-                                        <p:attrNameLst>
-                                          <p:attrName>style.visibility</p:attrName>
-                                        </p:attrNameLst>
-                                      </p:cBhvr>
-                                      <p:to>
-                                        <p:strVal val="visible"/>
-                                      </p:to>
-                                    </p:set>
-                                    <p:animEffect transition="in" filter="dissolve">
-                                      <p:cBhvr>
-                                        <p:cTn id="12" dur="500"/>
-                                        <p:tgtEl>
-                                          <p:spTgt spid="6">
-                                            <p:txEl>
-                                              <p:pRg st="2" end="2"/>
-                                            </p:txEl>
-                                          </p:spTgt>
-                                        </p:tgtEl>
-                                      </p:cBhvr>
-                                    </p:animEffect>
-                                  </p:childTnLst>
-                                </p:cTn>
-                              </p:par>
-                              <p:par>
-                                <p:cTn id="13" presetID="9" presetClass="entr" presetSubtype="0" fill="hold" grpId="0" nodeType="withEffect">
-                                  <p:stCondLst>
-                                    <p:cond delay="0"/>
-                                  </p:stCondLst>
-                                  <p:childTnLst>
-                                    <p:set>
-                                      <p:cBhvr>
-                                        <p:cTn id="14" dur="1" fill="hold">
-                                          <p:stCondLst>
-                                            <p:cond delay="0"/>
-                                          </p:stCondLst>
-                                        </p:cTn>
-                                        <p:tgtEl>
-                                          <p:spTgt spid="4"/>
-                                        </p:tgtEl>
-                                        <p:attrNameLst>
-                                          <p:attrName>style.visibility</p:attrName>
-                                        </p:attrNameLst>
-                                      </p:cBhvr>
-                                      <p:to>
-                                        <p:strVal val="visible"/>
-                                      </p:to>
-                                    </p:set>
-                                    <p:animEffect transition="in" filter="dissolve">
-                                      <p:cBhvr>
-                                        <p:cTn id="15" dur="500"/>
-                                        <p:tgtEl>
-                                          <p:spTgt spid="4"/>
-                                        </p:tgtEl>
-                                      </p:cBhvr>
-                                    </p:animEffect>
-                                  </p:childTnLst>
-                                </p:cTn>
-                              </p:par>
-                            </p:childTnLst>
-                          </p:cTn>
-                        </p:par>
-                      </p:childTnLst>
-                    </p:cTn>
-                  </p:par>
-                  <p:par>
-                    <p:cTn id="16" fill="hold">
-                      <p:stCondLst>
-                        <p:cond delay="indefinite"/>
-                      </p:stCondLst>
-                      <p:childTnLst>
-                        <p:par>
-                          <p:cTn id="17" fill="hold">
-                            <p:stCondLst>
-                              <p:cond delay="0"/>
-                            </p:stCondLst>
-                            <p:childTnLst>
-                              <p:par>
-                                <p:cTn id="18" presetID="9" presetClass="entr" presetSubtype="0" fill="hold" grpId="0" nodeType="clickEffect">
-                                  <p:stCondLst>
-                                    <p:cond delay="0"/>
-                                  </p:stCondLst>
-                                  <p:childTnLst>
-                                    <p:set>
-                                      <p:cBhvr>
-                                        <p:cTn id="19" dur="1" fill="hold">
-                                          <p:stCondLst>
-                                            <p:cond delay="0"/>
-                                          </p:stCondLst>
-                                        </p:cTn>
-                                        <p:tgtEl>
-                                          <p:spTgt spid="6">
-                                            <p:txEl>
-                                              <p:pRg st="3" end="3"/>
-                                            </p:txEl>
-                                          </p:spTgt>
-                                        </p:tgtEl>
-                                        <p:attrNameLst>
-                                          <p:attrName>style.visibility</p:attrName>
-                                        </p:attrNameLst>
-                                      </p:cBhvr>
-                                      <p:to>
-                                        <p:strVal val="visible"/>
-                                      </p:to>
-                                    </p:set>
-                                    <p:animEffect transition="in" filter="dissolve">
-                                      <p:cBhvr>
-                                        <p:cTn id="20" dur="500"/>
-                                        <p:tgtEl>
-                                          <p:spTgt spid="6">
-                                            <p:txEl>
-                                              <p:pRg st="3" end="3"/>
-                                            </p:txEl>
-                                          </p:spTgt>
-                                        </p:tgtEl>
-                                      </p:cBhvr>
-                                    </p:animEffect>
-                                  </p:childTnLst>
-                                </p:cTn>
-                              </p:par>
-                            </p:childTnLst>
-                          </p:cTn>
-                        </p:par>
-                      </p:childTnLst>
-                    </p:cTn>
-                  </p:par>
-                </p:childTnLst>
-              </p:cTn>
-              <p:prevCondLst>
-                <p:cond evt="onPrev" delay="0">
-                  <p:tgtEl>
-                    <p:sldTgt/>
-                  </p:tgtEl>
-                </p:cond>
-              </p:prevCondLst>
-              <p:nextCondLst>
-                <p:cond evt="onNext" delay="0">
-                  <p:tgtEl>
-                    <p:sldTgt/>
-                  </p:tgtEl>
-                </p:cond>
-              </p:nextCondLst>
-            </p:seq>
-          </p:childTnLst>
-        </p:cTn>
-      </p:par>
-    </p:tnLst>
-    <p:bldLst>
-      <p:bldP spid="6" grpId="0" build="p"/>
-      <p:bldP spid="4" grpId="0" animBg="1"/>
-    </p:bldLst>
-  </p:timing>
-</p:sld>
-</file>
-
-<file path=ppt/slides/slide18.xml><?xml version="1.0" encoding="utf-8"?>
-<p:sld xmlns:a="http://schemas.openxmlformats.org/drawingml/2006/main" xmlns:r="http://schemas.openxmlformats.org/officeDocument/2006/relationships" xmlns:p="http://schemas.openxmlformats.org/presentationml/2006/main">
-  <p:cSld>
-    <p:spTree>
-      <p:nvGrpSpPr>
-        <p:cNvPr id="1" name=""/>
-        <p:cNvGrpSpPr/>
-        <p:nvPr/>
-      </p:nvGrpSpPr>
-      <p:grpSpPr>
-        <a:xfrm>
-          <a:off x="0" y="0"/>
-          <a:ext cx="0" cy="0"/>
-          <a:chOff x="0" y="0"/>
-          <a:chExt cx="0" cy="0"/>
-        </a:xfrm>
-      </p:grpSpPr>
-      <p:sp>
-        <p:nvSpPr>
-          <p:cNvPr id="680971" name="Text Box 11"/>
-          <p:cNvSpPr txBox="1">
-            <a:spLocks noChangeArrowheads="1"/>
-          </p:cNvSpPr>
-          <p:nvPr/>
-        </p:nvSpPr>
-        <p:spPr bwMode="auto">
-          <a:xfrm>
-            <a:off x="457200" y="1676400"/>
-            <a:ext cx="8077200" cy="3416320"/>
-          </a:xfrm>
-          <a:prstGeom prst="rect">
-            <a:avLst/>
-          </a:prstGeom>
-          <a:noFill/>
-          <a:ln w="9525" algn="ctr">
-            <a:noFill/>
-            <a:miter lim="800000"/>
-            <a:headEnd/>
-            <a:tailEnd/>
-          </a:ln>
-          <a:effectLst/>
-        </p:spPr>
-        <p:txBody>
-          <a:bodyPr wrap="square">
-            <a:spAutoFit/>
-          </a:bodyPr>
-          <a:lstStyle/>
-          <a:p>
-            <a:pPr marL="742950" indent="-285750" algn="ctr"/>
-            <a:r>
-              <a:rPr lang="en-US" sz="7200" dirty="0" smtClean="0">
-                <a:latin typeface="Comic Sans MS" pitchFamily="66" charset="0"/>
-              </a:rPr>
-              <a:t>transitive, </a:t>
-            </a:r>
-            <a:r>
-              <a:rPr lang="en-US" sz="7200" dirty="0" err="1" smtClean="0">
-                <a:latin typeface="Comic Sans MS" pitchFamily="66" charset="0"/>
-              </a:rPr>
-              <a:t>antisymmetric</a:t>
-            </a:r>
-            <a:r>
-              <a:rPr lang="en-US" sz="7200" dirty="0" smtClean="0">
-                <a:latin typeface="Comic Sans MS" pitchFamily="66" charset="0"/>
-              </a:rPr>
-              <a:t> &amp;</a:t>
-            </a:r>
-          </a:p>
-          <a:p>
-            <a:pPr marL="742950" indent="-285750" algn="ctr"/>
-            <a:r>
-              <a:rPr lang="en-US" sz="7200" dirty="0" smtClean="0">
-                <a:latin typeface="Comic Sans MS" pitchFamily="66" charset="0"/>
-              </a:rPr>
-              <a:t>reflexive</a:t>
-            </a:r>
-            <a:endParaRPr lang="en-US" sz="7200" dirty="0">
-              <a:latin typeface="Comic Sans MS" pitchFamily="66" charset="0"/>
-            </a:endParaRPr>
-          </a:p>
-        </p:txBody>
-      </p:sp>
-      <p:sp>
-        <p:nvSpPr>
-          <p:cNvPr id="5" name="Rectangle 2"/>
-          <p:cNvSpPr>
-            <a:spLocks noGrp="1" noChangeArrowheads="1"/>
-          </p:cNvSpPr>
-          <p:nvPr>
-            <p:ph type="title"/>
-          </p:nvPr>
-        </p:nvSpPr>
-        <p:spPr>
-          <a:xfrm>
-            <a:off x="1264466" y="274638"/>
-            <a:ext cx="7574734" cy="1096962"/>
-          </a:xfrm>
-        </p:spPr>
-        <p:txBody>
-          <a:bodyPr>
-            <a:noAutofit/>
-          </a:bodyPr>
-          <a:lstStyle/>
-          <a:p>
-            <a:r>
-              <a:rPr lang="en-US" sz="5400" dirty="0" smtClean="0">
-                <a:solidFill>
-                  <a:srgbClr val="8F008F"/>
-                </a:solidFill>
-              </a:rPr>
-              <a:t>weak</a:t>
-            </a:r>
-            <a:r>
-              <a:rPr lang="en-US" sz="5400" dirty="0" smtClean="0">
-                <a:solidFill>
-                  <a:schemeClr val="tx1"/>
-                </a:solidFill>
-              </a:rPr>
-              <a:t> partial</a:t>
-            </a:r>
-            <a:r>
-              <a:rPr lang="en-US" sz="5400" dirty="0" smtClean="0"/>
-              <a:t> orders</a:t>
-            </a:r>
-            <a:endParaRPr lang="en-US" sz="5400" dirty="0"/>
-          </a:p>
-        </p:txBody>
-      </p:sp>
-    </p:spTree>
-    <p:extLst>
-      <p:ext uri="{BB962C8B-B14F-4D97-AF65-F5344CB8AC3E}">
-        <p14:creationId xmlns:p14="http://schemas.microsoft.com/office/powerpoint/2010/main" val="3044729559"/>
-      </p:ext>
-    </p:extLst>
-  </p:cSld>
-  <p:clrMapOvr>
-    <a:masterClrMapping/>
-  </p:clrMapOvr>
-  <mc:AlternateContent xmlns:mc="http://schemas.openxmlformats.org/markup-compatibility/2006">
-    <mc:Choice xmlns:p14="http://schemas.microsoft.com/office/powerpoint/2010/main" Requires="p14">
-      <p:transition spd="med" p14:dur="700">
-        <p:fade/>
-      </p:transition>
-    </mc:Choice>
-    <mc:Fallback>
-      <p:transition xmlns:p14="http://schemas.microsoft.com/office/powerpoint/2010/main" spd="med">
-        <p:fade/>
-      </p:transition>
-    </mc:Fallback>
-  </mc:AlternateContent>
-  <p:timing>
-    <p:tnLst>
-      <p:par>
-        <p:cTn xmlns:p14="http://schemas.microsoft.com/office/powerpoint/2010/main" id="1" dur="indefinite" restart="never" nodeType="tmRoot">
-          <p:childTnLst>
-            <p:seq concurrent="1" nextAc="seek">
-              <p:cTn id="2" dur="indefinite" nodeType="mainSeq">
-                <p:childTnLst>
-                  <p:par>
-                    <p:cTn id="3" fill="hold">
-                      <p:stCondLst>
-                        <p:cond delay="indefinite"/>
-                      </p:stCondLst>
-                      <p:childTnLst>
-                        <p:par>
-                          <p:cTn id="4" fill="hold">
-                            <p:stCondLst>
-                              <p:cond delay="0"/>
-                            </p:stCondLst>
-                            <p:childTnLst>
-                              <p:par>
-                                <p:cTn id="5" presetID="10" presetClass="entr" presetSubtype="0" fill="hold" grpId="0" nodeType="clickEffect">
-                                  <p:stCondLst>
-                                    <p:cond delay="0"/>
-                                  </p:stCondLst>
-                                  <p:childTnLst>
-                                    <p:set>
-                                      <p:cBhvr>
-                                        <p:cTn id="6" dur="1" fill="hold">
-                                          <p:stCondLst>
-                                            <p:cond delay="0"/>
-                                          </p:stCondLst>
-                                        </p:cTn>
-                                        <p:tgtEl>
-                                          <p:spTgt spid="680971"/>
-                                        </p:tgtEl>
-                                        <p:attrNameLst>
-                                          <p:attrName>style.visibility</p:attrName>
-                                        </p:attrNameLst>
-                                      </p:cBhvr>
-                                      <p:to>
-                                        <p:strVal val="visible"/>
-                                      </p:to>
-                                    </p:set>
-                                    <p:animEffect transition="in" filter="fade">
-                                      <p:cBhvr>
-                                        <p:cTn id="7" dur="1000"/>
-                                        <p:tgtEl>
-                                          <p:spTgt spid="680971"/>
-                                        </p:tgtEl>
-                                      </p:cBhvr>
-                                    </p:animEffect>
-                                  </p:childTnLst>
-                                </p:cTn>
-                              </p:par>
-                            </p:childTnLst>
-                          </p:cTn>
-                        </p:par>
-                      </p:childTnLst>
-                    </p:cTn>
-                  </p:par>
-                </p:childTnLst>
-              </p:cTn>
-              <p:prevCondLst>
-                <p:cond evt="onPrev" delay="0">
-                  <p:tgtEl>
-                    <p:sldTgt/>
-                  </p:tgtEl>
-                </p:cond>
-              </p:prevCondLst>
-              <p:nextCondLst>
-                <p:cond evt="onNext" delay="0">
-                  <p:tgtEl>
-                    <p:sldTgt/>
-                  </p:tgtEl>
-                </p:cond>
-              </p:nextCondLst>
-            </p:seq>
-          </p:childTnLst>
-        </p:cTn>
-      </p:par>
-    </p:tnLst>
-    <p:bldLst>
-      <p:bldP spid="680971" grpId="0"/>
-    </p:bldLst>
-  </p:timing>
-</p:sld>
-</file>
-
-<file path=ppt/slides/slide19.xml><?xml version="1.0" encoding="utf-8"?>
-<p:sld xmlns:a="http://schemas.openxmlformats.org/drawingml/2006/main" xmlns:r="http://schemas.openxmlformats.org/officeDocument/2006/relationships" xmlns:p="http://schemas.openxmlformats.org/presentationml/2006/main">
-  <p:cSld>
-    <p:spTree>
-      <p:nvGrpSpPr>
-        <p:cNvPr id="1" name=""/>
-        <p:cNvGrpSpPr/>
-        <p:nvPr/>
-      </p:nvGrpSpPr>
-      <p:grpSpPr>
-        <a:xfrm>
-          <a:off x="0" y="0"/>
-          <a:ext cx="0" cy="0"/>
-          <a:chOff x="0" y="0"/>
-          <a:chExt cx="0" cy="0"/>
-        </a:xfrm>
-      </p:grpSpPr>
-      <p:sp>
-        <p:nvSpPr>
-          <p:cNvPr id="2" name="TextBox 1"/>
-          <p:cNvSpPr txBox="1"/>
-          <p:nvPr/>
-        </p:nvSpPr>
-        <p:spPr>
-          <a:xfrm>
-            <a:off x="609600" y="1371600"/>
-            <a:ext cx="7772400" cy="3962400"/>
-          </a:xfrm>
-          <a:prstGeom prst="rect">
-            <a:avLst/>
-          </a:prstGeom>
-          <a:noFill/>
-        </p:spPr>
-        <p:txBody>
-          <a:bodyPr wrap="square" rtlCol="0">
-            <a:noAutofit/>
-          </a:bodyPr>
-          <a:lstStyle/>
-          <a:p>
-            <a:r>
-              <a:rPr lang="en-US" sz="4800" i="1" dirty="0" smtClean="0">
-                <a:latin typeface="Comic Sans MS" pitchFamily="66" charset="0"/>
-              </a:rPr>
-              <a:t>Theorem:</a:t>
-            </a:r>
-          </a:p>
-          <a:p>
-            <a:r>
-              <a:rPr lang="en-US" sz="6000" dirty="0" smtClean="0">
-                <a:solidFill>
-                  <a:srgbClr val="0000FF"/>
-                </a:solidFill>
-                <a:latin typeface="Comic Sans MS" pitchFamily="66" charset="0"/>
-              </a:rPr>
-              <a:t>R</a:t>
-            </a:r>
-            <a:r>
-              <a:rPr lang="en-US" sz="6000" dirty="0" smtClean="0">
-                <a:latin typeface="Comic Sans MS" pitchFamily="66" charset="0"/>
-              </a:rPr>
-              <a:t> is a </a:t>
-            </a:r>
-            <a:r>
-              <a:rPr lang="en-US" sz="6000" dirty="0" smtClean="0">
-                <a:solidFill>
-                  <a:srgbClr val="8F008F"/>
-                </a:solidFill>
-                <a:latin typeface="Comic Sans MS" pitchFamily="66" charset="0"/>
-              </a:rPr>
-              <a:t>W</a:t>
-            </a:r>
-            <a:r>
-              <a:rPr lang="en-US" sz="6000" dirty="0" smtClean="0">
-                <a:latin typeface="Comic Sans MS" pitchFamily="66" charset="0"/>
-              </a:rPr>
-              <a:t>PO </a:t>
-            </a:r>
-            <a:r>
-              <a:rPr lang="en-US" sz="6000" dirty="0" err="1" smtClean="0">
-                <a:latin typeface="Comic Sans MS" pitchFamily="66" charset="0"/>
-              </a:rPr>
-              <a:t>iff</a:t>
-            </a:r>
-            <a:endParaRPr lang="en-US" sz="6000" dirty="0">
-              <a:latin typeface="Comic Sans MS" pitchFamily="66" charset="0"/>
-            </a:endParaRPr>
-          </a:p>
-          <a:p>
-            <a:r>
-              <a:rPr lang="en-US" sz="6000" dirty="0" smtClean="0">
-                <a:solidFill>
-                  <a:srgbClr val="0000FF"/>
-                </a:solidFill>
-                <a:latin typeface="Comic Sans MS" pitchFamily="66" charset="0"/>
-              </a:rPr>
-              <a:t>R = D</a:t>
-            </a:r>
-            <a:r>
-              <a:rPr lang="en-US" sz="6600" dirty="0" smtClean="0">
-                <a:solidFill>
-                  <a:srgbClr val="8F008F"/>
-                </a:solidFill>
-                <a:latin typeface="Comic Sans MS" pitchFamily="66" charset="0"/>
-              </a:rPr>
-              <a:t>*</a:t>
-            </a:r>
-            <a:r>
-              <a:rPr lang="en-US" sz="6600" dirty="0" smtClean="0">
-                <a:latin typeface="Comic Sans MS" pitchFamily="66" charset="0"/>
-              </a:rPr>
-              <a:t> for some    </a:t>
-            </a:r>
-          </a:p>
-          <a:p>
-            <a:r>
-              <a:rPr lang="en-US" sz="6600" dirty="0">
-                <a:latin typeface="Comic Sans MS" pitchFamily="66" charset="0"/>
-              </a:rPr>
-              <a:t> </a:t>
-            </a:r>
-            <a:r>
-              <a:rPr lang="en-US" sz="6600" dirty="0" smtClean="0">
-                <a:latin typeface="Comic Sans MS" pitchFamily="66" charset="0"/>
-              </a:rPr>
-              <a:t>         DAG </a:t>
-            </a:r>
-            <a:r>
-              <a:rPr lang="en-US" sz="6600" dirty="0" smtClean="0">
-                <a:solidFill>
-                  <a:srgbClr val="0000FF"/>
-                </a:solidFill>
-                <a:latin typeface="Comic Sans MS" pitchFamily="66" charset="0"/>
-              </a:rPr>
-              <a:t>D</a:t>
-            </a:r>
-            <a:endParaRPr lang="en-US" sz="6000" dirty="0" smtClean="0">
-              <a:solidFill>
-                <a:srgbClr val="0000FF"/>
-              </a:solidFill>
-              <a:latin typeface="Comic Sans MS" pitchFamily="66" charset="0"/>
-            </a:endParaRPr>
-          </a:p>
-        </p:txBody>
-      </p:sp>
-      <p:sp>
-        <p:nvSpPr>
-          <p:cNvPr id="4" name="Rectangle 2"/>
-          <p:cNvSpPr>
-            <a:spLocks noGrp="1" noChangeArrowheads="1"/>
-          </p:cNvSpPr>
-          <p:nvPr>
-            <p:ph type="title"/>
-          </p:nvPr>
-        </p:nvSpPr>
-        <p:spPr>
-          <a:xfrm>
-            <a:off x="1264466" y="274638"/>
-            <a:ext cx="7574734" cy="1096962"/>
-          </a:xfrm>
-        </p:spPr>
-        <p:txBody>
-          <a:bodyPr>
-            <a:noAutofit/>
-          </a:bodyPr>
-          <a:lstStyle/>
-          <a:p>
-            <a:r>
-              <a:rPr lang="en-US" sz="5400" dirty="0" smtClean="0">
-                <a:solidFill>
-                  <a:srgbClr val="8F008F"/>
-                </a:solidFill>
-              </a:rPr>
-              <a:t>weak</a:t>
-            </a:r>
-            <a:r>
-              <a:rPr lang="en-US" sz="5400" dirty="0" smtClean="0">
-                <a:solidFill>
-                  <a:schemeClr val="tx1"/>
-                </a:solidFill>
-              </a:rPr>
-              <a:t> partial</a:t>
-            </a:r>
-            <a:r>
-              <a:rPr lang="en-US" sz="5400" dirty="0" smtClean="0"/>
-              <a:t> orders</a:t>
-            </a:r>
-            <a:endParaRPr lang="en-US" sz="5400" dirty="0"/>
-          </a:p>
-        </p:txBody>
-      </p:sp>
-    </p:spTree>
-    <p:extLst>
-      <p:ext uri="{BB962C8B-B14F-4D97-AF65-F5344CB8AC3E}">
-        <p14:creationId xmlns:p14="http://schemas.microsoft.com/office/powerpoint/2010/main" val="2118284781"/>
-      </p:ext>
-    </p:extLst>
-  </p:cSld>
-  <p:clrMapOvr>
-    <a:masterClrMapping/>
-  </p:clrMapOvr>
-  <mc:AlternateContent xmlns:mc="http://schemas.openxmlformats.org/markup-compatibility/2006" xmlns:p14="http://schemas.microsoft.com/office/powerpoint/2010/main">
-    <mc:Choice Requires="p14">
-      <p:transition spd="med" p14:dur="700">
-        <p:fade/>
-      </p:transition>
-    </mc:Choice>
-    <mc:Fallback xmlns="">
-      <p:transition xmlns:p14="http://schemas.microsoft.com/office/powerpoint/2010/main" spd="med">
-        <p:fade/>
-      </p:transition>
-    </mc:Fallback>
-  </mc:AlternateContent>
-  <p:timing>
-    <p:tnLst>
-      <p:par>
-        <p:cTn xmlns:p14="http://schemas.microsoft.com/office/powerpoint/2010/main" id="1" dur="indefinite" restart="never" nodeType="tmRoot">
-          <p:childTnLst>
-            <p:seq concurrent="1" nextAc="seek">
-              <p:cTn id="2" dur="indefinite" nodeType="mainSeq">
-                <p:childTnLst>
-                  <p:par>
-                    <p:cTn id="3" fill="hold">
-                      <p:stCondLst>
-                        <p:cond delay="indefinite"/>
-                      </p:stCondLst>
-                      <p:childTnLst>
-                        <p:par>
-                          <p:cTn id="4" fill="hold">
-                            <p:stCondLst>
-                              <p:cond delay="0"/>
-                            </p:stCondLst>
-                            <p:childTnLst>
-                              <p:par>
-                                <p:cTn id="5" presetID="9" presetClass="entr" presetSubtype="0" fill="hold" nodeType="clickEffect">
-                                  <p:stCondLst>
-                                    <p:cond delay="0"/>
-                                  </p:stCondLst>
-                                  <p:childTnLst>
-                                    <p:set>
-                                      <p:cBhvr>
-                                        <p:cTn id="6" dur="1" fill="hold">
-                                          <p:stCondLst>
-                                            <p:cond delay="0"/>
-                                          </p:stCondLst>
-                                        </p:cTn>
-                                        <p:tgtEl>
-                                          <p:spTgt spid="2">
-                                            <p:txEl>
-                                              <p:pRg st="1" end="1"/>
-                                            </p:txEl>
-                                          </p:spTgt>
-                                        </p:tgtEl>
-                                        <p:attrNameLst>
-                                          <p:attrName>style.visibility</p:attrName>
-                                        </p:attrNameLst>
-                                      </p:cBhvr>
-                                      <p:to>
-                                        <p:strVal val="visible"/>
-                                      </p:to>
-                                    </p:set>
-                                    <p:animEffect transition="in" filter="dissolve">
-                                      <p:cBhvr>
-                                        <p:cTn id="7" dur="500"/>
-                                        <p:tgtEl>
-                                          <p:spTgt spid="2">
-                                            <p:txEl>
-                                              <p:pRg st="1" end="1"/>
-                                            </p:txEl>
-                                          </p:spTgt>
-                                        </p:tgtEl>
-                                      </p:cBhvr>
-                                    </p:animEffect>
-                                  </p:childTnLst>
-                                </p:cTn>
-                              </p:par>
-                            </p:childTnLst>
-                          </p:cTn>
-                        </p:par>
-                      </p:childTnLst>
-                    </p:cTn>
-                  </p:par>
-                  <p:par>
-                    <p:cTn id="8" fill="hold">
-                      <p:stCondLst>
-                        <p:cond delay="indefinite"/>
-                      </p:stCondLst>
-                      <p:childTnLst>
-                        <p:par>
-                          <p:cTn id="9" fill="hold">
-                            <p:stCondLst>
-                              <p:cond delay="0"/>
-                            </p:stCondLst>
-                            <p:childTnLst>
-                              <p:par>
-                                <p:cTn id="10" presetID="9" presetClass="entr" presetSubtype="0" fill="hold" nodeType="clickEffect">
-                                  <p:stCondLst>
-                                    <p:cond delay="0"/>
-                                  </p:stCondLst>
-                                  <p:childTnLst>
-                                    <p:set>
-                                      <p:cBhvr>
-                                        <p:cTn id="11" dur="1" fill="hold">
-                                          <p:stCondLst>
-                                            <p:cond delay="0"/>
-                                          </p:stCondLst>
-                                        </p:cTn>
-                                        <p:tgtEl>
-                                          <p:spTgt spid="2">
-                                            <p:txEl>
-                                              <p:pRg st="2" end="2"/>
-                                            </p:txEl>
-                                          </p:spTgt>
-                                        </p:tgtEl>
-                                        <p:attrNameLst>
-                                          <p:attrName>style.visibility</p:attrName>
-                                        </p:attrNameLst>
-                                      </p:cBhvr>
-                                      <p:to>
-                                        <p:strVal val="visible"/>
-                                      </p:to>
-                                    </p:set>
-                                    <p:animEffect transition="in" filter="dissolve">
-                                      <p:cBhvr>
-                                        <p:cTn id="12" dur="500"/>
-                                        <p:tgtEl>
-                                          <p:spTgt spid="2">
-                                            <p:txEl>
-                                              <p:pRg st="2" end="2"/>
-                                            </p:txEl>
-                                          </p:spTgt>
-                                        </p:tgtEl>
-                                      </p:cBhvr>
-                                    </p:animEffect>
-                                  </p:childTnLst>
-                                </p:cTn>
-                              </p:par>
-                              <p:par>
-                                <p:cTn id="13" presetID="9" presetClass="entr" presetSubtype="0" fill="hold" nodeType="withEffect">
-                                  <p:stCondLst>
-                                    <p:cond delay="0"/>
-                                  </p:stCondLst>
-                                  <p:childTnLst>
-                                    <p:set>
-                                      <p:cBhvr>
-                                        <p:cTn id="14" dur="1" fill="hold">
-                                          <p:stCondLst>
-                                            <p:cond delay="0"/>
-                                          </p:stCondLst>
-                                        </p:cTn>
-                                        <p:tgtEl>
-                                          <p:spTgt spid="2">
-                                            <p:txEl>
-                                              <p:pRg st="3" end="3"/>
-                                            </p:txEl>
-                                          </p:spTgt>
-                                        </p:tgtEl>
-                                        <p:attrNameLst>
-                                          <p:attrName>style.visibility</p:attrName>
-                                        </p:attrNameLst>
-                                      </p:cBhvr>
-                                      <p:to>
-                                        <p:strVal val="visible"/>
-                                      </p:to>
-                                    </p:set>
-                                    <p:animEffect transition="in" filter="dissolve">
-                                      <p:cBhvr>
-                                        <p:cTn id="15" dur="500"/>
-                                        <p:tgtEl>
-                                          <p:spTgt spid="2">
-                                            <p:txEl>
-                                              <p:pRg st="3" end="3"/>
-                                            </p:txEl>
-                                          </p:spTgt>
-                                        </p:tgtEl>
-                                      </p:cBhvr>
-                                    </p:animEffect>
                                   </p:childTnLst>
                                 </p:cTn>
                               </p:par>
@@ -9641,6 +10019,1411 @@
     <p:bldLst>
       <p:bldP spid="4" grpId="0" uiExpand="1" build="p"/>
     </p:bldLst>
+  </p:timing>
+</p:sld>
+</file>
+
+<file path=ppt/slides/slide20.xml><?xml version="1.0" encoding="utf-8"?>
+<p:sld xmlns:a="http://schemas.openxmlformats.org/drawingml/2006/main" xmlns:r="http://schemas.openxmlformats.org/officeDocument/2006/relationships" xmlns:p="http://schemas.openxmlformats.org/presentationml/2006/main">
+  <p:cSld>
+    <p:spTree>
+      <p:nvGrpSpPr>
+        <p:cNvPr id="1" name=""/>
+        <p:cNvGrpSpPr/>
+        <p:nvPr/>
+      </p:nvGrpSpPr>
+      <p:grpSpPr>
+        <a:xfrm>
+          <a:off x="0" y="0"/>
+          <a:ext cx="0" cy="0"/>
+          <a:chOff x="0" y="0"/>
+          <a:chExt cx="0" cy="0"/>
+        </a:xfrm>
+      </p:grpSpPr>
+      <p:sp>
+        <p:nvSpPr>
+          <p:cNvPr id="6" name="TextBox 5"/>
+          <p:cNvSpPr txBox="1"/>
+          <p:nvPr/>
+        </p:nvSpPr>
+        <p:spPr>
+          <a:xfrm>
+            <a:off x="381000" y="1524000"/>
+            <a:ext cx="8382000" cy="4495800"/>
+          </a:xfrm>
+          <a:prstGeom prst="rect">
+            <a:avLst/>
+          </a:prstGeom>
+          <a:noFill/>
+        </p:spPr>
+        <p:txBody>
+          <a:bodyPr wrap="none" rtlCol="0">
+            <a:noAutofit/>
+          </a:bodyPr>
+          <a:lstStyle/>
+          <a:p>
+            <a:pPr>
+              <a:spcAft>
+                <a:spcPts val="1200"/>
+              </a:spcAft>
+            </a:pPr>
+            <a:r>
+              <a:rPr lang="en-US" sz="5400" dirty="0" err="1" smtClean="0">
+                <a:solidFill>
+                  <a:srgbClr val="8F008F"/>
+                </a:solidFill>
+                <a:latin typeface="Comic Sans MS" pitchFamily="66" charset="0"/>
+              </a:rPr>
+              <a:t>antisymmetric</a:t>
+            </a:r>
+            <a:r>
+              <a:rPr lang="en-US" sz="5400" dirty="0" smtClean="0">
+                <a:solidFill>
+                  <a:srgbClr val="000000"/>
+                </a:solidFill>
+                <a:latin typeface="Comic Sans MS" pitchFamily="66" charset="0"/>
+              </a:rPr>
+              <a:t> </a:t>
+            </a:r>
+            <a:r>
+              <a:rPr lang="en-US" sz="5400" dirty="0">
+                <a:solidFill>
+                  <a:srgbClr val="000000"/>
+                </a:solidFill>
+                <a:latin typeface="Comic Sans MS" pitchFamily="66" charset="0"/>
+              </a:rPr>
+              <a:t>relation </a:t>
+            </a:r>
+            <a:r>
+              <a:rPr lang="en-US" sz="5400" dirty="0">
+                <a:solidFill>
+                  <a:srgbClr val="0033CC"/>
+                </a:solidFill>
+                <a:latin typeface="Comic Sans MS" pitchFamily="66" charset="0"/>
+              </a:rPr>
+              <a:t>R</a:t>
+            </a:r>
+            <a:r>
+              <a:rPr lang="en-US" sz="5400" dirty="0">
+                <a:latin typeface="Comic Sans MS" pitchFamily="66" charset="0"/>
+              </a:rPr>
+              <a:t>:</a:t>
+            </a:r>
+          </a:p>
+          <a:p>
+            <a:pPr>
+              <a:spcAft>
+                <a:spcPts val="1200"/>
+              </a:spcAft>
+            </a:pPr>
+            <a:r>
+              <a:rPr lang="en-US" sz="5400" dirty="0" smtClean="0">
+                <a:solidFill>
+                  <a:srgbClr val="0000FF"/>
+                </a:solidFill>
+                <a:latin typeface="Comic Sans MS" pitchFamily="66" charset="0"/>
+              </a:rPr>
+              <a:t>   u</a:t>
+            </a:r>
+            <a:r>
+              <a:rPr lang="en-US" sz="5400" baseline="-25000" dirty="0" smtClean="0">
+                <a:solidFill>
+                  <a:srgbClr val="0000FF"/>
+                </a:solidFill>
+                <a:latin typeface="Comic Sans MS" pitchFamily="66" charset="0"/>
+              </a:rPr>
+              <a:t> </a:t>
+            </a:r>
+            <a:r>
+              <a:rPr lang="en-US" sz="5400" dirty="0" smtClean="0">
+                <a:solidFill>
+                  <a:srgbClr val="0000FF"/>
+                </a:solidFill>
+                <a:latin typeface="Comic Sans MS" pitchFamily="66" charset="0"/>
+              </a:rPr>
+              <a:t>R</a:t>
+            </a:r>
+            <a:r>
+              <a:rPr lang="en-US" sz="5400" baseline="-25000" dirty="0" smtClean="0">
+                <a:solidFill>
+                  <a:srgbClr val="0000FF"/>
+                </a:solidFill>
+                <a:latin typeface="Comic Sans MS" pitchFamily="66" charset="0"/>
+              </a:rPr>
+              <a:t> </a:t>
+            </a:r>
+            <a:r>
+              <a:rPr lang="en-US" sz="5400" dirty="0" smtClean="0">
+                <a:solidFill>
+                  <a:srgbClr val="0000FF"/>
+                </a:solidFill>
+                <a:latin typeface="Comic Sans MS" pitchFamily="66" charset="0"/>
+              </a:rPr>
+              <a:t>v</a:t>
+            </a:r>
+            <a:r>
+              <a:rPr lang="en-US" sz="4400" dirty="0" smtClean="0">
+                <a:latin typeface="Comic Sans MS" pitchFamily="66" charset="0"/>
+              </a:rPr>
+              <a:t> </a:t>
+            </a:r>
+            <a:r>
+              <a:rPr lang="en-US" sz="3600" dirty="0" smtClean="0">
+                <a:latin typeface="Comic Sans MS" pitchFamily="66" charset="0"/>
+              </a:rPr>
+              <a:t>IMPLIES</a:t>
+            </a:r>
+            <a:r>
+              <a:rPr lang="en-US" sz="5400" dirty="0" smtClean="0">
+                <a:solidFill>
+                  <a:srgbClr val="0000FF"/>
+                </a:solidFill>
+                <a:latin typeface="Comic Sans MS" pitchFamily="66" charset="0"/>
+              </a:rPr>
+              <a:t> </a:t>
+            </a:r>
+            <a:r>
+              <a:rPr lang="en-US" sz="4000" dirty="0" smtClean="0">
+                <a:solidFill>
+                  <a:srgbClr val="FF0000"/>
+                </a:solidFill>
+                <a:latin typeface="Comic Sans MS" pitchFamily="66" charset="0"/>
+              </a:rPr>
+              <a:t>NOT</a:t>
+            </a:r>
+            <a:r>
+              <a:rPr lang="en-US" sz="5400" dirty="0" smtClean="0">
+                <a:solidFill>
+                  <a:srgbClr val="000000"/>
+                </a:solidFill>
+                <a:latin typeface="Comic Sans MS" pitchFamily="66" charset="0"/>
+              </a:rPr>
+              <a:t>(</a:t>
+            </a:r>
+            <a:r>
+              <a:rPr lang="en-US" sz="5400" dirty="0" smtClean="0">
+                <a:solidFill>
+                  <a:srgbClr val="0000FF"/>
+                </a:solidFill>
+                <a:latin typeface="Comic Sans MS" pitchFamily="66" charset="0"/>
+              </a:rPr>
+              <a:t>v</a:t>
+            </a:r>
+            <a:r>
+              <a:rPr lang="en-US" sz="5400" baseline="-25000" dirty="0" smtClean="0">
+                <a:solidFill>
+                  <a:srgbClr val="0000FF"/>
+                </a:solidFill>
+                <a:latin typeface="Comic Sans MS" pitchFamily="66" charset="0"/>
+              </a:rPr>
+              <a:t> </a:t>
+            </a:r>
+            <a:r>
+              <a:rPr lang="en-US" sz="5400" dirty="0" smtClean="0">
+                <a:solidFill>
+                  <a:srgbClr val="0000FF"/>
+                </a:solidFill>
+                <a:latin typeface="Comic Sans MS" pitchFamily="66" charset="0"/>
+              </a:rPr>
+              <a:t>R</a:t>
+            </a:r>
+            <a:r>
+              <a:rPr lang="en-US" sz="5400" baseline="-25000" dirty="0" smtClean="0">
+                <a:solidFill>
+                  <a:srgbClr val="0000FF"/>
+                </a:solidFill>
+                <a:latin typeface="Comic Sans MS" pitchFamily="66" charset="0"/>
+              </a:rPr>
+              <a:t> </a:t>
+            </a:r>
+            <a:r>
+              <a:rPr lang="en-US" sz="5400" dirty="0" smtClean="0">
+                <a:solidFill>
+                  <a:srgbClr val="0000FF"/>
+                </a:solidFill>
+                <a:latin typeface="Comic Sans MS" pitchFamily="66" charset="0"/>
+              </a:rPr>
+              <a:t>u</a:t>
+            </a:r>
+            <a:r>
+              <a:rPr lang="en-US" sz="5400" dirty="0" smtClean="0">
+                <a:solidFill>
+                  <a:srgbClr val="000000"/>
+                </a:solidFill>
+                <a:latin typeface="Comic Sans MS" pitchFamily="66" charset="0"/>
+              </a:rPr>
+              <a:t>)</a:t>
+            </a:r>
+          </a:p>
+          <a:p>
+            <a:pPr>
+              <a:spcAft>
+                <a:spcPts val="2400"/>
+              </a:spcAft>
+            </a:pPr>
+            <a:r>
+              <a:rPr lang="en-US" sz="5400" dirty="0" smtClean="0">
+                <a:solidFill>
+                  <a:srgbClr val="000000"/>
+                </a:solidFill>
+                <a:latin typeface="Comic Sans MS" pitchFamily="66" charset="0"/>
+              </a:rPr>
+              <a:t>           for </a:t>
+            </a:r>
+            <a:r>
+              <a:rPr lang="en-US" sz="6000" dirty="0" smtClean="0">
+                <a:solidFill>
+                  <a:srgbClr val="0000FF"/>
+                </a:solidFill>
+                <a:latin typeface="Comic Sans MS" pitchFamily="66" charset="0"/>
+              </a:rPr>
+              <a:t>u</a:t>
+            </a:r>
+            <a:r>
+              <a:rPr lang="en-US" sz="6000" baseline="-25000" dirty="0" smtClean="0">
+                <a:solidFill>
+                  <a:srgbClr val="000000"/>
+                </a:solidFill>
+                <a:latin typeface="Comic Sans MS" pitchFamily="66" charset="0"/>
+              </a:rPr>
+              <a:t> </a:t>
+            </a:r>
+            <a:r>
+              <a:rPr lang="en-US" sz="6000" b="1" dirty="0" smtClean="0">
+                <a:solidFill>
+                  <a:srgbClr val="FF0000"/>
+                </a:solidFill>
+                <a:latin typeface="Euclid Symbol" charset="2"/>
+                <a:cs typeface="Euclid Symbol" charset="2"/>
+              </a:rPr>
+              <a:t>≠</a:t>
+            </a:r>
+            <a:r>
+              <a:rPr lang="en-US" sz="6000" baseline="-25000" dirty="0" smtClean="0">
+                <a:solidFill>
+                  <a:srgbClr val="000000"/>
+                </a:solidFill>
+                <a:latin typeface="Comic Sans MS" pitchFamily="66" charset="0"/>
+              </a:rPr>
+              <a:t> </a:t>
+            </a:r>
+            <a:r>
+              <a:rPr lang="en-US" sz="6000" dirty="0" smtClean="0">
+                <a:solidFill>
+                  <a:srgbClr val="0000FF"/>
+                </a:solidFill>
+                <a:latin typeface="Comic Sans MS" pitchFamily="66" charset="0"/>
+              </a:rPr>
+              <a:t>v</a:t>
+            </a:r>
+            <a:endParaRPr lang="en-US" sz="5400" dirty="0" smtClean="0">
+              <a:solidFill>
+                <a:srgbClr val="0000FF"/>
+              </a:solidFill>
+              <a:latin typeface="Comic Sans MS" pitchFamily="66" charset="0"/>
+            </a:endParaRPr>
+          </a:p>
+          <a:p>
+            <a:pPr>
+              <a:spcAft>
+                <a:spcPts val="2400"/>
+              </a:spcAft>
+            </a:pPr>
+            <a:r>
+              <a:rPr lang="en-US" sz="5400" dirty="0">
+                <a:solidFill>
+                  <a:srgbClr val="0000FF"/>
+                </a:solidFill>
+                <a:latin typeface="Comic Sans MS" pitchFamily="66" charset="0"/>
+              </a:rPr>
+              <a:t> </a:t>
+            </a:r>
+            <a:r>
+              <a:rPr lang="en-US" sz="5400" dirty="0" smtClean="0">
+                <a:solidFill>
+                  <a:srgbClr val="0000FF"/>
+                </a:solidFill>
+                <a:latin typeface="Comic Sans MS" pitchFamily="66" charset="0"/>
+              </a:rPr>
+              <a:t>   </a:t>
+            </a:r>
+            <a:r>
+              <a:rPr lang="en-US" sz="6000" dirty="0" smtClean="0">
+                <a:solidFill>
+                  <a:srgbClr val="0000FF"/>
+                </a:solidFill>
+                <a:latin typeface="Comic Sans MS" pitchFamily="66" charset="0"/>
+              </a:rPr>
+              <a:t>D</a:t>
+            </a:r>
+            <a:r>
+              <a:rPr lang="en-US" sz="6000" baseline="30000" dirty="0" smtClean="0">
+                <a:solidFill>
+                  <a:srgbClr val="0000FF"/>
+                </a:solidFill>
+                <a:latin typeface="Comic Sans MS" pitchFamily="66" charset="0"/>
+              </a:rPr>
+              <a:t>*</a:t>
+            </a:r>
+            <a:r>
+              <a:rPr lang="en-US" sz="6000" dirty="0" smtClean="0">
+                <a:latin typeface="Comic Sans MS" pitchFamily="66" charset="0"/>
+              </a:rPr>
+              <a:t> is </a:t>
+            </a:r>
+            <a:r>
+              <a:rPr lang="en-US" sz="6000" dirty="0" err="1" smtClean="0">
+                <a:latin typeface="Comic Sans MS" pitchFamily="66" charset="0"/>
+              </a:rPr>
+              <a:t>antisymmetric</a:t>
+            </a:r>
+            <a:endParaRPr lang="en-US" sz="6000" dirty="0" smtClean="0">
+              <a:latin typeface="Comic Sans MS" pitchFamily="66" charset="0"/>
+            </a:endParaRPr>
+          </a:p>
+        </p:txBody>
+      </p:sp>
+      <p:sp>
+        <p:nvSpPr>
+          <p:cNvPr id="5" name="Rectangle 2"/>
+          <p:cNvSpPr txBox="1">
+            <a:spLocks noChangeArrowheads="1"/>
+          </p:cNvSpPr>
+          <p:nvPr/>
+        </p:nvSpPr>
+        <p:spPr>
+          <a:xfrm>
+            <a:off x="1447800" y="304800"/>
+            <a:ext cx="6248400" cy="1143000"/>
+          </a:xfrm>
+          <a:prstGeom prst="rect">
+            <a:avLst/>
+          </a:prstGeom>
+        </p:spPr>
+        <p:txBody>
+          <a:bodyPr vert="horz" lIns="91440" tIns="45720" rIns="91440" bIns="45720" rtlCol="0" anchor="ctr">
+            <a:normAutofit/>
+          </a:bodyPr>
+          <a:lstStyle/>
+          <a:p>
+            <a:pPr marL="0" marR="0" lvl="0" indent="0" algn="ctr" defTabSz="914400" rtl="0" eaLnBrk="1" fontAlgn="auto" latinLnBrk="0" hangingPunct="1">
+              <a:lnSpc>
+                <a:spcPct val="100000"/>
+              </a:lnSpc>
+              <a:spcBef>
+                <a:spcPct val="0"/>
+              </a:spcBef>
+              <a:spcAft>
+                <a:spcPts val="0"/>
+              </a:spcAft>
+              <a:buClrTx/>
+              <a:buSzTx/>
+              <a:buFontTx/>
+              <a:buNone/>
+              <a:tabLst/>
+              <a:defRPr/>
+            </a:pPr>
+            <a:r>
+              <a:rPr kumimoji="0" lang="en-US" sz="6600" i="0" u="none" strike="noStrike" kern="1200" cap="none" spc="0" normalizeH="0" baseline="0" noProof="0" dirty="0" err="1" smtClean="0">
+                <a:ln>
+                  <a:noFill/>
+                </a:ln>
+                <a:solidFill>
+                  <a:schemeClr val="tx1"/>
+                </a:solidFill>
+                <a:effectLst/>
+                <a:uLnTx/>
+                <a:uFillTx/>
+                <a:latin typeface="Comic Sans MS" pitchFamily="66" charset="0"/>
+                <a:ea typeface="+mj-ea"/>
+                <a:cs typeface="+mj-cs"/>
+              </a:rPr>
+              <a:t>antisymmetry</a:t>
+            </a:r>
+            <a:endParaRPr kumimoji="0" lang="en-US" sz="6600" i="0" u="none" strike="noStrike" kern="1200" cap="none" spc="0" normalizeH="0" baseline="0" noProof="0" dirty="0">
+              <a:ln>
+                <a:noFill/>
+              </a:ln>
+              <a:solidFill>
+                <a:schemeClr val="tx1"/>
+              </a:solidFill>
+              <a:effectLst/>
+              <a:uLnTx/>
+              <a:uFillTx/>
+              <a:latin typeface="Comic Sans MS" pitchFamily="66" charset="0"/>
+              <a:ea typeface="+mj-ea"/>
+              <a:cs typeface="+mj-cs"/>
+            </a:endParaRPr>
+          </a:p>
+        </p:txBody>
+      </p:sp>
+      <p:sp>
+        <p:nvSpPr>
+          <p:cNvPr id="4" name="Rounded Rectangle 3"/>
+          <p:cNvSpPr/>
+          <p:nvPr/>
+        </p:nvSpPr>
+        <p:spPr>
+          <a:xfrm>
+            <a:off x="685800" y="2438400"/>
+            <a:ext cx="7620000" cy="2209800"/>
+          </a:xfrm>
+          <a:prstGeom prst="roundRect">
+            <a:avLst/>
+          </a:prstGeom>
+          <a:noFill/>
+          <a:ln w="34925">
+            <a:solidFill>
+              <a:srgbClr val="FF33CC"/>
+            </a:solidFill>
+            <a:prstDash val="sysDash"/>
+          </a:ln>
+        </p:spPr>
+        <p:style>
+          <a:lnRef idx="1">
+            <a:schemeClr val="accent1"/>
+          </a:lnRef>
+          <a:fillRef idx="3">
+            <a:schemeClr val="accent1"/>
+          </a:fillRef>
+          <a:effectRef idx="2">
+            <a:schemeClr val="accent1"/>
+          </a:effectRef>
+          <a:fontRef idx="minor">
+            <a:schemeClr val="lt1"/>
+          </a:fontRef>
+        </p:style>
+        <p:txBody>
+          <a:bodyPr rtlCol="0" anchor="ctr"/>
+          <a:lstStyle/>
+          <a:p>
+            <a:pPr algn="ctr"/>
+            <a:endParaRPr lang="en-US"/>
+          </a:p>
+        </p:txBody>
+      </p:sp>
+    </p:spTree>
+    <p:extLst>
+      <p:ext uri="{BB962C8B-B14F-4D97-AF65-F5344CB8AC3E}">
+        <p14:creationId xmlns:p14="http://schemas.microsoft.com/office/powerpoint/2010/main" val="877608304"/>
+      </p:ext>
+    </p:extLst>
+  </p:cSld>
+  <p:clrMapOvr>
+    <a:masterClrMapping/>
+  </p:clrMapOvr>
+  <mc:AlternateContent xmlns:mc="http://schemas.openxmlformats.org/markup-compatibility/2006" xmlns:p14="http://schemas.microsoft.com/office/powerpoint/2010/main">
+    <mc:Choice Requires="p14">
+      <p:transition spd="med" p14:dur="700">
+        <p:fade/>
+      </p:transition>
+    </mc:Choice>
+    <mc:Fallback xmlns="">
+      <p:transition xmlns:p14="http://schemas.microsoft.com/office/powerpoint/2010/main" spd="med">
+        <p:fade/>
+      </p:transition>
+    </mc:Fallback>
+  </mc:AlternateContent>
+  <p:timing>
+    <p:tnLst>
+      <p:par>
+        <p:cTn xmlns:p14="http://schemas.microsoft.com/office/powerpoint/2010/main" id="1" dur="indefinite" restart="never" nodeType="tmRoot">
+          <p:childTnLst>
+            <p:seq concurrent="1" nextAc="seek">
+              <p:cTn id="2" dur="indefinite" nodeType="mainSeq">
+                <p:childTnLst>
+                  <p:par>
+                    <p:cTn id="3" fill="hold">
+                      <p:stCondLst>
+                        <p:cond delay="indefinite"/>
+                      </p:stCondLst>
+                      <p:childTnLst>
+                        <p:par>
+                          <p:cTn id="4" fill="hold">
+                            <p:stCondLst>
+                              <p:cond delay="0"/>
+                            </p:stCondLst>
+                            <p:childTnLst>
+                              <p:par>
+                                <p:cTn id="5" presetID="9" presetClass="entr" presetSubtype="0" fill="hold" grpId="0" nodeType="clickEffect">
+                                  <p:stCondLst>
+                                    <p:cond delay="0"/>
+                                  </p:stCondLst>
+                                  <p:childTnLst>
+                                    <p:set>
+                                      <p:cBhvr>
+                                        <p:cTn id="6" dur="1" fill="hold">
+                                          <p:stCondLst>
+                                            <p:cond delay="0"/>
+                                          </p:stCondLst>
+                                        </p:cTn>
+                                        <p:tgtEl>
+                                          <p:spTgt spid="6">
+                                            <p:txEl>
+                                              <p:pRg st="1" end="1"/>
+                                            </p:txEl>
+                                          </p:spTgt>
+                                        </p:tgtEl>
+                                        <p:attrNameLst>
+                                          <p:attrName>style.visibility</p:attrName>
+                                        </p:attrNameLst>
+                                      </p:cBhvr>
+                                      <p:to>
+                                        <p:strVal val="visible"/>
+                                      </p:to>
+                                    </p:set>
+                                    <p:animEffect transition="in" filter="dissolve">
+                                      <p:cBhvr>
+                                        <p:cTn id="7" dur="500"/>
+                                        <p:tgtEl>
+                                          <p:spTgt spid="6">
+                                            <p:txEl>
+                                              <p:pRg st="1" end="1"/>
+                                            </p:txEl>
+                                          </p:spTgt>
+                                        </p:tgtEl>
+                                      </p:cBhvr>
+                                    </p:animEffect>
+                                  </p:childTnLst>
+                                </p:cTn>
+                              </p:par>
+                            </p:childTnLst>
+                          </p:cTn>
+                        </p:par>
+                      </p:childTnLst>
+                    </p:cTn>
+                  </p:par>
+                  <p:par>
+                    <p:cTn id="8" fill="hold">
+                      <p:stCondLst>
+                        <p:cond delay="indefinite"/>
+                      </p:stCondLst>
+                      <p:childTnLst>
+                        <p:par>
+                          <p:cTn id="9" fill="hold">
+                            <p:stCondLst>
+                              <p:cond delay="0"/>
+                            </p:stCondLst>
+                            <p:childTnLst>
+                              <p:par>
+                                <p:cTn id="10" presetID="9" presetClass="entr" presetSubtype="0" fill="hold" grpId="0" nodeType="clickEffect">
+                                  <p:stCondLst>
+                                    <p:cond delay="0"/>
+                                  </p:stCondLst>
+                                  <p:childTnLst>
+                                    <p:set>
+                                      <p:cBhvr>
+                                        <p:cTn id="11" dur="1" fill="hold">
+                                          <p:stCondLst>
+                                            <p:cond delay="0"/>
+                                          </p:stCondLst>
+                                        </p:cTn>
+                                        <p:tgtEl>
+                                          <p:spTgt spid="6">
+                                            <p:txEl>
+                                              <p:pRg st="2" end="2"/>
+                                            </p:txEl>
+                                          </p:spTgt>
+                                        </p:tgtEl>
+                                        <p:attrNameLst>
+                                          <p:attrName>style.visibility</p:attrName>
+                                        </p:attrNameLst>
+                                      </p:cBhvr>
+                                      <p:to>
+                                        <p:strVal val="visible"/>
+                                      </p:to>
+                                    </p:set>
+                                    <p:animEffect transition="in" filter="dissolve">
+                                      <p:cBhvr>
+                                        <p:cTn id="12" dur="500"/>
+                                        <p:tgtEl>
+                                          <p:spTgt spid="6">
+                                            <p:txEl>
+                                              <p:pRg st="2" end="2"/>
+                                            </p:txEl>
+                                          </p:spTgt>
+                                        </p:tgtEl>
+                                      </p:cBhvr>
+                                    </p:animEffect>
+                                  </p:childTnLst>
+                                </p:cTn>
+                              </p:par>
+                              <p:par>
+                                <p:cTn id="13" presetID="9" presetClass="entr" presetSubtype="0" fill="hold" grpId="0" nodeType="withEffect">
+                                  <p:stCondLst>
+                                    <p:cond delay="0"/>
+                                  </p:stCondLst>
+                                  <p:childTnLst>
+                                    <p:set>
+                                      <p:cBhvr>
+                                        <p:cTn id="14" dur="1" fill="hold">
+                                          <p:stCondLst>
+                                            <p:cond delay="0"/>
+                                          </p:stCondLst>
+                                        </p:cTn>
+                                        <p:tgtEl>
+                                          <p:spTgt spid="4"/>
+                                        </p:tgtEl>
+                                        <p:attrNameLst>
+                                          <p:attrName>style.visibility</p:attrName>
+                                        </p:attrNameLst>
+                                      </p:cBhvr>
+                                      <p:to>
+                                        <p:strVal val="visible"/>
+                                      </p:to>
+                                    </p:set>
+                                    <p:animEffect transition="in" filter="dissolve">
+                                      <p:cBhvr>
+                                        <p:cTn id="15" dur="500"/>
+                                        <p:tgtEl>
+                                          <p:spTgt spid="4"/>
+                                        </p:tgtEl>
+                                      </p:cBhvr>
+                                    </p:animEffect>
+                                  </p:childTnLst>
+                                </p:cTn>
+                              </p:par>
+                            </p:childTnLst>
+                          </p:cTn>
+                        </p:par>
+                      </p:childTnLst>
+                    </p:cTn>
+                  </p:par>
+                  <p:par>
+                    <p:cTn id="16" fill="hold">
+                      <p:stCondLst>
+                        <p:cond delay="indefinite"/>
+                      </p:stCondLst>
+                      <p:childTnLst>
+                        <p:par>
+                          <p:cTn id="17" fill="hold">
+                            <p:stCondLst>
+                              <p:cond delay="0"/>
+                            </p:stCondLst>
+                            <p:childTnLst>
+                              <p:par>
+                                <p:cTn id="18" presetID="9" presetClass="entr" presetSubtype="0" fill="hold" grpId="0" nodeType="clickEffect">
+                                  <p:stCondLst>
+                                    <p:cond delay="0"/>
+                                  </p:stCondLst>
+                                  <p:childTnLst>
+                                    <p:set>
+                                      <p:cBhvr>
+                                        <p:cTn id="19" dur="1" fill="hold">
+                                          <p:stCondLst>
+                                            <p:cond delay="0"/>
+                                          </p:stCondLst>
+                                        </p:cTn>
+                                        <p:tgtEl>
+                                          <p:spTgt spid="6">
+                                            <p:txEl>
+                                              <p:pRg st="3" end="3"/>
+                                            </p:txEl>
+                                          </p:spTgt>
+                                        </p:tgtEl>
+                                        <p:attrNameLst>
+                                          <p:attrName>style.visibility</p:attrName>
+                                        </p:attrNameLst>
+                                      </p:cBhvr>
+                                      <p:to>
+                                        <p:strVal val="visible"/>
+                                      </p:to>
+                                    </p:set>
+                                    <p:animEffect transition="in" filter="dissolve">
+                                      <p:cBhvr>
+                                        <p:cTn id="20" dur="500"/>
+                                        <p:tgtEl>
+                                          <p:spTgt spid="6">
+                                            <p:txEl>
+                                              <p:pRg st="3" end="3"/>
+                                            </p:txEl>
+                                          </p:spTgt>
+                                        </p:tgtEl>
+                                      </p:cBhvr>
+                                    </p:animEffect>
+                                  </p:childTnLst>
+                                </p:cTn>
+                              </p:par>
+                            </p:childTnLst>
+                          </p:cTn>
+                        </p:par>
+                      </p:childTnLst>
+                    </p:cTn>
+                  </p:par>
+                </p:childTnLst>
+              </p:cTn>
+              <p:prevCondLst>
+                <p:cond evt="onPrev" delay="0">
+                  <p:tgtEl>
+                    <p:sldTgt/>
+                  </p:tgtEl>
+                </p:cond>
+              </p:prevCondLst>
+              <p:nextCondLst>
+                <p:cond evt="onNext" delay="0">
+                  <p:tgtEl>
+                    <p:sldTgt/>
+                  </p:tgtEl>
+                </p:cond>
+              </p:nextCondLst>
+            </p:seq>
+          </p:childTnLst>
+        </p:cTn>
+      </p:par>
+    </p:tnLst>
+    <p:bldLst>
+      <p:bldP spid="6" grpId="0" build="p"/>
+      <p:bldP spid="4" grpId="0" animBg="1"/>
+    </p:bldLst>
+  </p:timing>
+</p:sld>
+</file>
+
+<file path=ppt/slides/slide21.xml><?xml version="1.0" encoding="utf-8"?>
+<p:sld xmlns:a="http://schemas.openxmlformats.org/drawingml/2006/main" xmlns:r="http://schemas.openxmlformats.org/officeDocument/2006/relationships" xmlns:p="http://schemas.openxmlformats.org/presentationml/2006/main">
+  <p:cSld>
+    <p:spTree>
+      <p:nvGrpSpPr>
+        <p:cNvPr id="1" name=""/>
+        <p:cNvGrpSpPr/>
+        <p:nvPr/>
+      </p:nvGrpSpPr>
+      <p:grpSpPr>
+        <a:xfrm>
+          <a:off x="0" y="0"/>
+          <a:ext cx="0" cy="0"/>
+          <a:chOff x="0" y="0"/>
+          <a:chExt cx="0" cy="0"/>
+        </a:xfrm>
+      </p:grpSpPr>
+      <p:sp>
+        <p:nvSpPr>
+          <p:cNvPr id="680971" name="Text Box 11"/>
+          <p:cNvSpPr txBox="1">
+            <a:spLocks noChangeArrowheads="1"/>
+          </p:cNvSpPr>
+          <p:nvPr/>
+        </p:nvSpPr>
+        <p:spPr bwMode="auto">
+          <a:xfrm>
+            <a:off x="457200" y="1676400"/>
+            <a:ext cx="8077200" cy="3416320"/>
+          </a:xfrm>
+          <a:prstGeom prst="rect">
+            <a:avLst/>
+          </a:prstGeom>
+          <a:noFill/>
+          <a:ln w="9525" algn="ctr">
+            <a:noFill/>
+            <a:miter lim="800000"/>
+            <a:headEnd/>
+            <a:tailEnd/>
+          </a:ln>
+          <a:effectLst/>
+        </p:spPr>
+        <p:txBody>
+          <a:bodyPr wrap="square">
+            <a:spAutoFit/>
+          </a:bodyPr>
+          <a:lstStyle/>
+          <a:p>
+            <a:pPr marL="742950" indent="-285750" algn="ctr"/>
+            <a:r>
+              <a:rPr lang="en-US" sz="7200" dirty="0" smtClean="0">
+                <a:latin typeface="Comic Sans MS" pitchFamily="66" charset="0"/>
+              </a:rPr>
+              <a:t>transitive, </a:t>
+            </a:r>
+            <a:r>
+              <a:rPr lang="en-US" sz="7200" dirty="0" err="1" smtClean="0">
+                <a:latin typeface="Comic Sans MS" pitchFamily="66" charset="0"/>
+              </a:rPr>
+              <a:t>antisymmetric</a:t>
+            </a:r>
+            <a:r>
+              <a:rPr lang="en-US" sz="7200" dirty="0" smtClean="0">
+                <a:latin typeface="Comic Sans MS" pitchFamily="66" charset="0"/>
+              </a:rPr>
+              <a:t> &amp;</a:t>
+            </a:r>
+          </a:p>
+          <a:p>
+            <a:pPr marL="742950" indent="-285750" algn="ctr"/>
+            <a:r>
+              <a:rPr lang="en-US" sz="7200" dirty="0" smtClean="0">
+                <a:latin typeface="Comic Sans MS" pitchFamily="66" charset="0"/>
+              </a:rPr>
+              <a:t>reflexive</a:t>
+            </a:r>
+            <a:endParaRPr lang="en-US" sz="7200" dirty="0">
+              <a:latin typeface="Comic Sans MS" pitchFamily="66" charset="0"/>
+            </a:endParaRPr>
+          </a:p>
+        </p:txBody>
+      </p:sp>
+      <p:sp>
+        <p:nvSpPr>
+          <p:cNvPr id="5" name="Rectangle 2"/>
+          <p:cNvSpPr>
+            <a:spLocks noGrp="1" noChangeArrowheads="1"/>
+          </p:cNvSpPr>
+          <p:nvPr>
+            <p:ph type="title"/>
+          </p:nvPr>
+        </p:nvSpPr>
+        <p:spPr>
+          <a:xfrm>
+            <a:off x="1264466" y="274638"/>
+            <a:ext cx="7574734" cy="1096962"/>
+          </a:xfrm>
+        </p:spPr>
+        <p:txBody>
+          <a:bodyPr>
+            <a:noAutofit/>
+          </a:bodyPr>
+          <a:lstStyle/>
+          <a:p>
+            <a:r>
+              <a:rPr lang="en-US" sz="5400" dirty="0" smtClean="0">
+                <a:solidFill>
+                  <a:srgbClr val="8F008F"/>
+                </a:solidFill>
+              </a:rPr>
+              <a:t>weak</a:t>
+            </a:r>
+            <a:r>
+              <a:rPr lang="en-US" sz="5400" dirty="0" smtClean="0">
+                <a:solidFill>
+                  <a:schemeClr val="tx1"/>
+                </a:solidFill>
+              </a:rPr>
+              <a:t> partial</a:t>
+            </a:r>
+            <a:r>
+              <a:rPr lang="en-US" sz="5400" dirty="0" smtClean="0"/>
+              <a:t> orders</a:t>
+            </a:r>
+            <a:endParaRPr lang="en-US" sz="5400" dirty="0"/>
+          </a:p>
+        </p:txBody>
+      </p:sp>
+    </p:spTree>
+    <p:extLst>
+      <p:ext uri="{BB962C8B-B14F-4D97-AF65-F5344CB8AC3E}">
+        <p14:creationId xmlns:p14="http://schemas.microsoft.com/office/powerpoint/2010/main" val="3044729559"/>
+      </p:ext>
+    </p:extLst>
+  </p:cSld>
+  <p:clrMapOvr>
+    <a:masterClrMapping/>
+  </p:clrMapOvr>
+  <mc:AlternateContent xmlns:mc="http://schemas.openxmlformats.org/markup-compatibility/2006" xmlns:p14="http://schemas.microsoft.com/office/powerpoint/2010/main">
+    <mc:Choice Requires="p14">
+      <p:transition spd="med" p14:dur="700">
+        <p:fade/>
+      </p:transition>
+    </mc:Choice>
+    <mc:Fallback xmlns="">
+      <p:transition xmlns:p14="http://schemas.microsoft.com/office/powerpoint/2010/main" spd="med">
+        <p:fade/>
+      </p:transition>
+    </mc:Fallback>
+  </mc:AlternateContent>
+  <p:timing>
+    <p:tnLst>
+      <p:par>
+        <p:cTn xmlns:p14="http://schemas.microsoft.com/office/powerpoint/2010/main" id="1" dur="indefinite" restart="never" nodeType="tmRoot">
+          <p:childTnLst>
+            <p:seq concurrent="1" nextAc="seek">
+              <p:cTn id="2" dur="indefinite" nodeType="mainSeq">
+                <p:childTnLst>
+                  <p:par>
+                    <p:cTn id="3" fill="hold">
+                      <p:stCondLst>
+                        <p:cond delay="indefinite"/>
+                      </p:stCondLst>
+                      <p:childTnLst>
+                        <p:par>
+                          <p:cTn id="4" fill="hold">
+                            <p:stCondLst>
+                              <p:cond delay="0"/>
+                            </p:stCondLst>
+                            <p:childTnLst>
+                              <p:par>
+                                <p:cTn id="5" presetID="10" presetClass="entr" presetSubtype="0" fill="hold" grpId="0" nodeType="clickEffect">
+                                  <p:stCondLst>
+                                    <p:cond delay="0"/>
+                                  </p:stCondLst>
+                                  <p:childTnLst>
+                                    <p:set>
+                                      <p:cBhvr>
+                                        <p:cTn id="6" dur="1" fill="hold">
+                                          <p:stCondLst>
+                                            <p:cond delay="0"/>
+                                          </p:stCondLst>
+                                        </p:cTn>
+                                        <p:tgtEl>
+                                          <p:spTgt spid="680971"/>
+                                        </p:tgtEl>
+                                        <p:attrNameLst>
+                                          <p:attrName>style.visibility</p:attrName>
+                                        </p:attrNameLst>
+                                      </p:cBhvr>
+                                      <p:to>
+                                        <p:strVal val="visible"/>
+                                      </p:to>
+                                    </p:set>
+                                    <p:animEffect transition="in" filter="fade">
+                                      <p:cBhvr>
+                                        <p:cTn id="7" dur="1000"/>
+                                        <p:tgtEl>
+                                          <p:spTgt spid="680971"/>
+                                        </p:tgtEl>
+                                      </p:cBhvr>
+                                    </p:animEffect>
+                                  </p:childTnLst>
+                                </p:cTn>
+                              </p:par>
+                            </p:childTnLst>
+                          </p:cTn>
+                        </p:par>
+                      </p:childTnLst>
+                    </p:cTn>
+                  </p:par>
+                </p:childTnLst>
+              </p:cTn>
+              <p:prevCondLst>
+                <p:cond evt="onPrev" delay="0">
+                  <p:tgtEl>
+                    <p:sldTgt/>
+                  </p:tgtEl>
+                </p:cond>
+              </p:prevCondLst>
+              <p:nextCondLst>
+                <p:cond evt="onNext" delay="0">
+                  <p:tgtEl>
+                    <p:sldTgt/>
+                  </p:tgtEl>
+                </p:cond>
+              </p:nextCondLst>
+            </p:seq>
+          </p:childTnLst>
+        </p:cTn>
+      </p:par>
+    </p:tnLst>
+    <p:bldLst>
+      <p:bldP spid="680971" grpId="0"/>
+    </p:bldLst>
+  </p:timing>
+</p:sld>
+</file>
+
+<file path=ppt/slides/slide22.xml><?xml version="1.0" encoding="utf-8"?>
+<p:sld xmlns:a="http://schemas.openxmlformats.org/drawingml/2006/main" xmlns:r="http://schemas.openxmlformats.org/officeDocument/2006/relationships" xmlns:p="http://schemas.openxmlformats.org/presentationml/2006/main">
+  <p:cSld>
+    <p:spTree>
+      <p:nvGrpSpPr>
+        <p:cNvPr id="1" name=""/>
+        <p:cNvGrpSpPr/>
+        <p:nvPr/>
+      </p:nvGrpSpPr>
+      <p:grpSpPr>
+        <a:xfrm>
+          <a:off x="0" y="0"/>
+          <a:ext cx="0" cy="0"/>
+          <a:chOff x="0" y="0"/>
+          <a:chExt cx="0" cy="0"/>
+        </a:xfrm>
+      </p:grpSpPr>
+      <p:sp>
+        <p:nvSpPr>
+          <p:cNvPr id="2" name="TextBox 1"/>
+          <p:cNvSpPr txBox="1"/>
+          <p:nvPr/>
+        </p:nvSpPr>
+        <p:spPr>
+          <a:xfrm>
+            <a:off x="609600" y="1371600"/>
+            <a:ext cx="7772400" cy="3962400"/>
+          </a:xfrm>
+          <a:prstGeom prst="rect">
+            <a:avLst/>
+          </a:prstGeom>
+          <a:noFill/>
+        </p:spPr>
+        <p:txBody>
+          <a:bodyPr wrap="square" rtlCol="0">
+            <a:noAutofit/>
+          </a:bodyPr>
+          <a:lstStyle/>
+          <a:p>
+            <a:r>
+              <a:rPr lang="en-US" sz="4400" dirty="0" smtClean="0">
+                <a:latin typeface="Comic Sans MS" pitchFamily="66" charset="0"/>
+              </a:rPr>
+              <a:t>Theorem:</a:t>
+            </a:r>
+          </a:p>
+          <a:p>
+            <a:r>
+              <a:rPr lang="en-US" sz="6000" dirty="0" smtClean="0">
+                <a:solidFill>
+                  <a:srgbClr val="0000FF"/>
+                </a:solidFill>
+                <a:latin typeface="Comic Sans MS" pitchFamily="66" charset="0"/>
+              </a:rPr>
+              <a:t>R</a:t>
+            </a:r>
+            <a:r>
+              <a:rPr lang="en-US" sz="6000" dirty="0" smtClean="0">
+                <a:latin typeface="Comic Sans MS" pitchFamily="66" charset="0"/>
+              </a:rPr>
+              <a:t> is a </a:t>
+            </a:r>
+            <a:r>
+              <a:rPr lang="en-US" sz="6000" dirty="0" smtClean="0">
+                <a:solidFill>
+                  <a:srgbClr val="8F008F"/>
+                </a:solidFill>
+                <a:latin typeface="Comic Sans MS" pitchFamily="66" charset="0"/>
+              </a:rPr>
+              <a:t>W</a:t>
+            </a:r>
+            <a:r>
+              <a:rPr lang="en-US" sz="6000" dirty="0" smtClean="0">
+                <a:latin typeface="Comic Sans MS" pitchFamily="66" charset="0"/>
+              </a:rPr>
+              <a:t>PO </a:t>
+            </a:r>
+            <a:r>
+              <a:rPr lang="en-US" sz="6000" dirty="0" err="1" smtClean="0">
+                <a:latin typeface="Comic Sans MS" pitchFamily="66" charset="0"/>
+              </a:rPr>
+              <a:t>iff</a:t>
+            </a:r>
+            <a:endParaRPr lang="en-US" sz="6000" dirty="0">
+              <a:latin typeface="Comic Sans MS" pitchFamily="66" charset="0"/>
+            </a:endParaRPr>
+          </a:p>
+          <a:p>
+            <a:r>
+              <a:rPr lang="en-US" sz="6000" dirty="0" smtClean="0">
+                <a:solidFill>
+                  <a:srgbClr val="0000FF"/>
+                </a:solidFill>
+                <a:latin typeface="Comic Sans MS" pitchFamily="66" charset="0"/>
+              </a:rPr>
+              <a:t>R = D</a:t>
+            </a:r>
+            <a:r>
+              <a:rPr lang="en-US" sz="6600" dirty="0" smtClean="0">
+                <a:solidFill>
+                  <a:srgbClr val="8F008F"/>
+                </a:solidFill>
+                <a:latin typeface="Comic Sans MS" pitchFamily="66" charset="0"/>
+              </a:rPr>
+              <a:t>*</a:t>
+            </a:r>
+            <a:r>
+              <a:rPr lang="en-US" sz="6600" dirty="0" smtClean="0">
+                <a:latin typeface="Comic Sans MS" pitchFamily="66" charset="0"/>
+              </a:rPr>
+              <a:t> for some    </a:t>
+            </a:r>
+          </a:p>
+          <a:p>
+            <a:r>
+              <a:rPr lang="en-US" sz="6600" dirty="0">
+                <a:latin typeface="Comic Sans MS" pitchFamily="66" charset="0"/>
+              </a:rPr>
+              <a:t> </a:t>
+            </a:r>
+            <a:r>
+              <a:rPr lang="en-US" sz="6600" dirty="0" smtClean="0">
+                <a:latin typeface="Comic Sans MS" pitchFamily="66" charset="0"/>
+              </a:rPr>
+              <a:t>         DAG </a:t>
+            </a:r>
+            <a:r>
+              <a:rPr lang="en-US" sz="6600" dirty="0" smtClean="0">
+                <a:solidFill>
+                  <a:srgbClr val="0000FF"/>
+                </a:solidFill>
+                <a:latin typeface="Comic Sans MS" pitchFamily="66" charset="0"/>
+              </a:rPr>
+              <a:t>D</a:t>
+            </a:r>
+            <a:endParaRPr lang="en-US" sz="6000" dirty="0" smtClean="0">
+              <a:solidFill>
+                <a:srgbClr val="0000FF"/>
+              </a:solidFill>
+              <a:latin typeface="Comic Sans MS" pitchFamily="66" charset="0"/>
+            </a:endParaRPr>
+          </a:p>
+        </p:txBody>
+      </p:sp>
+      <p:sp>
+        <p:nvSpPr>
+          <p:cNvPr id="4" name="Rectangle 2"/>
+          <p:cNvSpPr>
+            <a:spLocks noGrp="1" noChangeArrowheads="1"/>
+          </p:cNvSpPr>
+          <p:nvPr>
+            <p:ph type="title"/>
+          </p:nvPr>
+        </p:nvSpPr>
+        <p:spPr>
+          <a:xfrm>
+            <a:off x="1264466" y="274638"/>
+            <a:ext cx="7574734" cy="1096962"/>
+          </a:xfrm>
+        </p:spPr>
+        <p:txBody>
+          <a:bodyPr>
+            <a:noAutofit/>
+          </a:bodyPr>
+          <a:lstStyle/>
+          <a:p>
+            <a:r>
+              <a:rPr lang="en-US" sz="5400" dirty="0" smtClean="0">
+                <a:solidFill>
+                  <a:srgbClr val="8F008F"/>
+                </a:solidFill>
+              </a:rPr>
+              <a:t>weak</a:t>
+            </a:r>
+            <a:r>
+              <a:rPr lang="en-US" sz="5400" dirty="0" smtClean="0">
+                <a:solidFill>
+                  <a:schemeClr val="tx1"/>
+                </a:solidFill>
+              </a:rPr>
+              <a:t> partial</a:t>
+            </a:r>
+            <a:r>
+              <a:rPr lang="en-US" sz="5400" dirty="0" smtClean="0"/>
+              <a:t> orders</a:t>
+            </a:r>
+            <a:endParaRPr lang="en-US" sz="5400" dirty="0"/>
+          </a:p>
+        </p:txBody>
+      </p:sp>
+    </p:spTree>
+    <p:extLst>
+      <p:ext uri="{BB962C8B-B14F-4D97-AF65-F5344CB8AC3E}">
+        <p14:creationId xmlns:p14="http://schemas.microsoft.com/office/powerpoint/2010/main" val="2118284781"/>
+      </p:ext>
+    </p:extLst>
+  </p:cSld>
+  <p:clrMapOvr>
+    <a:masterClrMapping/>
+  </p:clrMapOvr>
+  <mc:AlternateContent xmlns:mc="http://schemas.openxmlformats.org/markup-compatibility/2006" xmlns:p14="http://schemas.microsoft.com/office/powerpoint/2010/main">
+    <mc:Choice Requires="p14">
+      <p:transition spd="med" p14:dur="700">
+        <p:fade/>
+      </p:transition>
+    </mc:Choice>
+    <mc:Fallback xmlns="">
+      <p:transition xmlns:p14="http://schemas.microsoft.com/office/powerpoint/2010/main" spd="med">
+        <p:fade/>
+      </p:transition>
+    </mc:Fallback>
+  </mc:AlternateContent>
+  <p:timing>
+    <p:tnLst>
+      <p:par>
+        <p:cTn xmlns:p14="http://schemas.microsoft.com/office/powerpoint/2010/main" id="1" dur="indefinite" restart="never" nodeType="tmRoot">
+          <p:childTnLst>
+            <p:seq concurrent="1" nextAc="seek">
+              <p:cTn id="2" dur="indefinite" nodeType="mainSeq">
+                <p:childTnLst>
+                  <p:par>
+                    <p:cTn id="3" fill="hold">
+                      <p:stCondLst>
+                        <p:cond delay="indefinite"/>
+                      </p:stCondLst>
+                      <p:childTnLst>
+                        <p:par>
+                          <p:cTn id="4" fill="hold">
+                            <p:stCondLst>
+                              <p:cond delay="0"/>
+                            </p:stCondLst>
+                            <p:childTnLst>
+                              <p:par>
+                                <p:cTn id="5" presetID="9" presetClass="entr" presetSubtype="0" fill="hold" nodeType="clickEffect">
+                                  <p:stCondLst>
+                                    <p:cond delay="0"/>
+                                  </p:stCondLst>
+                                  <p:childTnLst>
+                                    <p:set>
+                                      <p:cBhvr>
+                                        <p:cTn id="6" dur="1" fill="hold">
+                                          <p:stCondLst>
+                                            <p:cond delay="0"/>
+                                          </p:stCondLst>
+                                        </p:cTn>
+                                        <p:tgtEl>
+                                          <p:spTgt spid="2">
+                                            <p:txEl>
+                                              <p:pRg st="1" end="1"/>
+                                            </p:txEl>
+                                          </p:spTgt>
+                                        </p:tgtEl>
+                                        <p:attrNameLst>
+                                          <p:attrName>style.visibility</p:attrName>
+                                        </p:attrNameLst>
+                                      </p:cBhvr>
+                                      <p:to>
+                                        <p:strVal val="visible"/>
+                                      </p:to>
+                                    </p:set>
+                                    <p:animEffect transition="in" filter="dissolve">
+                                      <p:cBhvr>
+                                        <p:cTn id="7" dur="500"/>
+                                        <p:tgtEl>
+                                          <p:spTgt spid="2">
+                                            <p:txEl>
+                                              <p:pRg st="1" end="1"/>
+                                            </p:txEl>
+                                          </p:spTgt>
+                                        </p:tgtEl>
+                                      </p:cBhvr>
+                                    </p:animEffect>
+                                  </p:childTnLst>
+                                </p:cTn>
+                              </p:par>
+                            </p:childTnLst>
+                          </p:cTn>
+                        </p:par>
+                      </p:childTnLst>
+                    </p:cTn>
+                  </p:par>
+                  <p:par>
+                    <p:cTn id="8" fill="hold">
+                      <p:stCondLst>
+                        <p:cond delay="indefinite"/>
+                      </p:stCondLst>
+                      <p:childTnLst>
+                        <p:par>
+                          <p:cTn id="9" fill="hold">
+                            <p:stCondLst>
+                              <p:cond delay="0"/>
+                            </p:stCondLst>
+                            <p:childTnLst>
+                              <p:par>
+                                <p:cTn id="10" presetID="9" presetClass="entr" presetSubtype="0" fill="hold" nodeType="clickEffect">
+                                  <p:stCondLst>
+                                    <p:cond delay="0"/>
+                                  </p:stCondLst>
+                                  <p:childTnLst>
+                                    <p:set>
+                                      <p:cBhvr>
+                                        <p:cTn id="11" dur="1" fill="hold">
+                                          <p:stCondLst>
+                                            <p:cond delay="0"/>
+                                          </p:stCondLst>
+                                        </p:cTn>
+                                        <p:tgtEl>
+                                          <p:spTgt spid="2">
+                                            <p:txEl>
+                                              <p:pRg st="2" end="2"/>
+                                            </p:txEl>
+                                          </p:spTgt>
+                                        </p:tgtEl>
+                                        <p:attrNameLst>
+                                          <p:attrName>style.visibility</p:attrName>
+                                        </p:attrNameLst>
+                                      </p:cBhvr>
+                                      <p:to>
+                                        <p:strVal val="visible"/>
+                                      </p:to>
+                                    </p:set>
+                                    <p:animEffect transition="in" filter="dissolve">
+                                      <p:cBhvr>
+                                        <p:cTn id="12" dur="500"/>
+                                        <p:tgtEl>
+                                          <p:spTgt spid="2">
+                                            <p:txEl>
+                                              <p:pRg st="2" end="2"/>
+                                            </p:txEl>
+                                          </p:spTgt>
+                                        </p:tgtEl>
+                                      </p:cBhvr>
+                                    </p:animEffect>
+                                  </p:childTnLst>
+                                </p:cTn>
+                              </p:par>
+                              <p:par>
+                                <p:cTn id="13" presetID="9" presetClass="entr" presetSubtype="0" fill="hold" nodeType="withEffect">
+                                  <p:stCondLst>
+                                    <p:cond delay="0"/>
+                                  </p:stCondLst>
+                                  <p:childTnLst>
+                                    <p:set>
+                                      <p:cBhvr>
+                                        <p:cTn id="14" dur="1" fill="hold">
+                                          <p:stCondLst>
+                                            <p:cond delay="0"/>
+                                          </p:stCondLst>
+                                        </p:cTn>
+                                        <p:tgtEl>
+                                          <p:spTgt spid="2">
+                                            <p:txEl>
+                                              <p:pRg st="3" end="3"/>
+                                            </p:txEl>
+                                          </p:spTgt>
+                                        </p:tgtEl>
+                                        <p:attrNameLst>
+                                          <p:attrName>style.visibility</p:attrName>
+                                        </p:attrNameLst>
+                                      </p:cBhvr>
+                                      <p:to>
+                                        <p:strVal val="visible"/>
+                                      </p:to>
+                                    </p:set>
+                                    <p:animEffect transition="in" filter="dissolve">
+                                      <p:cBhvr>
+                                        <p:cTn id="15" dur="500"/>
+                                        <p:tgtEl>
+                                          <p:spTgt spid="2">
+                                            <p:txEl>
+                                              <p:pRg st="3" end="3"/>
+                                            </p:txEl>
+                                          </p:spTgt>
+                                        </p:tgtEl>
+                                      </p:cBhvr>
+                                    </p:animEffect>
+                                  </p:childTnLst>
+                                </p:cTn>
+                              </p:par>
+                            </p:childTnLst>
+                          </p:cTn>
+                        </p:par>
+                      </p:childTnLst>
+                    </p:cTn>
+                  </p:par>
+                </p:childTnLst>
+              </p:cTn>
+              <p:prevCondLst>
+                <p:cond evt="onPrev" delay="0">
+                  <p:tgtEl>
+                    <p:sldTgt/>
+                  </p:tgtEl>
+                </p:cond>
+              </p:prevCondLst>
+              <p:nextCondLst>
+                <p:cond evt="onNext" delay="0">
+                  <p:tgtEl>
+                    <p:sldTgt/>
+                  </p:tgtEl>
+                </p:cond>
+              </p:nextCondLst>
+            </p:seq>
+          </p:childTnLst>
+        </p:cTn>
+      </p:par>
+    </p:tnLst>
   </p:timing>
 </p:sld>
 </file>
